--- a/images/ch3solution.pptx
+++ b/images/ch3solution.pptx
@@ -1,11 +1,11 @@
 
 <file path=ppt/presentation.xml><?xml version="1.0" encoding="utf-8"?>
-<p:presentation xmlns:a="http://schemas.openxmlformats.org/drawingml/2006/main" xmlns:r="http://schemas.openxmlformats.org/officeDocument/2006/relationships" xmlns:p="http://schemas.openxmlformats.org/presentationml/2006/main">
+<p:presentation xmlns:a="http://schemas.openxmlformats.org/drawingml/2006/main" xmlns:r="http://schemas.openxmlformats.org/officeDocument/2006/relationships" xmlns:p="http://schemas.openxmlformats.org/presentationml/2006/main" saveSubsetFonts="1">
   <p:sldMasterIdLst>
     <p:sldMasterId id="2147483648" r:id="rId1"/>
   </p:sldMasterIdLst>
   <p:sldIdLst>
-    <p:sldId id="256" r:id="rId3"/>
+    <p:sldId id="274" r:id="rId2"/>
   </p:sldIdLst>
   <p:sldSz cx="12192000" cy="6858000"/>
   <p:notesSz cx="6858000" cy="9144000"/>
@@ -104,6 +104,11 @@
       </a:defRPr>
     </a:lvl9pPr>
   </p:defaultTextStyle>
+  <p:extLst>
+    <p:ext uri="{EFAFB233-063F-42B5-8137-9DF3F51BA10A}">
+      <p15:sldGuideLst xmlns:p15="http://schemas.microsoft.com/office/powerpoint/2012/main"/>
+    </p:ext>
+  </p:extLst>
 </p:presentation>
 </file>
 
@@ -126,7 +131,13 @@
       </p:grpSpPr>
       <p:sp>
         <p:nvSpPr>
-          <p:cNvPr id="2" name="标题 1"/>
+          <p:cNvPr id="2" name="标题 1">
+            <a:extLst>
+              <a:ext uri="{FF2B5EF4-FFF2-40B4-BE49-F238E27FC236}">
+                <a16:creationId xmlns:a16="http://schemas.microsoft.com/office/drawing/2014/main" id="{F243EF59-527B-46A0-9B51-9E921740BADD}"/>
+              </a:ext>
+            </a:extLst>
+          </p:cNvPr>
           <p:cNvSpPr>
             <a:spLocks noGrp="1"/>
           </p:cNvSpPr>
@@ -152,13 +163,18 @@
               <a:rPr lang="zh-CN" altLang="en-US"/>
               <a:t>单击此处编辑母版标题样式</a:t>
             </a:r>
-            <a:endParaRPr lang="zh-CN" altLang="en-US"/>
-          </a:p>
-        </p:txBody>
-      </p:sp>
-      <p:sp>
-        <p:nvSpPr>
-          <p:cNvPr id="3" name="副标题 2"/>
+          </a:p>
+        </p:txBody>
+      </p:sp>
+      <p:sp>
+        <p:nvSpPr>
+          <p:cNvPr id="3" name="副标题 2">
+            <a:extLst>
+              <a:ext uri="{FF2B5EF4-FFF2-40B4-BE49-F238E27FC236}">
+                <a16:creationId xmlns:a16="http://schemas.microsoft.com/office/drawing/2014/main" id="{190BE575-DAC2-43F0-AF69-E4A8F697CBCD}"/>
+              </a:ext>
+            </a:extLst>
+          </p:cNvPr>
           <p:cNvSpPr>
             <a:spLocks noGrp="1"/>
           </p:cNvSpPr>
@@ -217,13 +233,18 @@
               <a:rPr lang="zh-CN" altLang="en-US"/>
               <a:t>单击此处编辑母版副标题样式</a:t>
             </a:r>
-            <a:endParaRPr lang="zh-CN" altLang="en-US"/>
-          </a:p>
-        </p:txBody>
-      </p:sp>
-      <p:sp>
-        <p:nvSpPr>
-          <p:cNvPr id="4" name="日期占位符 3"/>
+          </a:p>
+        </p:txBody>
+      </p:sp>
+      <p:sp>
+        <p:nvSpPr>
+          <p:cNvPr id="4" name="日期占位符 3">
+            <a:extLst>
+              <a:ext uri="{FF2B5EF4-FFF2-40B4-BE49-F238E27FC236}">
+                <a16:creationId xmlns:a16="http://schemas.microsoft.com/office/drawing/2014/main" id="{EE15E9AE-5487-42B8-A77B-F727B2C14770}"/>
+              </a:ext>
+            </a:extLst>
+          </p:cNvPr>
           <p:cNvSpPr>
             <a:spLocks noGrp="1"/>
           </p:cNvSpPr>
@@ -236,8 +257,9 @@
           <a:bodyPr/>
           <a:lstStyle/>
           <a:p>
-            <a:fld id="{D997B5FA-0921-464F-AAE1-844C04324D75}" type="datetimeFigureOut">
+            <a:fld id="{818EF059-61D4-4309-AA3F-D6A14FA325B6}" type="datetimeFigureOut">
               <a:rPr lang="zh-CN" altLang="en-US" smtClean="0"/>
+              <a:t>2022/3/3</a:t>
             </a:fld>
             <a:endParaRPr lang="zh-CN" altLang="en-US"/>
           </a:p>
@@ -245,7 +267,13 @@
       </p:sp>
       <p:sp>
         <p:nvSpPr>
-          <p:cNvPr id="5" name="页脚占位符 4"/>
+          <p:cNvPr id="5" name="页脚占位符 4">
+            <a:extLst>
+              <a:ext uri="{FF2B5EF4-FFF2-40B4-BE49-F238E27FC236}">
+                <a16:creationId xmlns:a16="http://schemas.microsoft.com/office/drawing/2014/main" id="{E24488F7-2FA3-4860-B96A-3FF7E2A27951}"/>
+              </a:ext>
+            </a:extLst>
+          </p:cNvPr>
           <p:cNvSpPr>
             <a:spLocks noGrp="1"/>
           </p:cNvSpPr>
@@ -264,7 +292,13 @@
       </p:sp>
       <p:sp>
         <p:nvSpPr>
-          <p:cNvPr id="6" name="灯片编号占位符 5"/>
+          <p:cNvPr id="6" name="灯片编号占位符 5">
+            <a:extLst>
+              <a:ext uri="{FF2B5EF4-FFF2-40B4-BE49-F238E27FC236}">
+                <a16:creationId xmlns:a16="http://schemas.microsoft.com/office/drawing/2014/main" id="{A8F4FD12-FAB3-42F3-8AFA-7CC0B55E17C1}"/>
+              </a:ext>
+            </a:extLst>
+          </p:cNvPr>
           <p:cNvSpPr>
             <a:spLocks noGrp="1"/>
           </p:cNvSpPr>
@@ -277,14 +311,20 @@
           <a:bodyPr/>
           <a:lstStyle/>
           <a:p>
-            <a:fld id="{565CE74E-AB26-4998-AD42-012C4C1AD076}" type="slidenum">
+            <a:fld id="{421C0830-A4A4-4593-AA83-17859CD90230}" type="slidenum">
               <a:rPr lang="zh-CN" altLang="en-US" smtClean="0"/>
+              <a:t>‹#›</a:t>
             </a:fld>
             <a:endParaRPr lang="zh-CN" altLang="en-US"/>
           </a:p>
         </p:txBody>
       </p:sp>
     </p:spTree>
+    <p:extLst>
+      <p:ext uri="{BB962C8B-B14F-4D97-AF65-F5344CB8AC3E}">
+        <p14:creationId xmlns:p14="http://schemas.microsoft.com/office/powerpoint/2010/main" val="951447643"/>
+      </p:ext>
+    </p:extLst>
   </p:cSld>
   <p:clrMapOvr>
     <a:masterClrMapping/>
@@ -311,7 +351,13 @@
       </p:grpSpPr>
       <p:sp>
         <p:nvSpPr>
-          <p:cNvPr id="2" name="标题 1"/>
+          <p:cNvPr id="2" name="标题 1">
+            <a:extLst>
+              <a:ext uri="{FF2B5EF4-FFF2-40B4-BE49-F238E27FC236}">
+                <a16:creationId xmlns:a16="http://schemas.microsoft.com/office/drawing/2014/main" id="{DAFB4E98-A144-4E9E-8B3D-684F1273BA59}"/>
+              </a:ext>
+            </a:extLst>
+          </p:cNvPr>
           <p:cNvSpPr>
             <a:spLocks noGrp="1"/>
           </p:cNvSpPr>
@@ -328,13 +374,18 @@
               <a:rPr lang="zh-CN" altLang="en-US"/>
               <a:t>单击此处编辑母版标题样式</a:t>
             </a:r>
-            <a:endParaRPr lang="zh-CN" altLang="en-US"/>
-          </a:p>
-        </p:txBody>
-      </p:sp>
-      <p:sp>
-        <p:nvSpPr>
-          <p:cNvPr id="3" name="竖排文字占位符 2"/>
+          </a:p>
+        </p:txBody>
+      </p:sp>
+      <p:sp>
+        <p:nvSpPr>
+          <p:cNvPr id="3" name="竖排文字占位符 2">
+            <a:extLst>
+              <a:ext uri="{FF2B5EF4-FFF2-40B4-BE49-F238E27FC236}">
+                <a16:creationId xmlns:a16="http://schemas.microsoft.com/office/drawing/2014/main" id="{AB2B79D3-0608-4391-A327-2D49EE0AC2DA}"/>
+              </a:ext>
+            </a:extLst>
+          </p:cNvPr>
           <p:cNvSpPr>
             <a:spLocks noGrp="1"/>
           </p:cNvSpPr>
@@ -352,45 +403,46 @@
               <a:rPr lang="zh-CN" altLang="en-US"/>
               <a:t>单击此处编辑母版文本样式</a:t>
             </a:r>
-            <a:endParaRPr lang="zh-CN" altLang="en-US"/>
           </a:p>
           <a:p>
             <a:pPr lvl="1"/>
             <a:r>
               <a:rPr lang="zh-CN" altLang="en-US"/>
-              <a:t>第二级</a:t>
-            </a:r>
-            <a:endParaRPr lang="zh-CN" altLang="en-US"/>
+              <a:t>二级</a:t>
+            </a:r>
           </a:p>
           <a:p>
             <a:pPr lvl="2"/>
             <a:r>
               <a:rPr lang="zh-CN" altLang="en-US"/>
-              <a:t>第三级</a:t>
-            </a:r>
-            <a:endParaRPr lang="zh-CN" altLang="en-US"/>
+              <a:t>三级</a:t>
+            </a:r>
           </a:p>
           <a:p>
             <a:pPr lvl="3"/>
             <a:r>
               <a:rPr lang="zh-CN" altLang="en-US"/>
-              <a:t>第四级</a:t>
-            </a:r>
-            <a:endParaRPr lang="zh-CN" altLang="en-US"/>
+              <a:t>四级</a:t>
+            </a:r>
           </a:p>
           <a:p>
             <a:pPr lvl="4"/>
             <a:r>
               <a:rPr lang="zh-CN" altLang="en-US"/>
-              <a:t>第五级</a:t>
-            </a:r>
-            <a:endParaRPr lang="zh-CN" altLang="en-US"/>
-          </a:p>
-        </p:txBody>
-      </p:sp>
-      <p:sp>
-        <p:nvSpPr>
-          <p:cNvPr id="4" name="日期占位符 3"/>
+              <a:t>五级</a:t>
+            </a:r>
+          </a:p>
+        </p:txBody>
+      </p:sp>
+      <p:sp>
+        <p:nvSpPr>
+          <p:cNvPr id="4" name="日期占位符 3">
+            <a:extLst>
+              <a:ext uri="{FF2B5EF4-FFF2-40B4-BE49-F238E27FC236}">
+                <a16:creationId xmlns:a16="http://schemas.microsoft.com/office/drawing/2014/main" id="{D6B337B2-B5BD-44B9-AC2C-33DE75301F2E}"/>
+              </a:ext>
+            </a:extLst>
+          </p:cNvPr>
           <p:cNvSpPr>
             <a:spLocks noGrp="1"/>
           </p:cNvSpPr>
@@ -403,8 +455,9 @@
           <a:bodyPr/>
           <a:lstStyle/>
           <a:p>
-            <a:fld id="{D997B5FA-0921-464F-AAE1-844C04324D75}" type="datetimeFigureOut">
+            <a:fld id="{818EF059-61D4-4309-AA3F-D6A14FA325B6}" type="datetimeFigureOut">
               <a:rPr lang="zh-CN" altLang="en-US" smtClean="0"/>
+              <a:t>2022/3/3</a:t>
             </a:fld>
             <a:endParaRPr lang="zh-CN" altLang="en-US"/>
           </a:p>
@@ -412,7 +465,13 @@
       </p:sp>
       <p:sp>
         <p:nvSpPr>
-          <p:cNvPr id="5" name="页脚占位符 4"/>
+          <p:cNvPr id="5" name="页脚占位符 4">
+            <a:extLst>
+              <a:ext uri="{FF2B5EF4-FFF2-40B4-BE49-F238E27FC236}">
+                <a16:creationId xmlns:a16="http://schemas.microsoft.com/office/drawing/2014/main" id="{488F4814-17E5-4283-ACEE-EA45036BC579}"/>
+              </a:ext>
+            </a:extLst>
+          </p:cNvPr>
           <p:cNvSpPr>
             <a:spLocks noGrp="1"/>
           </p:cNvSpPr>
@@ -431,7 +490,13 @@
       </p:sp>
       <p:sp>
         <p:nvSpPr>
-          <p:cNvPr id="6" name="灯片编号占位符 5"/>
+          <p:cNvPr id="6" name="灯片编号占位符 5">
+            <a:extLst>
+              <a:ext uri="{FF2B5EF4-FFF2-40B4-BE49-F238E27FC236}">
+                <a16:creationId xmlns:a16="http://schemas.microsoft.com/office/drawing/2014/main" id="{6936ADE7-5EE8-4322-8F6D-BAE9937C3C58}"/>
+              </a:ext>
+            </a:extLst>
+          </p:cNvPr>
           <p:cNvSpPr>
             <a:spLocks noGrp="1"/>
           </p:cNvSpPr>
@@ -444,14 +509,20 @@
           <a:bodyPr/>
           <a:lstStyle/>
           <a:p>
-            <a:fld id="{565CE74E-AB26-4998-AD42-012C4C1AD076}" type="slidenum">
+            <a:fld id="{421C0830-A4A4-4593-AA83-17859CD90230}" type="slidenum">
               <a:rPr lang="zh-CN" altLang="en-US" smtClean="0"/>
+              <a:t>‹#›</a:t>
             </a:fld>
             <a:endParaRPr lang="zh-CN" altLang="en-US"/>
           </a:p>
         </p:txBody>
       </p:sp>
     </p:spTree>
+    <p:extLst>
+      <p:ext uri="{BB962C8B-B14F-4D97-AF65-F5344CB8AC3E}">
+        <p14:creationId xmlns:p14="http://schemas.microsoft.com/office/powerpoint/2010/main" val="1242834304"/>
+      </p:ext>
+    </p:extLst>
   </p:cSld>
   <p:clrMapOvr>
     <a:masterClrMapping/>
@@ -461,7 +532,7 @@
 
 <file path=ppt/slideLayouts/slideLayout11.xml><?xml version="1.0" encoding="utf-8"?>
 <p:sldLayout xmlns:a="http://schemas.openxmlformats.org/drawingml/2006/main" xmlns:r="http://schemas.openxmlformats.org/officeDocument/2006/relationships" xmlns:p="http://schemas.openxmlformats.org/presentationml/2006/main" type="vertTitleAndTx" preserve="1">
-  <p:cSld name="垂直排列标题与&#10;文本">
+  <p:cSld name="竖排标题与文本">
     <p:spTree>
       <p:nvGrpSpPr>
         <p:cNvPr id="1" name=""/>
@@ -478,7 +549,13 @@
       </p:grpSpPr>
       <p:sp>
         <p:nvSpPr>
-          <p:cNvPr id="2" name="竖排标题 1"/>
+          <p:cNvPr id="2" name="竖排标题 1">
+            <a:extLst>
+              <a:ext uri="{FF2B5EF4-FFF2-40B4-BE49-F238E27FC236}">
+                <a16:creationId xmlns:a16="http://schemas.microsoft.com/office/drawing/2014/main" id="{CC55934C-4953-473D-A85B-EBB3056D7383}"/>
+              </a:ext>
+            </a:extLst>
+          </p:cNvPr>
           <p:cNvSpPr>
             <a:spLocks noGrp="1"/>
           </p:cNvSpPr>
@@ -500,13 +577,18 @@
               <a:rPr lang="zh-CN" altLang="en-US"/>
               <a:t>单击此处编辑母版标题样式</a:t>
             </a:r>
-            <a:endParaRPr lang="zh-CN" altLang="en-US"/>
-          </a:p>
-        </p:txBody>
-      </p:sp>
-      <p:sp>
-        <p:nvSpPr>
-          <p:cNvPr id="3" name="竖排文字占位符 2"/>
+          </a:p>
+        </p:txBody>
+      </p:sp>
+      <p:sp>
+        <p:nvSpPr>
+          <p:cNvPr id="3" name="竖排文字占位符 2">
+            <a:extLst>
+              <a:ext uri="{FF2B5EF4-FFF2-40B4-BE49-F238E27FC236}">
+                <a16:creationId xmlns:a16="http://schemas.microsoft.com/office/drawing/2014/main" id="{15C185D6-9FD9-4273-BD5D-F2CBE1BE9609}"/>
+              </a:ext>
+            </a:extLst>
+          </p:cNvPr>
           <p:cNvSpPr>
             <a:spLocks noGrp="1"/>
           </p:cNvSpPr>
@@ -529,45 +611,46 @@
               <a:rPr lang="zh-CN" altLang="en-US"/>
               <a:t>单击此处编辑母版文本样式</a:t>
             </a:r>
-            <a:endParaRPr lang="zh-CN" altLang="en-US"/>
           </a:p>
           <a:p>
             <a:pPr lvl="1"/>
             <a:r>
               <a:rPr lang="zh-CN" altLang="en-US"/>
-              <a:t>第二级</a:t>
-            </a:r>
-            <a:endParaRPr lang="zh-CN" altLang="en-US"/>
+              <a:t>二级</a:t>
+            </a:r>
           </a:p>
           <a:p>
             <a:pPr lvl="2"/>
             <a:r>
               <a:rPr lang="zh-CN" altLang="en-US"/>
-              <a:t>第三级</a:t>
-            </a:r>
-            <a:endParaRPr lang="zh-CN" altLang="en-US"/>
+              <a:t>三级</a:t>
+            </a:r>
           </a:p>
           <a:p>
             <a:pPr lvl="3"/>
             <a:r>
               <a:rPr lang="zh-CN" altLang="en-US"/>
-              <a:t>第四级</a:t>
-            </a:r>
-            <a:endParaRPr lang="zh-CN" altLang="en-US"/>
+              <a:t>四级</a:t>
+            </a:r>
           </a:p>
           <a:p>
             <a:pPr lvl="4"/>
             <a:r>
               <a:rPr lang="zh-CN" altLang="en-US"/>
-              <a:t>第五级</a:t>
-            </a:r>
-            <a:endParaRPr lang="zh-CN" altLang="en-US"/>
-          </a:p>
-        </p:txBody>
-      </p:sp>
-      <p:sp>
-        <p:nvSpPr>
-          <p:cNvPr id="4" name="日期占位符 3"/>
+              <a:t>五级</a:t>
+            </a:r>
+          </a:p>
+        </p:txBody>
+      </p:sp>
+      <p:sp>
+        <p:nvSpPr>
+          <p:cNvPr id="4" name="日期占位符 3">
+            <a:extLst>
+              <a:ext uri="{FF2B5EF4-FFF2-40B4-BE49-F238E27FC236}">
+                <a16:creationId xmlns:a16="http://schemas.microsoft.com/office/drawing/2014/main" id="{F77D6B6E-5746-4D13-B73E-3F1AEA5083FC}"/>
+              </a:ext>
+            </a:extLst>
+          </p:cNvPr>
           <p:cNvSpPr>
             <a:spLocks noGrp="1"/>
           </p:cNvSpPr>
@@ -580,8 +663,9 @@
           <a:bodyPr/>
           <a:lstStyle/>
           <a:p>
-            <a:fld id="{D997B5FA-0921-464F-AAE1-844C04324D75}" type="datetimeFigureOut">
+            <a:fld id="{818EF059-61D4-4309-AA3F-D6A14FA325B6}" type="datetimeFigureOut">
               <a:rPr lang="zh-CN" altLang="en-US" smtClean="0"/>
+              <a:t>2022/3/3</a:t>
             </a:fld>
             <a:endParaRPr lang="zh-CN" altLang="en-US"/>
           </a:p>
@@ -589,7 +673,13 @@
       </p:sp>
       <p:sp>
         <p:nvSpPr>
-          <p:cNvPr id="5" name="页脚占位符 4"/>
+          <p:cNvPr id="5" name="页脚占位符 4">
+            <a:extLst>
+              <a:ext uri="{FF2B5EF4-FFF2-40B4-BE49-F238E27FC236}">
+                <a16:creationId xmlns:a16="http://schemas.microsoft.com/office/drawing/2014/main" id="{56597BE1-1B70-44FF-AF09-F25FA3240B1C}"/>
+              </a:ext>
+            </a:extLst>
+          </p:cNvPr>
           <p:cNvSpPr>
             <a:spLocks noGrp="1"/>
           </p:cNvSpPr>
@@ -608,7 +698,13 @@
       </p:sp>
       <p:sp>
         <p:nvSpPr>
-          <p:cNvPr id="6" name="灯片编号占位符 5"/>
+          <p:cNvPr id="6" name="灯片编号占位符 5">
+            <a:extLst>
+              <a:ext uri="{FF2B5EF4-FFF2-40B4-BE49-F238E27FC236}">
+                <a16:creationId xmlns:a16="http://schemas.microsoft.com/office/drawing/2014/main" id="{3156FE37-9B0D-4F80-8630-4D1C56E7A991}"/>
+              </a:ext>
+            </a:extLst>
+          </p:cNvPr>
           <p:cNvSpPr>
             <a:spLocks noGrp="1"/>
           </p:cNvSpPr>
@@ -621,14 +717,20 @@
           <a:bodyPr/>
           <a:lstStyle/>
           <a:p>
-            <a:fld id="{565CE74E-AB26-4998-AD42-012C4C1AD076}" type="slidenum">
+            <a:fld id="{421C0830-A4A4-4593-AA83-17859CD90230}" type="slidenum">
               <a:rPr lang="zh-CN" altLang="en-US" smtClean="0"/>
+              <a:t>‹#›</a:t>
             </a:fld>
             <a:endParaRPr lang="zh-CN" altLang="en-US"/>
           </a:p>
         </p:txBody>
       </p:sp>
     </p:spTree>
+    <p:extLst>
+      <p:ext uri="{BB962C8B-B14F-4D97-AF65-F5344CB8AC3E}">
+        <p14:creationId xmlns:p14="http://schemas.microsoft.com/office/powerpoint/2010/main" val="649026176"/>
+      </p:ext>
+    </p:extLst>
   </p:cSld>
   <p:clrMapOvr>
     <a:masterClrMapping/>
@@ -655,7 +757,13 @@
       </p:grpSpPr>
       <p:sp>
         <p:nvSpPr>
-          <p:cNvPr id="2" name="标题 1"/>
+          <p:cNvPr id="2" name="标题 1">
+            <a:extLst>
+              <a:ext uri="{FF2B5EF4-FFF2-40B4-BE49-F238E27FC236}">
+                <a16:creationId xmlns:a16="http://schemas.microsoft.com/office/drawing/2014/main" id="{4D00102D-E961-44F3-AEB0-D50282E5BEE3}"/>
+              </a:ext>
+            </a:extLst>
+          </p:cNvPr>
           <p:cNvSpPr>
             <a:spLocks noGrp="1"/>
           </p:cNvSpPr>
@@ -672,13 +780,18 @@
               <a:rPr lang="zh-CN" altLang="en-US"/>
               <a:t>单击此处编辑母版标题样式</a:t>
             </a:r>
-            <a:endParaRPr lang="zh-CN" altLang="en-US"/>
-          </a:p>
-        </p:txBody>
-      </p:sp>
-      <p:sp>
-        <p:nvSpPr>
-          <p:cNvPr id="3" name="内容占位符 2"/>
+          </a:p>
+        </p:txBody>
+      </p:sp>
+      <p:sp>
+        <p:nvSpPr>
+          <p:cNvPr id="3" name="内容占位符 2">
+            <a:extLst>
+              <a:ext uri="{FF2B5EF4-FFF2-40B4-BE49-F238E27FC236}">
+                <a16:creationId xmlns:a16="http://schemas.microsoft.com/office/drawing/2014/main" id="{6984C9C1-4EBF-43FF-936E-785B1C60B490}"/>
+              </a:ext>
+            </a:extLst>
+          </p:cNvPr>
           <p:cNvSpPr>
             <a:spLocks noGrp="1"/>
           </p:cNvSpPr>
@@ -696,45 +809,46 @@
               <a:rPr lang="zh-CN" altLang="en-US"/>
               <a:t>单击此处编辑母版文本样式</a:t>
             </a:r>
-            <a:endParaRPr lang="zh-CN" altLang="en-US"/>
           </a:p>
           <a:p>
             <a:pPr lvl="1"/>
             <a:r>
               <a:rPr lang="zh-CN" altLang="en-US"/>
-              <a:t>第二级</a:t>
-            </a:r>
-            <a:endParaRPr lang="zh-CN" altLang="en-US"/>
+              <a:t>二级</a:t>
+            </a:r>
           </a:p>
           <a:p>
             <a:pPr lvl="2"/>
             <a:r>
               <a:rPr lang="zh-CN" altLang="en-US"/>
-              <a:t>第三级</a:t>
-            </a:r>
-            <a:endParaRPr lang="zh-CN" altLang="en-US"/>
+              <a:t>三级</a:t>
+            </a:r>
           </a:p>
           <a:p>
             <a:pPr lvl="3"/>
             <a:r>
               <a:rPr lang="zh-CN" altLang="en-US"/>
-              <a:t>第四级</a:t>
-            </a:r>
-            <a:endParaRPr lang="zh-CN" altLang="en-US"/>
+              <a:t>四级</a:t>
+            </a:r>
           </a:p>
           <a:p>
             <a:pPr lvl="4"/>
             <a:r>
               <a:rPr lang="zh-CN" altLang="en-US"/>
-              <a:t>第五级</a:t>
-            </a:r>
-            <a:endParaRPr lang="zh-CN" altLang="en-US"/>
-          </a:p>
-        </p:txBody>
-      </p:sp>
-      <p:sp>
-        <p:nvSpPr>
-          <p:cNvPr id="4" name="日期占位符 3"/>
+              <a:t>五级</a:t>
+            </a:r>
+          </a:p>
+        </p:txBody>
+      </p:sp>
+      <p:sp>
+        <p:nvSpPr>
+          <p:cNvPr id="4" name="日期占位符 3">
+            <a:extLst>
+              <a:ext uri="{FF2B5EF4-FFF2-40B4-BE49-F238E27FC236}">
+                <a16:creationId xmlns:a16="http://schemas.microsoft.com/office/drawing/2014/main" id="{3F32203B-7B2D-458F-9BB7-CF6420D96FD0}"/>
+              </a:ext>
+            </a:extLst>
+          </p:cNvPr>
           <p:cNvSpPr>
             <a:spLocks noGrp="1"/>
           </p:cNvSpPr>
@@ -747,8 +861,9 @@
           <a:bodyPr/>
           <a:lstStyle/>
           <a:p>
-            <a:fld id="{D997B5FA-0921-464F-AAE1-844C04324D75}" type="datetimeFigureOut">
+            <a:fld id="{818EF059-61D4-4309-AA3F-D6A14FA325B6}" type="datetimeFigureOut">
               <a:rPr lang="zh-CN" altLang="en-US" smtClean="0"/>
+              <a:t>2022/3/3</a:t>
             </a:fld>
             <a:endParaRPr lang="zh-CN" altLang="en-US"/>
           </a:p>
@@ -756,7 +871,13 @@
       </p:sp>
       <p:sp>
         <p:nvSpPr>
-          <p:cNvPr id="5" name="页脚占位符 4"/>
+          <p:cNvPr id="5" name="页脚占位符 4">
+            <a:extLst>
+              <a:ext uri="{FF2B5EF4-FFF2-40B4-BE49-F238E27FC236}">
+                <a16:creationId xmlns:a16="http://schemas.microsoft.com/office/drawing/2014/main" id="{8DE05CFA-1CC4-4A92-B037-527D10F4D9C5}"/>
+              </a:ext>
+            </a:extLst>
+          </p:cNvPr>
           <p:cNvSpPr>
             <a:spLocks noGrp="1"/>
           </p:cNvSpPr>
@@ -775,7 +896,13 @@
       </p:sp>
       <p:sp>
         <p:nvSpPr>
-          <p:cNvPr id="6" name="灯片编号占位符 5"/>
+          <p:cNvPr id="6" name="灯片编号占位符 5">
+            <a:extLst>
+              <a:ext uri="{FF2B5EF4-FFF2-40B4-BE49-F238E27FC236}">
+                <a16:creationId xmlns:a16="http://schemas.microsoft.com/office/drawing/2014/main" id="{CFA53EDC-50F4-47C5-AB9A-FE9A86AE960C}"/>
+              </a:ext>
+            </a:extLst>
+          </p:cNvPr>
           <p:cNvSpPr>
             <a:spLocks noGrp="1"/>
           </p:cNvSpPr>
@@ -788,14 +915,20 @@
           <a:bodyPr/>
           <a:lstStyle/>
           <a:p>
-            <a:fld id="{565CE74E-AB26-4998-AD42-012C4C1AD076}" type="slidenum">
+            <a:fld id="{421C0830-A4A4-4593-AA83-17859CD90230}" type="slidenum">
               <a:rPr lang="zh-CN" altLang="en-US" smtClean="0"/>
+              <a:t>‹#›</a:t>
             </a:fld>
             <a:endParaRPr lang="zh-CN" altLang="en-US"/>
           </a:p>
         </p:txBody>
       </p:sp>
     </p:spTree>
+    <p:extLst>
+      <p:ext uri="{BB962C8B-B14F-4D97-AF65-F5344CB8AC3E}">
+        <p14:creationId xmlns:p14="http://schemas.microsoft.com/office/powerpoint/2010/main" val="2310472395"/>
+      </p:ext>
+    </p:extLst>
   </p:cSld>
   <p:clrMapOvr>
     <a:masterClrMapping/>
@@ -822,7 +955,13 @@
       </p:grpSpPr>
       <p:sp>
         <p:nvSpPr>
-          <p:cNvPr id="2" name="标题 1"/>
+          <p:cNvPr id="2" name="标题 1">
+            <a:extLst>
+              <a:ext uri="{FF2B5EF4-FFF2-40B4-BE49-F238E27FC236}">
+                <a16:creationId xmlns:a16="http://schemas.microsoft.com/office/drawing/2014/main" id="{27145AF5-2CFD-45E0-8248-712F4B7B55AD}"/>
+              </a:ext>
+            </a:extLst>
+          </p:cNvPr>
           <p:cNvSpPr>
             <a:spLocks noGrp="1"/>
           </p:cNvSpPr>
@@ -848,13 +987,18 @@
               <a:rPr lang="zh-CN" altLang="en-US"/>
               <a:t>单击此处编辑母版标题样式</a:t>
             </a:r>
-            <a:endParaRPr lang="zh-CN" altLang="en-US"/>
-          </a:p>
-        </p:txBody>
-      </p:sp>
-      <p:sp>
-        <p:nvSpPr>
-          <p:cNvPr id="3" name="文本占位符 2"/>
+          </a:p>
+        </p:txBody>
+      </p:sp>
+      <p:sp>
+        <p:nvSpPr>
+          <p:cNvPr id="3" name="文本占位符 2">
+            <a:extLst>
+              <a:ext uri="{FF2B5EF4-FFF2-40B4-BE49-F238E27FC236}">
+                <a16:creationId xmlns:a16="http://schemas.microsoft.com/office/drawing/2014/main" id="{BA9E25BA-F341-4D78-91B6-8E2FABAEE142}"/>
+              </a:ext>
+            </a:extLst>
+          </p:cNvPr>
           <p:cNvSpPr>
             <a:spLocks noGrp="1"/>
           </p:cNvSpPr>
@@ -968,13 +1112,18 @@
               <a:rPr lang="zh-CN" altLang="en-US"/>
               <a:t>单击此处编辑母版文本样式</a:t>
             </a:r>
-            <a:endParaRPr lang="zh-CN" altLang="en-US"/>
-          </a:p>
-        </p:txBody>
-      </p:sp>
-      <p:sp>
-        <p:nvSpPr>
-          <p:cNvPr id="4" name="日期占位符 3"/>
+          </a:p>
+        </p:txBody>
+      </p:sp>
+      <p:sp>
+        <p:nvSpPr>
+          <p:cNvPr id="4" name="日期占位符 3">
+            <a:extLst>
+              <a:ext uri="{FF2B5EF4-FFF2-40B4-BE49-F238E27FC236}">
+                <a16:creationId xmlns:a16="http://schemas.microsoft.com/office/drawing/2014/main" id="{B9575811-AA9C-482A-B917-7ADBB69B9401}"/>
+              </a:ext>
+            </a:extLst>
+          </p:cNvPr>
           <p:cNvSpPr>
             <a:spLocks noGrp="1"/>
           </p:cNvSpPr>
@@ -987,8 +1136,9 @@
           <a:bodyPr/>
           <a:lstStyle/>
           <a:p>
-            <a:fld id="{D997B5FA-0921-464F-AAE1-844C04324D75}" type="datetimeFigureOut">
+            <a:fld id="{818EF059-61D4-4309-AA3F-D6A14FA325B6}" type="datetimeFigureOut">
               <a:rPr lang="zh-CN" altLang="en-US" smtClean="0"/>
+              <a:t>2022/3/3</a:t>
             </a:fld>
             <a:endParaRPr lang="zh-CN" altLang="en-US"/>
           </a:p>
@@ -996,7 +1146,13 @@
       </p:sp>
       <p:sp>
         <p:nvSpPr>
-          <p:cNvPr id="5" name="页脚占位符 4"/>
+          <p:cNvPr id="5" name="页脚占位符 4">
+            <a:extLst>
+              <a:ext uri="{FF2B5EF4-FFF2-40B4-BE49-F238E27FC236}">
+                <a16:creationId xmlns:a16="http://schemas.microsoft.com/office/drawing/2014/main" id="{E1B7C177-5EE2-45BA-A49F-69BB40B0E973}"/>
+              </a:ext>
+            </a:extLst>
+          </p:cNvPr>
           <p:cNvSpPr>
             <a:spLocks noGrp="1"/>
           </p:cNvSpPr>
@@ -1015,7 +1171,13 @@
       </p:sp>
       <p:sp>
         <p:nvSpPr>
-          <p:cNvPr id="6" name="灯片编号占位符 5"/>
+          <p:cNvPr id="6" name="灯片编号占位符 5">
+            <a:extLst>
+              <a:ext uri="{FF2B5EF4-FFF2-40B4-BE49-F238E27FC236}">
+                <a16:creationId xmlns:a16="http://schemas.microsoft.com/office/drawing/2014/main" id="{A4D1927A-3980-4A43-8615-28A94EEA54DA}"/>
+              </a:ext>
+            </a:extLst>
+          </p:cNvPr>
           <p:cNvSpPr>
             <a:spLocks noGrp="1"/>
           </p:cNvSpPr>
@@ -1028,14 +1190,20 @@
           <a:bodyPr/>
           <a:lstStyle/>
           <a:p>
-            <a:fld id="{565CE74E-AB26-4998-AD42-012C4C1AD076}" type="slidenum">
+            <a:fld id="{421C0830-A4A4-4593-AA83-17859CD90230}" type="slidenum">
               <a:rPr lang="zh-CN" altLang="en-US" smtClean="0"/>
+              <a:t>‹#›</a:t>
             </a:fld>
             <a:endParaRPr lang="zh-CN" altLang="en-US"/>
           </a:p>
         </p:txBody>
       </p:sp>
     </p:spTree>
+    <p:extLst>
+      <p:ext uri="{BB962C8B-B14F-4D97-AF65-F5344CB8AC3E}">
+        <p14:creationId xmlns:p14="http://schemas.microsoft.com/office/powerpoint/2010/main" val="2183648448"/>
+      </p:ext>
+    </p:extLst>
   </p:cSld>
   <p:clrMapOvr>
     <a:masterClrMapping/>
@@ -1062,7 +1230,13 @@
       </p:grpSpPr>
       <p:sp>
         <p:nvSpPr>
-          <p:cNvPr id="2" name="标题 1"/>
+          <p:cNvPr id="2" name="标题 1">
+            <a:extLst>
+              <a:ext uri="{FF2B5EF4-FFF2-40B4-BE49-F238E27FC236}">
+                <a16:creationId xmlns:a16="http://schemas.microsoft.com/office/drawing/2014/main" id="{7AA38DC6-1E75-45DB-872F-A1FBD87A40F1}"/>
+              </a:ext>
+            </a:extLst>
+          </p:cNvPr>
           <p:cNvSpPr>
             <a:spLocks noGrp="1"/>
           </p:cNvSpPr>
@@ -1079,13 +1253,18 @@
               <a:rPr lang="zh-CN" altLang="en-US"/>
               <a:t>单击此处编辑母版标题样式</a:t>
             </a:r>
-            <a:endParaRPr lang="zh-CN" altLang="en-US"/>
-          </a:p>
-        </p:txBody>
-      </p:sp>
-      <p:sp>
-        <p:nvSpPr>
-          <p:cNvPr id="3" name="内容占位符 2"/>
+          </a:p>
+        </p:txBody>
+      </p:sp>
+      <p:sp>
+        <p:nvSpPr>
+          <p:cNvPr id="3" name="内容占位符 2">
+            <a:extLst>
+              <a:ext uri="{FF2B5EF4-FFF2-40B4-BE49-F238E27FC236}">
+                <a16:creationId xmlns:a16="http://schemas.microsoft.com/office/drawing/2014/main" id="{969E140D-884E-4CD3-B774-D5F4B72F5236}"/>
+              </a:ext>
+            </a:extLst>
+          </p:cNvPr>
           <p:cNvSpPr>
             <a:spLocks noGrp="1"/>
           </p:cNvSpPr>
@@ -1108,45 +1287,46 @@
               <a:rPr lang="zh-CN" altLang="en-US"/>
               <a:t>单击此处编辑母版文本样式</a:t>
             </a:r>
-            <a:endParaRPr lang="zh-CN" altLang="en-US"/>
           </a:p>
           <a:p>
             <a:pPr lvl="1"/>
             <a:r>
               <a:rPr lang="zh-CN" altLang="en-US"/>
-              <a:t>第二级</a:t>
-            </a:r>
-            <a:endParaRPr lang="zh-CN" altLang="en-US"/>
+              <a:t>二级</a:t>
+            </a:r>
           </a:p>
           <a:p>
             <a:pPr lvl="2"/>
             <a:r>
               <a:rPr lang="zh-CN" altLang="en-US"/>
-              <a:t>第三级</a:t>
-            </a:r>
-            <a:endParaRPr lang="zh-CN" altLang="en-US"/>
+              <a:t>三级</a:t>
+            </a:r>
           </a:p>
           <a:p>
             <a:pPr lvl="3"/>
             <a:r>
               <a:rPr lang="zh-CN" altLang="en-US"/>
-              <a:t>第四级</a:t>
-            </a:r>
-            <a:endParaRPr lang="zh-CN" altLang="en-US"/>
+              <a:t>四级</a:t>
+            </a:r>
           </a:p>
           <a:p>
             <a:pPr lvl="4"/>
             <a:r>
               <a:rPr lang="zh-CN" altLang="en-US"/>
-              <a:t>第五级</a:t>
-            </a:r>
-            <a:endParaRPr lang="zh-CN" altLang="en-US"/>
-          </a:p>
-        </p:txBody>
-      </p:sp>
-      <p:sp>
-        <p:nvSpPr>
-          <p:cNvPr id="4" name="内容占位符 3"/>
+              <a:t>五级</a:t>
+            </a:r>
+          </a:p>
+        </p:txBody>
+      </p:sp>
+      <p:sp>
+        <p:nvSpPr>
+          <p:cNvPr id="4" name="内容占位符 3">
+            <a:extLst>
+              <a:ext uri="{FF2B5EF4-FFF2-40B4-BE49-F238E27FC236}">
+                <a16:creationId xmlns:a16="http://schemas.microsoft.com/office/drawing/2014/main" id="{BCE33A94-6F62-4458-AEE4-EB66F5D238E3}"/>
+              </a:ext>
+            </a:extLst>
+          </p:cNvPr>
           <p:cNvSpPr>
             <a:spLocks noGrp="1"/>
           </p:cNvSpPr>
@@ -1169,45 +1349,46 @@
               <a:rPr lang="zh-CN" altLang="en-US"/>
               <a:t>单击此处编辑母版文本样式</a:t>
             </a:r>
-            <a:endParaRPr lang="zh-CN" altLang="en-US"/>
           </a:p>
           <a:p>
             <a:pPr lvl="1"/>
             <a:r>
               <a:rPr lang="zh-CN" altLang="en-US"/>
-              <a:t>第二级</a:t>
-            </a:r>
-            <a:endParaRPr lang="zh-CN" altLang="en-US"/>
+              <a:t>二级</a:t>
+            </a:r>
           </a:p>
           <a:p>
             <a:pPr lvl="2"/>
             <a:r>
               <a:rPr lang="zh-CN" altLang="en-US"/>
-              <a:t>第三级</a:t>
-            </a:r>
-            <a:endParaRPr lang="zh-CN" altLang="en-US"/>
+              <a:t>三级</a:t>
+            </a:r>
           </a:p>
           <a:p>
             <a:pPr lvl="3"/>
             <a:r>
               <a:rPr lang="zh-CN" altLang="en-US"/>
-              <a:t>第四级</a:t>
-            </a:r>
-            <a:endParaRPr lang="zh-CN" altLang="en-US"/>
+              <a:t>四级</a:t>
+            </a:r>
           </a:p>
           <a:p>
             <a:pPr lvl="4"/>
             <a:r>
               <a:rPr lang="zh-CN" altLang="en-US"/>
-              <a:t>第五级</a:t>
-            </a:r>
-            <a:endParaRPr lang="zh-CN" altLang="en-US"/>
-          </a:p>
-        </p:txBody>
-      </p:sp>
-      <p:sp>
-        <p:nvSpPr>
-          <p:cNvPr id="5" name="日期占位符 4"/>
+              <a:t>五级</a:t>
+            </a:r>
+          </a:p>
+        </p:txBody>
+      </p:sp>
+      <p:sp>
+        <p:nvSpPr>
+          <p:cNvPr id="5" name="日期占位符 4">
+            <a:extLst>
+              <a:ext uri="{FF2B5EF4-FFF2-40B4-BE49-F238E27FC236}">
+                <a16:creationId xmlns:a16="http://schemas.microsoft.com/office/drawing/2014/main" id="{86E1C65D-48FD-4952-B5D1-16CADAD882A6}"/>
+              </a:ext>
+            </a:extLst>
+          </p:cNvPr>
           <p:cNvSpPr>
             <a:spLocks noGrp="1"/>
           </p:cNvSpPr>
@@ -1220,8 +1401,9 @@
           <a:bodyPr/>
           <a:lstStyle/>
           <a:p>
-            <a:fld id="{D997B5FA-0921-464F-AAE1-844C04324D75}" type="datetimeFigureOut">
+            <a:fld id="{818EF059-61D4-4309-AA3F-D6A14FA325B6}" type="datetimeFigureOut">
               <a:rPr lang="zh-CN" altLang="en-US" smtClean="0"/>
+              <a:t>2022/3/3</a:t>
             </a:fld>
             <a:endParaRPr lang="zh-CN" altLang="en-US"/>
           </a:p>
@@ -1229,7 +1411,13 @@
       </p:sp>
       <p:sp>
         <p:nvSpPr>
-          <p:cNvPr id="6" name="页脚占位符 5"/>
+          <p:cNvPr id="6" name="页脚占位符 5">
+            <a:extLst>
+              <a:ext uri="{FF2B5EF4-FFF2-40B4-BE49-F238E27FC236}">
+                <a16:creationId xmlns:a16="http://schemas.microsoft.com/office/drawing/2014/main" id="{FED42599-EA2F-44C3-BBA0-3FFB9A122FA6}"/>
+              </a:ext>
+            </a:extLst>
+          </p:cNvPr>
           <p:cNvSpPr>
             <a:spLocks noGrp="1"/>
           </p:cNvSpPr>
@@ -1248,7 +1436,13 @@
       </p:sp>
       <p:sp>
         <p:nvSpPr>
-          <p:cNvPr id="7" name="灯片编号占位符 6"/>
+          <p:cNvPr id="7" name="灯片编号占位符 6">
+            <a:extLst>
+              <a:ext uri="{FF2B5EF4-FFF2-40B4-BE49-F238E27FC236}">
+                <a16:creationId xmlns:a16="http://schemas.microsoft.com/office/drawing/2014/main" id="{8D0B073A-E740-4396-BD18-7A0CF1E328C7}"/>
+              </a:ext>
+            </a:extLst>
+          </p:cNvPr>
           <p:cNvSpPr>
             <a:spLocks noGrp="1"/>
           </p:cNvSpPr>
@@ -1261,14 +1455,20 @@
           <a:bodyPr/>
           <a:lstStyle/>
           <a:p>
-            <a:fld id="{565CE74E-AB26-4998-AD42-012C4C1AD076}" type="slidenum">
+            <a:fld id="{421C0830-A4A4-4593-AA83-17859CD90230}" type="slidenum">
               <a:rPr lang="zh-CN" altLang="en-US" smtClean="0"/>
+              <a:t>‹#›</a:t>
             </a:fld>
             <a:endParaRPr lang="zh-CN" altLang="en-US"/>
           </a:p>
         </p:txBody>
       </p:sp>
     </p:spTree>
+    <p:extLst>
+      <p:ext uri="{BB962C8B-B14F-4D97-AF65-F5344CB8AC3E}">
+        <p14:creationId xmlns:p14="http://schemas.microsoft.com/office/powerpoint/2010/main" val="562750699"/>
+      </p:ext>
+    </p:extLst>
   </p:cSld>
   <p:clrMapOvr>
     <a:masterClrMapping/>
@@ -1295,7 +1495,13 @@
       </p:grpSpPr>
       <p:sp>
         <p:nvSpPr>
-          <p:cNvPr id="2" name="标题 1"/>
+          <p:cNvPr id="2" name="标题 1">
+            <a:extLst>
+              <a:ext uri="{FF2B5EF4-FFF2-40B4-BE49-F238E27FC236}">
+                <a16:creationId xmlns:a16="http://schemas.microsoft.com/office/drawing/2014/main" id="{72372CB9-CCFB-4849-A0D2-6D44B6B06913}"/>
+              </a:ext>
+            </a:extLst>
+          </p:cNvPr>
           <p:cNvSpPr>
             <a:spLocks noGrp="1"/>
           </p:cNvSpPr>
@@ -1317,13 +1523,18 @@
               <a:rPr lang="zh-CN" altLang="en-US"/>
               <a:t>单击此处编辑母版标题样式</a:t>
             </a:r>
-            <a:endParaRPr lang="zh-CN" altLang="en-US"/>
-          </a:p>
-        </p:txBody>
-      </p:sp>
-      <p:sp>
-        <p:nvSpPr>
-          <p:cNvPr id="3" name="文本占位符 2"/>
+          </a:p>
+        </p:txBody>
+      </p:sp>
+      <p:sp>
+        <p:nvSpPr>
+          <p:cNvPr id="3" name="文本占位符 2">
+            <a:extLst>
+              <a:ext uri="{FF2B5EF4-FFF2-40B4-BE49-F238E27FC236}">
+                <a16:creationId xmlns:a16="http://schemas.microsoft.com/office/drawing/2014/main" id="{7167A3FA-25B7-4B8D-9E0C-5385532BBC10}"/>
+              </a:ext>
+            </a:extLst>
+          </p:cNvPr>
           <p:cNvSpPr>
             <a:spLocks noGrp="1"/>
           </p:cNvSpPr>
@@ -1383,13 +1594,18 @@
               <a:rPr lang="zh-CN" altLang="en-US"/>
               <a:t>单击此处编辑母版文本样式</a:t>
             </a:r>
-            <a:endParaRPr lang="zh-CN" altLang="en-US"/>
-          </a:p>
-        </p:txBody>
-      </p:sp>
-      <p:sp>
-        <p:nvSpPr>
-          <p:cNvPr id="4" name="内容占位符 3"/>
+          </a:p>
+        </p:txBody>
+      </p:sp>
+      <p:sp>
+        <p:nvSpPr>
+          <p:cNvPr id="4" name="内容占位符 3">
+            <a:extLst>
+              <a:ext uri="{FF2B5EF4-FFF2-40B4-BE49-F238E27FC236}">
+                <a16:creationId xmlns:a16="http://schemas.microsoft.com/office/drawing/2014/main" id="{ACAB5632-01A5-464F-98CD-4DDF67E2A12F}"/>
+              </a:ext>
+            </a:extLst>
+          </p:cNvPr>
           <p:cNvSpPr>
             <a:spLocks noGrp="1"/>
           </p:cNvSpPr>
@@ -1412,45 +1628,46 @@
               <a:rPr lang="zh-CN" altLang="en-US"/>
               <a:t>单击此处编辑母版文本样式</a:t>
             </a:r>
-            <a:endParaRPr lang="zh-CN" altLang="en-US"/>
           </a:p>
           <a:p>
             <a:pPr lvl="1"/>
             <a:r>
               <a:rPr lang="zh-CN" altLang="en-US"/>
-              <a:t>第二级</a:t>
-            </a:r>
-            <a:endParaRPr lang="zh-CN" altLang="en-US"/>
+              <a:t>二级</a:t>
+            </a:r>
           </a:p>
           <a:p>
             <a:pPr lvl="2"/>
             <a:r>
               <a:rPr lang="zh-CN" altLang="en-US"/>
-              <a:t>第三级</a:t>
-            </a:r>
-            <a:endParaRPr lang="zh-CN" altLang="en-US"/>
+              <a:t>三级</a:t>
+            </a:r>
           </a:p>
           <a:p>
             <a:pPr lvl="3"/>
             <a:r>
               <a:rPr lang="zh-CN" altLang="en-US"/>
-              <a:t>第四级</a:t>
-            </a:r>
-            <a:endParaRPr lang="zh-CN" altLang="en-US"/>
+              <a:t>四级</a:t>
+            </a:r>
           </a:p>
           <a:p>
             <a:pPr lvl="4"/>
             <a:r>
               <a:rPr lang="zh-CN" altLang="en-US"/>
-              <a:t>第五级</a:t>
-            </a:r>
-            <a:endParaRPr lang="zh-CN" altLang="en-US"/>
-          </a:p>
-        </p:txBody>
-      </p:sp>
-      <p:sp>
-        <p:nvSpPr>
-          <p:cNvPr id="5" name="文本占位符 4"/>
+              <a:t>五级</a:t>
+            </a:r>
+          </a:p>
+        </p:txBody>
+      </p:sp>
+      <p:sp>
+        <p:nvSpPr>
+          <p:cNvPr id="5" name="文本占位符 4">
+            <a:extLst>
+              <a:ext uri="{FF2B5EF4-FFF2-40B4-BE49-F238E27FC236}">
+                <a16:creationId xmlns:a16="http://schemas.microsoft.com/office/drawing/2014/main" id="{4B220FC0-5314-47A8-869D-56DC036C914F}"/>
+              </a:ext>
+            </a:extLst>
+          </p:cNvPr>
           <p:cNvSpPr>
             <a:spLocks noGrp="1"/>
           </p:cNvSpPr>
@@ -1510,13 +1727,18 @@
               <a:rPr lang="zh-CN" altLang="en-US"/>
               <a:t>单击此处编辑母版文本样式</a:t>
             </a:r>
-            <a:endParaRPr lang="zh-CN" altLang="en-US"/>
-          </a:p>
-        </p:txBody>
-      </p:sp>
-      <p:sp>
-        <p:nvSpPr>
-          <p:cNvPr id="6" name="内容占位符 5"/>
+          </a:p>
+        </p:txBody>
+      </p:sp>
+      <p:sp>
+        <p:nvSpPr>
+          <p:cNvPr id="6" name="内容占位符 5">
+            <a:extLst>
+              <a:ext uri="{FF2B5EF4-FFF2-40B4-BE49-F238E27FC236}">
+                <a16:creationId xmlns:a16="http://schemas.microsoft.com/office/drawing/2014/main" id="{AB4E9BCA-568A-4EFC-B5A8-5B112D07B600}"/>
+              </a:ext>
+            </a:extLst>
+          </p:cNvPr>
           <p:cNvSpPr>
             <a:spLocks noGrp="1"/>
           </p:cNvSpPr>
@@ -1539,45 +1761,46 @@
               <a:rPr lang="zh-CN" altLang="en-US"/>
               <a:t>单击此处编辑母版文本样式</a:t>
             </a:r>
-            <a:endParaRPr lang="zh-CN" altLang="en-US"/>
           </a:p>
           <a:p>
             <a:pPr lvl="1"/>
             <a:r>
               <a:rPr lang="zh-CN" altLang="en-US"/>
-              <a:t>第二级</a:t>
-            </a:r>
-            <a:endParaRPr lang="zh-CN" altLang="en-US"/>
+              <a:t>二级</a:t>
+            </a:r>
           </a:p>
           <a:p>
             <a:pPr lvl="2"/>
             <a:r>
               <a:rPr lang="zh-CN" altLang="en-US"/>
-              <a:t>第三级</a:t>
-            </a:r>
-            <a:endParaRPr lang="zh-CN" altLang="en-US"/>
+              <a:t>三级</a:t>
+            </a:r>
           </a:p>
           <a:p>
             <a:pPr lvl="3"/>
             <a:r>
               <a:rPr lang="zh-CN" altLang="en-US"/>
-              <a:t>第四级</a:t>
-            </a:r>
-            <a:endParaRPr lang="zh-CN" altLang="en-US"/>
+              <a:t>四级</a:t>
+            </a:r>
           </a:p>
           <a:p>
             <a:pPr lvl="4"/>
             <a:r>
               <a:rPr lang="zh-CN" altLang="en-US"/>
-              <a:t>第五级</a:t>
-            </a:r>
-            <a:endParaRPr lang="zh-CN" altLang="en-US"/>
-          </a:p>
-        </p:txBody>
-      </p:sp>
-      <p:sp>
-        <p:nvSpPr>
-          <p:cNvPr id="7" name="日期占位符 6"/>
+              <a:t>五级</a:t>
+            </a:r>
+          </a:p>
+        </p:txBody>
+      </p:sp>
+      <p:sp>
+        <p:nvSpPr>
+          <p:cNvPr id="7" name="日期占位符 6">
+            <a:extLst>
+              <a:ext uri="{FF2B5EF4-FFF2-40B4-BE49-F238E27FC236}">
+                <a16:creationId xmlns:a16="http://schemas.microsoft.com/office/drawing/2014/main" id="{A43E6AB7-A272-43FE-8B40-9BF34445089B}"/>
+              </a:ext>
+            </a:extLst>
+          </p:cNvPr>
           <p:cNvSpPr>
             <a:spLocks noGrp="1"/>
           </p:cNvSpPr>
@@ -1590,8 +1813,9 @@
           <a:bodyPr/>
           <a:lstStyle/>
           <a:p>
-            <a:fld id="{D997B5FA-0921-464F-AAE1-844C04324D75}" type="datetimeFigureOut">
+            <a:fld id="{818EF059-61D4-4309-AA3F-D6A14FA325B6}" type="datetimeFigureOut">
               <a:rPr lang="zh-CN" altLang="en-US" smtClean="0"/>
+              <a:t>2022/3/3</a:t>
             </a:fld>
             <a:endParaRPr lang="zh-CN" altLang="en-US"/>
           </a:p>
@@ -1599,7 +1823,13 @@
       </p:sp>
       <p:sp>
         <p:nvSpPr>
-          <p:cNvPr id="8" name="页脚占位符 7"/>
+          <p:cNvPr id="8" name="页脚占位符 7">
+            <a:extLst>
+              <a:ext uri="{FF2B5EF4-FFF2-40B4-BE49-F238E27FC236}">
+                <a16:creationId xmlns:a16="http://schemas.microsoft.com/office/drawing/2014/main" id="{5B0C0D4C-B84E-473D-8740-D2C672134F17}"/>
+              </a:ext>
+            </a:extLst>
+          </p:cNvPr>
           <p:cNvSpPr>
             <a:spLocks noGrp="1"/>
           </p:cNvSpPr>
@@ -1618,7 +1848,13 @@
       </p:sp>
       <p:sp>
         <p:nvSpPr>
-          <p:cNvPr id="9" name="灯片编号占位符 8"/>
+          <p:cNvPr id="9" name="灯片编号占位符 8">
+            <a:extLst>
+              <a:ext uri="{FF2B5EF4-FFF2-40B4-BE49-F238E27FC236}">
+                <a16:creationId xmlns:a16="http://schemas.microsoft.com/office/drawing/2014/main" id="{57EF00FF-19A4-4B36-A3AF-7F691AED2802}"/>
+              </a:ext>
+            </a:extLst>
+          </p:cNvPr>
           <p:cNvSpPr>
             <a:spLocks noGrp="1"/>
           </p:cNvSpPr>
@@ -1631,14 +1867,20 @@
           <a:bodyPr/>
           <a:lstStyle/>
           <a:p>
-            <a:fld id="{565CE74E-AB26-4998-AD42-012C4C1AD076}" type="slidenum">
+            <a:fld id="{421C0830-A4A4-4593-AA83-17859CD90230}" type="slidenum">
               <a:rPr lang="zh-CN" altLang="en-US" smtClean="0"/>
+              <a:t>‹#›</a:t>
             </a:fld>
             <a:endParaRPr lang="zh-CN" altLang="en-US"/>
           </a:p>
         </p:txBody>
       </p:sp>
     </p:spTree>
+    <p:extLst>
+      <p:ext uri="{BB962C8B-B14F-4D97-AF65-F5344CB8AC3E}">
+        <p14:creationId xmlns:p14="http://schemas.microsoft.com/office/powerpoint/2010/main" val="3655456530"/>
+      </p:ext>
+    </p:extLst>
   </p:cSld>
   <p:clrMapOvr>
     <a:masterClrMapping/>
@@ -1665,7 +1907,13 @@
       </p:grpSpPr>
       <p:sp>
         <p:nvSpPr>
-          <p:cNvPr id="2" name="标题 1"/>
+          <p:cNvPr id="2" name="标题 1">
+            <a:extLst>
+              <a:ext uri="{FF2B5EF4-FFF2-40B4-BE49-F238E27FC236}">
+                <a16:creationId xmlns:a16="http://schemas.microsoft.com/office/drawing/2014/main" id="{96295887-8813-4D4A-B71F-0C7A84D77A3E}"/>
+              </a:ext>
+            </a:extLst>
+          </p:cNvPr>
           <p:cNvSpPr>
             <a:spLocks noGrp="1"/>
           </p:cNvSpPr>
@@ -1682,13 +1930,18 @@
               <a:rPr lang="zh-CN" altLang="en-US"/>
               <a:t>单击此处编辑母版标题样式</a:t>
             </a:r>
-            <a:endParaRPr lang="zh-CN" altLang="en-US"/>
-          </a:p>
-        </p:txBody>
-      </p:sp>
-      <p:sp>
-        <p:nvSpPr>
-          <p:cNvPr id="3" name="日期占位符 2"/>
+          </a:p>
+        </p:txBody>
+      </p:sp>
+      <p:sp>
+        <p:nvSpPr>
+          <p:cNvPr id="3" name="日期占位符 2">
+            <a:extLst>
+              <a:ext uri="{FF2B5EF4-FFF2-40B4-BE49-F238E27FC236}">
+                <a16:creationId xmlns:a16="http://schemas.microsoft.com/office/drawing/2014/main" id="{AE6DED53-8F5E-4B30-8461-C2B9AC729802}"/>
+              </a:ext>
+            </a:extLst>
+          </p:cNvPr>
           <p:cNvSpPr>
             <a:spLocks noGrp="1"/>
           </p:cNvSpPr>
@@ -1701,8 +1954,9 @@
           <a:bodyPr/>
           <a:lstStyle/>
           <a:p>
-            <a:fld id="{D997B5FA-0921-464F-AAE1-844C04324D75}" type="datetimeFigureOut">
+            <a:fld id="{818EF059-61D4-4309-AA3F-D6A14FA325B6}" type="datetimeFigureOut">
               <a:rPr lang="zh-CN" altLang="en-US" smtClean="0"/>
+              <a:t>2022/3/3</a:t>
             </a:fld>
             <a:endParaRPr lang="zh-CN" altLang="en-US"/>
           </a:p>
@@ -1710,7 +1964,13 @@
       </p:sp>
       <p:sp>
         <p:nvSpPr>
-          <p:cNvPr id="4" name="页脚占位符 3"/>
+          <p:cNvPr id="4" name="页脚占位符 3">
+            <a:extLst>
+              <a:ext uri="{FF2B5EF4-FFF2-40B4-BE49-F238E27FC236}">
+                <a16:creationId xmlns:a16="http://schemas.microsoft.com/office/drawing/2014/main" id="{4E533B75-A9C2-4DE5-A45F-FBCE309A0156}"/>
+              </a:ext>
+            </a:extLst>
+          </p:cNvPr>
           <p:cNvSpPr>
             <a:spLocks noGrp="1"/>
           </p:cNvSpPr>
@@ -1729,7 +1989,13 @@
       </p:sp>
       <p:sp>
         <p:nvSpPr>
-          <p:cNvPr id="5" name="灯片编号占位符 4"/>
+          <p:cNvPr id="5" name="灯片编号占位符 4">
+            <a:extLst>
+              <a:ext uri="{FF2B5EF4-FFF2-40B4-BE49-F238E27FC236}">
+                <a16:creationId xmlns:a16="http://schemas.microsoft.com/office/drawing/2014/main" id="{FCF61A25-79A6-48E5-BF38-E6CFF2AD72ED}"/>
+              </a:ext>
+            </a:extLst>
+          </p:cNvPr>
           <p:cNvSpPr>
             <a:spLocks noGrp="1"/>
           </p:cNvSpPr>
@@ -1742,14 +2008,20 @@
           <a:bodyPr/>
           <a:lstStyle/>
           <a:p>
-            <a:fld id="{565CE74E-AB26-4998-AD42-012C4C1AD076}" type="slidenum">
+            <a:fld id="{421C0830-A4A4-4593-AA83-17859CD90230}" type="slidenum">
               <a:rPr lang="zh-CN" altLang="en-US" smtClean="0"/>
+              <a:t>‹#›</a:t>
             </a:fld>
             <a:endParaRPr lang="zh-CN" altLang="en-US"/>
           </a:p>
         </p:txBody>
       </p:sp>
     </p:spTree>
+    <p:extLst>
+      <p:ext uri="{BB962C8B-B14F-4D97-AF65-F5344CB8AC3E}">
+        <p14:creationId xmlns:p14="http://schemas.microsoft.com/office/powerpoint/2010/main" val="3543049277"/>
+      </p:ext>
+    </p:extLst>
   </p:cSld>
   <p:clrMapOvr>
     <a:masterClrMapping/>
@@ -1776,7 +2048,13 @@
       </p:grpSpPr>
       <p:sp>
         <p:nvSpPr>
-          <p:cNvPr id="2" name="日期占位符 1"/>
+          <p:cNvPr id="2" name="日期占位符 1">
+            <a:extLst>
+              <a:ext uri="{FF2B5EF4-FFF2-40B4-BE49-F238E27FC236}">
+                <a16:creationId xmlns:a16="http://schemas.microsoft.com/office/drawing/2014/main" id="{BEE0BE88-2215-416E-A05B-BAFC0CAACB6C}"/>
+              </a:ext>
+            </a:extLst>
+          </p:cNvPr>
           <p:cNvSpPr>
             <a:spLocks noGrp="1"/>
           </p:cNvSpPr>
@@ -1789,8 +2067,9 @@
           <a:bodyPr/>
           <a:lstStyle/>
           <a:p>
-            <a:fld id="{D997B5FA-0921-464F-AAE1-844C04324D75}" type="datetimeFigureOut">
+            <a:fld id="{818EF059-61D4-4309-AA3F-D6A14FA325B6}" type="datetimeFigureOut">
               <a:rPr lang="zh-CN" altLang="en-US" smtClean="0"/>
+              <a:t>2022/3/3</a:t>
             </a:fld>
             <a:endParaRPr lang="zh-CN" altLang="en-US"/>
           </a:p>
@@ -1798,7 +2077,13 @@
       </p:sp>
       <p:sp>
         <p:nvSpPr>
-          <p:cNvPr id="3" name="页脚占位符 2"/>
+          <p:cNvPr id="3" name="页脚占位符 2">
+            <a:extLst>
+              <a:ext uri="{FF2B5EF4-FFF2-40B4-BE49-F238E27FC236}">
+                <a16:creationId xmlns:a16="http://schemas.microsoft.com/office/drawing/2014/main" id="{2A8318CB-180A-4D38-A50C-3D7055439AC7}"/>
+              </a:ext>
+            </a:extLst>
+          </p:cNvPr>
           <p:cNvSpPr>
             <a:spLocks noGrp="1"/>
           </p:cNvSpPr>
@@ -1817,7 +2102,13 @@
       </p:sp>
       <p:sp>
         <p:nvSpPr>
-          <p:cNvPr id="4" name="灯片编号占位符 3"/>
+          <p:cNvPr id="4" name="灯片编号占位符 3">
+            <a:extLst>
+              <a:ext uri="{FF2B5EF4-FFF2-40B4-BE49-F238E27FC236}">
+                <a16:creationId xmlns:a16="http://schemas.microsoft.com/office/drawing/2014/main" id="{E57A07FE-75EE-40B8-962F-908FE3FA5D3B}"/>
+              </a:ext>
+            </a:extLst>
+          </p:cNvPr>
           <p:cNvSpPr>
             <a:spLocks noGrp="1"/>
           </p:cNvSpPr>
@@ -1830,14 +2121,20 @@
           <a:bodyPr/>
           <a:lstStyle/>
           <a:p>
-            <a:fld id="{565CE74E-AB26-4998-AD42-012C4C1AD076}" type="slidenum">
+            <a:fld id="{421C0830-A4A4-4593-AA83-17859CD90230}" type="slidenum">
               <a:rPr lang="zh-CN" altLang="en-US" smtClean="0"/>
+              <a:t>‹#›</a:t>
             </a:fld>
             <a:endParaRPr lang="zh-CN" altLang="en-US"/>
           </a:p>
         </p:txBody>
       </p:sp>
     </p:spTree>
+    <p:extLst>
+      <p:ext uri="{BB962C8B-B14F-4D97-AF65-F5344CB8AC3E}">
+        <p14:creationId xmlns:p14="http://schemas.microsoft.com/office/powerpoint/2010/main" val="147421303"/>
+      </p:ext>
+    </p:extLst>
   </p:cSld>
   <p:clrMapOvr>
     <a:masterClrMapping/>
@@ -1864,7 +2161,13 @@
       </p:grpSpPr>
       <p:sp>
         <p:nvSpPr>
-          <p:cNvPr id="2" name="标题 1"/>
+          <p:cNvPr id="2" name="标题 1">
+            <a:extLst>
+              <a:ext uri="{FF2B5EF4-FFF2-40B4-BE49-F238E27FC236}">
+                <a16:creationId xmlns:a16="http://schemas.microsoft.com/office/drawing/2014/main" id="{83ED0F5F-2CBE-45B6-A6E0-820AC19F58D6}"/>
+              </a:ext>
+            </a:extLst>
+          </p:cNvPr>
           <p:cNvSpPr>
             <a:spLocks noGrp="1"/>
           </p:cNvSpPr>
@@ -1890,13 +2193,18 @@
               <a:rPr lang="zh-CN" altLang="en-US"/>
               <a:t>单击此处编辑母版标题样式</a:t>
             </a:r>
-            <a:endParaRPr lang="zh-CN" altLang="en-US"/>
-          </a:p>
-        </p:txBody>
-      </p:sp>
-      <p:sp>
-        <p:nvSpPr>
-          <p:cNvPr id="3" name="内容占位符 2"/>
+          </a:p>
+        </p:txBody>
+      </p:sp>
+      <p:sp>
+        <p:nvSpPr>
+          <p:cNvPr id="3" name="内容占位符 2">
+            <a:extLst>
+              <a:ext uri="{FF2B5EF4-FFF2-40B4-BE49-F238E27FC236}">
+                <a16:creationId xmlns:a16="http://schemas.microsoft.com/office/drawing/2014/main" id="{2B1841B4-2E76-408A-850B-737C9822FA5B}"/>
+              </a:ext>
+            </a:extLst>
+          </p:cNvPr>
           <p:cNvSpPr>
             <a:spLocks noGrp="1"/>
           </p:cNvSpPr>
@@ -1947,45 +2255,46 @@
               <a:rPr lang="zh-CN" altLang="en-US"/>
               <a:t>单击此处编辑母版文本样式</a:t>
             </a:r>
-            <a:endParaRPr lang="zh-CN" altLang="en-US"/>
           </a:p>
           <a:p>
             <a:pPr lvl="1"/>
             <a:r>
               <a:rPr lang="zh-CN" altLang="en-US"/>
-              <a:t>第二级</a:t>
-            </a:r>
-            <a:endParaRPr lang="zh-CN" altLang="en-US"/>
+              <a:t>二级</a:t>
+            </a:r>
           </a:p>
           <a:p>
             <a:pPr lvl="2"/>
             <a:r>
               <a:rPr lang="zh-CN" altLang="en-US"/>
-              <a:t>第三级</a:t>
-            </a:r>
-            <a:endParaRPr lang="zh-CN" altLang="en-US"/>
+              <a:t>三级</a:t>
+            </a:r>
           </a:p>
           <a:p>
             <a:pPr lvl="3"/>
             <a:r>
               <a:rPr lang="zh-CN" altLang="en-US"/>
-              <a:t>第四级</a:t>
-            </a:r>
-            <a:endParaRPr lang="zh-CN" altLang="en-US"/>
+              <a:t>四级</a:t>
+            </a:r>
           </a:p>
           <a:p>
             <a:pPr lvl="4"/>
             <a:r>
               <a:rPr lang="zh-CN" altLang="en-US"/>
-              <a:t>第五级</a:t>
-            </a:r>
-            <a:endParaRPr lang="zh-CN" altLang="en-US"/>
-          </a:p>
-        </p:txBody>
-      </p:sp>
-      <p:sp>
-        <p:nvSpPr>
-          <p:cNvPr id="4" name="文本占位符 3"/>
+              <a:t>五级</a:t>
+            </a:r>
+          </a:p>
+        </p:txBody>
+      </p:sp>
+      <p:sp>
+        <p:nvSpPr>
+          <p:cNvPr id="4" name="文本占位符 3">
+            <a:extLst>
+              <a:ext uri="{FF2B5EF4-FFF2-40B4-BE49-F238E27FC236}">
+                <a16:creationId xmlns:a16="http://schemas.microsoft.com/office/drawing/2014/main" id="{39D32F16-5F34-4A1C-8092-F32FCBE50639}"/>
+              </a:ext>
+            </a:extLst>
+          </p:cNvPr>
           <p:cNvSpPr>
             <a:spLocks noGrp="1"/>
           </p:cNvSpPr>
@@ -2045,13 +2354,18 @@
               <a:rPr lang="zh-CN" altLang="en-US"/>
               <a:t>单击此处编辑母版文本样式</a:t>
             </a:r>
-            <a:endParaRPr lang="zh-CN" altLang="en-US"/>
-          </a:p>
-        </p:txBody>
-      </p:sp>
-      <p:sp>
-        <p:nvSpPr>
-          <p:cNvPr id="5" name="日期占位符 4"/>
+          </a:p>
+        </p:txBody>
+      </p:sp>
+      <p:sp>
+        <p:nvSpPr>
+          <p:cNvPr id="5" name="日期占位符 4">
+            <a:extLst>
+              <a:ext uri="{FF2B5EF4-FFF2-40B4-BE49-F238E27FC236}">
+                <a16:creationId xmlns:a16="http://schemas.microsoft.com/office/drawing/2014/main" id="{CD69F681-CD8F-4B92-B844-0C01BF3DA71B}"/>
+              </a:ext>
+            </a:extLst>
+          </p:cNvPr>
           <p:cNvSpPr>
             <a:spLocks noGrp="1"/>
           </p:cNvSpPr>
@@ -2064,8 +2378,9 @@
           <a:bodyPr/>
           <a:lstStyle/>
           <a:p>
-            <a:fld id="{D997B5FA-0921-464F-AAE1-844C04324D75}" type="datetimeFigureOut">
+            <a:fld id="{818EF059-61D4-4309-AA3F-D6A14FA325B6}" type="datetimeFigureOut">
               <a:rPr lang="zh-CN" altLang="en-US" smtClean="0"/>
+              <a:t>2022/3/3</a:t>
             </a:fld>
             <a:endParaRPr lang="zh-CN" altLang="en-US"/>
           </a:p>
@@ -2073,7 +2388,13 @@
       </p:sp>
       <p:sp>
         <p:nvSpPr>
-          <p:cNvPr id="6" name="页脚占位符 5"/>
+          <p:cNvPr id="6" name="页脚占位符 5">
+            <a:extLst>
+              <a:ext uri="{FF2B5EF4-FFF2-40B4-BE49-F238E27FC236}">
+                <a16:creationId xmlns:a16="http://schemas.microsoft.com/office/drawing/2014/main" id="{93B03985-BE31-4D2D-A1FB-C1AE69E720C6}"/>
+              </a:ext>
+            </a:extLst>
+          </p:cNvPr>
           <p:cNvSpPr>
             <a:spLocks noGrp="1"/>
           </p:cNvSpPr>
@@ -2092,7 +2413,13 @@
       </p:sp>
       <p:sp>
         <p:nvSpPr>
-          <p:cNvPr id="7" name="灯片编号占位符 6"/>
+          <p:cNvPr id="7" name="灯片编号占位符 6">
+            <a:extLst>
+              <a:ext uri="{FF2B5EF4-FFF2-40B4-BE49-F238E27FC236}">
+                <a16:creationId xmlns:a16="http://schemas.microsoft.com/office/drawing/2014/main" id="{197CC3D9-9FC5-4D63-BE49-767D8D131E46}"/>
+              </a:ext>
+            </a:extLst>
+          </p:cNvPr>
           <p:cNvSpPr>
             <a:spLocks noGrp="1"/>
           </p:cNvSpPr>
@@ -2105,14 +2432,20 @@
           <a:bodyPr/>
           <a:lstStyle/>
           <a:p>
-            <a:fld id="{565CE74E-AB26-4998-AD42-012C4C1AD076}" type="slidenum">
+            <a:fld id="{421C0830-A4A4-4593-AA83-17859CD90230}" type="slidenum">
               <a:rPr lang="zh-CN" altLang="en-US" smtClean="0"/>
+              <a:t>‹#›</a:t>
             </a:fld>
             <a:endParaRPr lang="zh-CN" altLang="en-US"/>
           </a:p>
         </p:txBody>
       </p:sp>
     </p:spTree>
+    <p:extLst>
+      <p:ext uri="{BB962C8B-B14F-4D97-AF65-F5344CB8AC3E}">
+        <p14:creationId xmlns:p14="http://schemas.microsoft.com/office/powerpoint/2010/main" val="4182198627"/>
+      </p:ext>
+    </p:extLst>
   </p:cSld>
   <p:clrMapOvr>
     <a:masterClrMapping/>
@@ -2139,7 +2472,13 @@
       </p:grpSpPr>
       <p:sp>
         <p:nvSpPr>
-          <p:cNvPr id="2" name="标题 1"/>
+          <p:cNvPr id="2" name="标题 1">
+            <a:extLst>
+              <a:ext uri="{FF2B5EF4-FFF2-40B4-BE49-F238E27FC236}">
+                <a16:creationId xmlns:a16="http://schemas.microsoft.com/office/drawing/2014/main" id="{8C59D7AE-4983-4E68-975C-81C91575D6C5}"/>
+              </a:ext>
+            </a:extLst>
+          </p:cNvPr>
           <p:cNvSpPr>
             <a:spLocks noGrp="1"/>
           </p:cNvSpPr>
@@ -2165,13 +2504,18 @@
               <a:rPr lang="zh-CN" altLang="en-US"/>
               <a:t>单击此处编辑母版标题样式</a:t>
             </a:r>
-            <a:endParaRPr lang="zh-CN" altLang="en-US"/>
-          </a:p>
-        </p:txBody>
-      </p:sp>
-      <p:sp>
-        <p:nvSpPr>
-          <p:cNvPr id="3" name="图片占位符 2"/>
+          </a:p>
+        </p:txBody>
+      </p:sp>
+      <p:sp>
+        <p:nvSpPr>
+          <p:cNvPr id="3" name="图片占位符 2">
+            <a:extLst>
+              <a:ext uri="{FF2B5EF4-FFF2-40B4-BE49-F238E27FC236}">
+                <a16:creationId xmlns:a16="http://schemas.microsoft.com/office/drawing/2014/main" id="{E09550CB-1E6B-4F2C-9EA7-017D31EBF479}"/>
+              </a:ext>
+            </a:extLst>
+          </p:cNvPr>
           <p:cNvSpPr>
             <a:spLocks noGrp="1"/>
           </p:cNvSpPr>
@@ -2232,7 +2576,13 @@
       </p:sp>
       <p:sp>
         <p:nvSpPr>
-          <p:cNvPr id="4" name="文本占位符 3"/>
+          <p:cNvPr id="4" name="文本占位符 3">
+            <a:extLst>
+              <a:ext uri="{FF2B5EF4-FFF2-40B4-BE49-F238E27FC236}">
+                <a16:creationId xmlns:a16="http://schemas.microsoft.com/office/drawing/2014/main" id="{5A5247A7-D342-4BC8-A766-25B8D2A0B928}"/>
+              </a:ext>
+            </a:extLst>
+          </p:cNvPr>
           <p:cNvSpPr>
             <a:spLocks noGrp="1"/>
           </p:cNvSpPr>
@@ -2292,13 +2642,18 @@
               <a:rPr lang="zh-CN" altLang="en-US"/>
               <a:t>单击此处编辑母版文本样式</a:t>
             </a:r>
-            <a:endParaRPr lang="zh-CN" altLang="en-US"/>
-          </a:p>
-        </p:txBody>
-      </p:sp>
-      <p:sp>
-        <p:nvSpPr>
-          <p:cNvPr id="5" name="日期占位符 4"/>
+          </a:p>
+        </p:txBody>
+      </p:sp>
+      <p:sp>
+        <p:nvSpPr>
+          <p:cNvPr id="5" name="日期占位符 4">
+            <a:extLst>
+              <a:ext uri="{FF2B5EF4-FFF2-40B4-BE49-F238E27FC236}">
+                <a16:creationId xmlns:a16="http://schemas.microsoft.com/office/drawing/2014/main" id="{943750E8-C500-4EE5-AAFA-E68571BD740C}"/>
+              </a:ext>
+            </a:extLst>
+          </p:cNvPr>
           <p:cNvSpPr>
             <a:spLocks noGrp="1"/>
           </p:cNvSpPr>
@@ -2311,8 +2666,9 @@
           <a:bodyPr/>
           <a:lstStyle/>
           <a:p>
-            <a:fld id="{D997B5FA-0921-464F-AAE1-844C04324D75}" type="datetimeFigureOut">
+            <a:fld id="{818EF059-61D4-4309-AA3F-D6A14FA325B6}" type="datetimeFigureOut">
               <a:rPr lang="zh-CN" altLang="en-US" smtClean="0"/>
+              <a:t>2022/3/3</a:t>
             </a:fld>
             <a:endParaRPr lang="zh-CN" altLang="en-US"/>
           </a:p>
@@ -2320,7 +2676,13 @@
       </p:sp>
       <p:sp>
         <p:nvSpPr>
-          <p:cNvPr id="6" name="页脚占位符 5"/>
+          <p:cNvPr id="6" name="页脚占位符 5">
+            <a:extLst>
+              <a:ext uri="{FF2B5EF4-FFF2-40B4-BE49-F238E27FC236}">
+                <a16:creationId xmlns:a16="http://schemas.microsoft.com/office/drawing/2014/main" id="{92EE81C3-DA42-4140-8BDB-6CD75E92FFD3}"/>
+              </a:ext>
+            </a:extLst>
+          </p:cNvPr>
           <p:cNvSpPr>
             <a:spLocks noGrp="1"/>
           </p:cNvSpPr>
@@ -2339,7 +2701,13 @@
       </p:sp>
       <p:sp>
         <p:nvSpPr>
-          <p:cNvPr id="7" name="灯片编号占位符 6"/>
+          <p:cNvPr id="7" name="灯片编号占位符 6">
+            <a:extLst>
+              <a:ext uri="{FF2B5EF4-FFF2-40B4-BE49-F238E27FC236}">
+                <a16:creationId xmlns:a16="http://schemas.microsoft.com/office/drawing/2014/main" id="{F4808A57-631E-4A05-8527-4B7C82412879}"/>
+              </a:ext>
+            </a:extLst>
+          </p:cNvPr>
           <p:cNvSpPr>
             <a:spLocks noGrp="1"/>
           </p:cNvSpPr>
@@ -2352,14 +2720,20 @@
           <a:bodyPr/>
           <a:lstStyle/>
           <a:p>
-            <a:fld id="{565CE74E-AB26-4998-AD42-012C4C1AD076}" type="slidenum">
+            <a:fld id="{421C0830-A4A4-4593-AA83-17859CD90230}" type="slidenum">
               <a:rPr lang="zh-CN" altLang="en-US" smtClean="0"/>
+              <a:t>‹#›</a:t>
             </a:fld>
             <a:endParaRPr lang="zh-CN" altLang="en-US"/>
           </a:p>
         </p:txBody>
       </p:sp>
     </p:spTree>
+    <p:extLst>
+      <p:ext uri="{BB962C8B-B14F-4D97-AF65-F5344CB8AC3E}">
+        <p14:creationId xmlns:p14="http://schemas.microsoft.com/office/powerpoint/2010/main" val="2391645503"/>
+      </p:ext>
+    </p:extLst>
   </p:cSld>
   <p:clrMapOvr>
     <a:masterClrMapping/>
@@ -2391,7 +2765,13 @@
       </p:grpSpPr>
       <p:sp>
         <p:nvSpPr>
-          <p:cNvPr id="2" name="标题占位符 1"/>
+          <p:cNvPr id="2" name="标题占位符 1">
+            <a:extLst>
+              <a:ext uri="{FF2B5EF4-FFF2-40B4-BE49-F238E27FC236}">
+                <a16:creationId xmlns:a16="http://schemas.microsoft.com/office/drawing/2014/main" id="{A112EDB8-2CFF-48E5-9AC4-C203DBCF197C}"/>
+              </a:ext>
+            </a:extLst>
+          </p:cNvPr>
           <p:cNvSpPr>
             <a:spLocks noGrp="1"/>
           </p:cNvSpPr>
@@ -2418,13 +2798,18 @@
               <a:rPr lang="zh-CN" altLang="en-US"/>
               <a:t>单击此处编辑母版标题样式</a:t>
             </a:r>
-            <a:endParaRPr lang="zh-CN" altLang="en-US"/>
-          </a:p>
-        </p:txBody>
-      </p:sp>
-      <p:sp>
-        <p:nvSpPr>
-          <p:cNvPr id="3" name="文本占位符 2"/>
+          </a:p>
+        </p:txBody>
+      </p:sp>
+      <p:sp>
+        <p:nvSpPr>
+          <p:cNvPr id="3" name="文本占位符 2">
+            <a:extLst>
+              <a:ext uri="{FF2B5EF4-FFF2-40B4-BE49-F238E27FC236}">
+                <a16:creationId xmlns:a16="http://schemas.microsoft.com/office/drawing/2014/main" id="{FD617192-D9F3-48AD-B084-6A94BC2200D6}"/>
+              </a:ext>
+            </a:extLst>
+          </p:cNvPr>
           <p:cNvSpPr>
             <a:spLocks noGrp="1"/>
           </p:cNvSpPr>
@@ -2452,45 +2837,46 @@
               <a:rPr lang="zh-CN" altLang="en-US"/>
               <a:t>单击此处编辑母版文本样式</a:t>
             </a:r>
-            <a:endParaRPr lang="zh-CN" altLang="en-US"/>
           </a:p>
           <a:p>
             <a:pPr lvl="1"/>
             <a:r>
               <a:rPr lang="zh-CN" altLang="en-US"/>
-              <a:t>第二级</a:t>
-            </a:r>
-            <a:endParaRPr lang="zh-CN" altLang="en-US"/>
+              <a:t>二级</a:t>
+            </a:r>
           </a:p>
           <a:p>
             <a:pPr lvl="2"/>
             <a:r>
               <a:rPr lang="zh-CN" altLang="en-US"/>
-              <a:t>第三级</a:t>
-            </a:r>
-            <a:endParaRPr lang="zh-CN" altLang="en-US"/>
+              <a:t>三级</a:t>
+            </a:r>
           </a:p>
           <a:p>
             <a:pPr lvl="3"/>
             <a:r>
               <a:rPr lang="zh-CN" altLang="en-US"/>
-              <a:t>第四级</a:t>
-            </a:r>
-            <a:endParaRPr lang="zh-CN" altLang="en-US"/>
+              <a:t>四级</a:t>
+            </a:r>
           </a:p>
           <a:p>
             <a:pPr lvl="4"/>
             <a:r>
               <a:rPr lang="zh-CN" altLang="en-US"/>
-              <a:t>第五级</a:t>
-            </a:r>
-            <a:endParaRPr lang="zh-CN" altLang="en-US"/>
-          </a:p>
-        </p:txBody>
-      </p:sp>
-      <p:sp>
-        <p:nvSpPr>
-          <p:cNvPr id="4" name="日期占位符 3"/>
+              <a:t>五级</a:t>
+            </a:r>
+          </a:p>
+        </p:txBody>
+      </p:sp>
+      <p:sp>
+        <p:nvSpPr>
+          <p:cNvPr id="4" name="日期占位符 3">
+            <a:extLst>
+              <a:ext uri="{FF2B5EF4-FFF2-40B4-BE49-F238E27FC236}">
+                <a16:creationId xmlns:a16="http://schemas.microsoft.com/office/drawing/2014/main" id="{B2011FDA-CE0B-4633-BEB8-750797D80AD6}"/>
+              </a:ext>
+            </a:extLst>
+          </p:cNvPr>
           <p:cNvSpPr>
             <a:spLocks noGrp="1"/>
           </p:cNvSpPr>
@@ -2521,8 +2907,9 @@
             </a:lvl1pPr>
           </a:lstStyle>
           <a:p>
-            <a:fld id="{D997B5FA-0921-464F-AAE1-844C04324D75}" type="datetimeFigureOut">
+            <a:fld id="{818EF059-61D4-4309-AA3F-D6A14FA325B6}" type="datetimeFigureOut">
               <a:rPr lang="zh-CN" altLang="en-US" smtClean="0"/>
+              <a:t>2022/3/3</a:t>
             </a:fld>
             <a:endParaRPr lang="zh-CN" altLang="en-US"/>
           </a:p>
@@ -2530,7 +2917,13 @@
       </p:sp>
       <p:sp>
         <p:nvSpPr>
-          <p:cNvPr id="5" name="页脚占位符 4"/>
+          <p:cNvPr id="5" name="页脚占位符 4">
+            <a:extLst>
+              <a:ext uri="{FF2B5EF4-FFF2-40B4-BE49-F238E27FC236}">
+                <a16:creationId xmlns:a16="http://schemas.microsoft.com/office/drawing/2014/main" id="{DE6817CE-011B-45B7-9A6C-772C9AFFB67F}"/>
+              </a:ext>
+            </a:extLst>
+          </p:cNvPr>
           <p:cNvSpPr>
             <a:spLocks noGrp="1"/>
           </p:cNvSpPr>
@@ -2567,7 +2960,13 @@
       </p:sp>
       <p:sp>
         <p:nvSpPr>
-          <p:cNvPr id="6" name="灯片编号占位符 5"/>
+          <p:cNvPr id="6" name="灯片编号占位符 5">
+            <a:extLst>
+              <a:ext uri="{FF2B5EF4-FFF2-40B4-BE49-F238E27FC236}">
+                <a16:creationId xmlns:a16="http://schemas.microsoft.com/office/drawing/2014/main" id="{5662FEBF-A09C-4314-B596-1C64B618CBD5}"/>
+              </a:ext>
+            </a:extLst>
+          </p:cNvPr>
           <p:cNvSpPr>
             <a:spLocks noGrp="1"/>
           </p:cNvSpPr>
@@ -2598,14 +2997,20 @@
             </a:lvl1pPr>
           </a:lstStyle>
           <a:p>
-            <a:fld id="{565CE74E-AB26-4998-AD42-012C4C1AD076}" type="slidenum">
+            <a:fld id="{421C0830-A4A4-4593-AA83-17859CD90230}" type="slidenum">
               <a:rPr lang="zh-CN" altLang="en-US" smtClean="0"/>
+              <a:t>‹#›</a:t>
             </a:fld>
             <a:endParaRPr lang="zh-CN" altLang="en-US"/>
           </a:p>
         </p:txBody>
       </p:sp>
     </p:spTree>
+    <p:extLst>
+      <p:ext uri="{BB962C8B-B14F-4D97-AF65-F5344CB8AC3E}">
+        <p14:creationId xmlns:p14="http://schemas.microsoft.com/office/powerpoint/2010/main" val="3935366425"/>
+      </p:ext>
+    </p:extLst>
   </p:cSld>
   <p:clrMap bg1="lt1" tx1="dk1" bg2="lt2" tx2="dk2" accent1="accent1" accent2="accent2" accent3="accent3" accent4="accent4" accent5="accent5" accent6="accent6" hlink="hlink" folHlink="folHlink"/>
   <p:sldLayoutIdLst>
@@ -2921,1579 +3326,2059 @@
           <a:chExt cx="0" cy="0"/>
         </a:xfrm>
       </p:grpSpPr>
-      <p:sp>
-        <p:nvSpPr>
-          <p:cNvPr id="5" name="文本框 4"/>
-          <p:cNvSpPr txBox="1"/>
+      <p:grpSp>
+        <p:nvGrpSpPr>
+          <p:cNvPr id="2" name="组合 1">
+            <a:extLst>
+              <a:ext uri="{FF2B5EF4-FFF2-40B4-BE49-F238E27FC236}">
+                <a16:creationId xmlns:a16="http://schemas.microsoft.com/office/drawing/2014/main" id="{AE99CD2C-8AF8-4287-86AD-5133AC41AD99}"/>
+              </a:ext>
+            </a:extLst>
+          </p:cNvPr>
+          <p:cNvGrpSpPr/>
           <p:nvPr/>
-        </p:nvSpPr>
-        <p:spPr>
+        </p:nvGrpSpPr>
+        <p:grpSpPr>
           <a:xfrm>
-            <a:off x="2550795" y="1649095"/>
-            <a:ext cx="1097280" cy="368300"/>
+            <a:off x="2573035" y="1321768"/>
+            <a:ext cx="6944452" cy="3585083"/>
+            <a:chOff x="2573035" y="1321768"/>
+            <a:chExt cx="6944452" cy="3585083"/>
           </a:xfrm>
-          <a:prstGeom prst="rect">
-            <a:avLst/>
-          </a:prstGeom>
-          <a:noFill/>
-        </p:spPr>
-        <p:txBody>
-          <a:bodyPr wrap="none" rtlCol="0">
-            <a:spAutoFit/>
-          </a:bodyPr>
-          <a:lstStyle/>
-          <a:p>
-            <a:r>
-              <a:rPr lang="zh-CN" altLang="en-US">
+        </p:grpSpPr>
+        <p:grpSp>
+          <p:nvGrpSpPr>
+            <p:cNvPr id="25" name="组合 24">
+              <a:extLst>
+                <a:ext uri="{FF2B5EF4-FFF2-40B4-BE49-F238E27FC236}">
+                  <a16:creationId xmlns:a16="http://schemas.microsoft.com/office/drawing/2014/main" id="{C3B00DC6-04A1-4D77-8FBD-CEBD801F2D9B}"/>
+                </a:ext>
+              </a:extLst>
+            </p:cNvPr>
+            <p:cNvGrpSpPr/>
+            <p:nvPr/>
+          </p:nvGrpSpPr>
+          <p:grpSpPr>
+            <a:xfrm>
+              <a:off x="2942645" y="1996315"/>
+              <a:ext cx="3747430" cy="1200956"/>
+              <a:chOff x="4670899" y="2009104"/>
+              <a:chExt cx="3747430" cy="1200956"/>
+            </a:xfrm>
+          </p:grpSpPr>
+          <p:sp>
+            <p:nvSpPr>
+              <p:cNvPr id="6" name="矩形 5">
+                <a:extLst>
+                  <a:ext uri="{FF2B5EF4-FFF2-40B4-BE49-F238E27FC236}">
+                    <a16:creationId xmlns:a16="http://schemas.microsoft.com/office/drawing/2014/main" id="{DDCCFB8B-6531-4E48-B1BC-904AEFC67380}"/>
+                  </a:ext>
+                </a:extLst>
+              </p:cNvPr>
+              <p:cNvSpPr/>
+              <p:nvPr/>
+            </p:nvSpPr>
+            <p:spPr>
+              <a:xfrm>
+                <a:off x="4670899" y="2778618"/>
+                <a:ext cx="1180404" cy="431442"/>
+              </a:xfrm>
+              <a:prstGeom prst="rect">
+                <a:avLst/>
+              </a:prstGeom>
+              <a:solidFill>
+                <a:schemeClr val="bg1"/>
+              </a:solidFill>
+              <a:ln w="9525">
+                <a:solidFill>
+                  <a:schemeClr val="tx1"/>
+                </a:solidFill>
+              </a:ln>
+            </p:spPr>
+            <p:style>
+              <a:lnRef idx="2">
+                <a:schemeClr val="accent1">
+                  <a:shade val="50000"/>
+                </a:schemeClr>
+              </a:lnRef>
+              <a:fillRef idx="1">
+                <a:schemeClr val="accent1"/>
+              </a:fillRef>
+              <a:effectRef idx="0">
+                <a:schemeClr val="accent1"/>
+              </a:effectRef>
+              <a:fontRef idx="minor">
+                <a:schemeClr val="lt1"/>
+              </a:fontRef>
+            </p:style>
+            <p:txBody>
+              <a:bodyPr rtlCol="0" anchor="ctr"/>
+              <a:lstStyle/>
+              <a:p>
+                <a:pPr algn="ctr"/>
+                <a:r>
+                  <a:rPr lang="zh-CN" altLang="en-US" sz="1200" i="0" dirty="0">
+                    <a:solidFill>
+                      <a:schemeClr val="tx1"/>
+                    </a:solidFill>
+                    <a:latin typeface="宋体" panose="02010600030101010101" pitchFamily="2" charset="-122"/>
+                    <a:ea typeface="宋体" panose="02010600030101010101" pitchFamily="2" charset="-122"/>
+                  </a:rPr>
+                  <a:t>构建可解释知识蒸馏模型</a:t>
+                </a:r>
+                <a:endParaRPr lang="zh-CN" altLang="en-US" sz="1200" dirty="0">
+                  <a:solidFill>
+                    <a:schemeClr val="tx1"/>
+                  </a:solidFill>
+                  <a:latin typeface="宋体" panose="02010600030101010101" pitchFamily="2" charset="-122"/>
+                  <a:ea typeface="宋体" panose="02010600030101010101" pitchFamily="2" charset="-122"/>
+                </a:endParaRPr>
+              </a:p>
+            </p:txBody>
+          </p:sp>
+          <p:sp>
+            <p:nvSpPr>
+              <p:cNvPr id="9" name="矩形 8">
+                <a:extLst>
+                  <a:ext uri="{FF2B5EF4-FFF2-40B4-BE49-F238E27FC236}">
+                    <a16:creationId xmlns:a16="http://schemas.microsoft.com/office/drawing/2014/main" id="{9D979B48-9F81-490B-8D7B-BCFE274A1C19}"/>
+                  </a:ext>
+                </a:extLst>
+              </p:cNvPr>
+              <p:cNvSpPr/>
+              <p:nvPr/>
+            </p:nvSpPr>
+            <p:spPr>
+              <a:xfrm>
+                <a:off x="5458495" y="2009104"/>
+                <a:ext cx="2172238" cy="431442"/>
+              </a:xfrm>
+              <a:prstGeom prst="rect">
+                <a:avLst/>
+              </a:prstGeom>
+              <a:solidFill>
+                <a:schemeClr val="bg1"/>
+              </a:solidFill>
+              <a:ln w="9525">
+                <a:solidFill>
+                  <a:schemeClr val="tx1"/>
+                </a:solidFill>
+              </a:ln>
+            </p:spPr>
+            <p:style>
+              <a:lnRef idx="2">
+                <a:schemeClr val="accent1">
+                  <a:shade val="50000"/>
+                </a:schemeClr>
+              </a:lnRef>
+              <a:fillRef idx="1">
+                <a:schemeClr val="accent1"/>
+              </a:fillRef>
+              <a:effectRef idx="0">
+                <a:schemeClr val="accent1"/>
+              </a:effectRef>
+              <a:fontRef idx="minor">
+                <a:schemeClr val="lt1"/>
+              </a:fontRef>
+            </p:style>
+            <p:txBody>
+              <a:bodyPr rtlCol="0" anchor="ctr"/>
+              <a:lstStyle/>
+              <a:p>
+                <a:pPr algn="ctr"/>
+                <a:r>
+                  <a:rPr lang="zh-CN" altLang="en-US" sz="1200" i="0" dirty="0">
+                    <a:solidFill>
+                      <a:schemeClr val="tx1"/>
+                    </a:solidFill>
+                    <a:latin typeface="宋体" panose="02010600030101010101" pitchFamily="2" charset="-122"/>
+                    <a:ea typeface="宋体" panose="02010600030101010101" pitchFamily="2" charset="-122"/>
+                  </a:rPr>
+                  <a:t>基于决策行为模拟的黑盒测试</a:t>
+                </a:r>
+                <a:endParaRPr lang="zh-CN" altLang="en-US" sz="1200" dirty="0">
+                  <a:solidFill>
+                    <a:schemeClr val="tx1"/>
+                  </a:solidFill>
+                  <a:latin typeface="宋体" panose="02010600030101010101" pitchFamily="2" charset="-122"/>
+                  <a:ea typeface="宋体" panose="02010600030101010101" pitchFamily="2" charset="-122"/>
+                </a:endParaRPr>
+              </a:p>
+            </p:txBody>
+          </p:sp>
+          <p:sp>
+            <p:nvSpPr>
+              <p:cNvPr id="10" name="矩形 9">
+                <a:extLst>
+                  <a:ext uri="{FF2B5EF4-FFF2-40B4-BE49-F238E27FC236}">
+                    <a16:creationId xmlns:a16="http://schemas.microsoft.com/office/drawing/2014/main" id="{851DAC98-377C-4BC2-83EC-B07ABFB2C1D4}"/>
+                  </a:ext>
+                </a:extLst>
+              </p:cNvPr>
+              <p:cNvSpPr/>
+              <p:nvPr/>
+            </p:nvSpPr>
+            <p:spPr>
+              <a:xfrm>
+                <a:off x="5954412" y="2775398"/>
+                <a:ext cx="1180404" cy="431442"/>
+              </a:xfrm>
+              <a:prstGeom prst="rect">
+                <a:avLst/>
+              </a:prstGeom>
+              <a:solidFill>
+                <a:schemeClr val="bg1"/>
+              </a:solidFill>
+              <a:ln w="9525">
+                <a:solidFill>
+                  <a:schemeClr val="tx1"/>
+                </a:solidFill>
+              </a:ln>
+            </p:spPr>
+            <p:style>
+              <a:lnRef idx="2">
+                <a:schemeClr val="accent1">
+                  <a:shade val="50000"/>
+                </a:schemeClr>
+              </a:lnRef>
+              <a:fillRef idx="1">
+                <a:schemeClr val="accent1"/>
+              </a:fillRef>
+              <a:effectRef idx="0">
+                <a:schemeClr val="accent1"/>
+              </a:effectRef>
+              <a:fontRef idx="minor">
+                <a:schemeClr val="lt1"/>
+              </a:fontRef>
+            </p:style>
+            <p:txBody>
+              <a:bodyPr rtlCol="0" anchor="ctr"/>
+              <a:lstStyle/>
+              <a:p>
+                <a:pPr algn="ctr"/>
+                <a:r>
+                  <a:rPr lang="zh-CN" altLang="en-US" sz="1200" i="0" dirty="0">
+                    <a:solidFill>
+                      <a:schemeClr val="tx1"/>
+                    </a:solidFill>
+                    <a:latin typeface="宋体" panose="02010600030101010101" pitchFamily="2" charset="-122"/>
+                    <a:ea typeface="宋体" panose="02010600030101010101" pitchFamily="2" charset="-122"/>
+                  </a:rPr>
+                  <a:t>基于树模型的决策行为模拟</a:t>
+                </a:r>
+                <a:endParaRPr lang="zh-CN" altLang="en-US" sz="1200" dirty="0">
+                  <a:solidFill>
+                    <a:schemeClr val="tx1"/>
+                  </a:solidFill>
+                  <a:latin typeface="宋体" panose="02010600030101010101" pitchFamily="2" charset="-122"/>
+                  <a:ea typeface="宋体" panose="02010600030101010101" pitchFamily="2" charset="-122"/>
+                </a:endParaRPr>
+              </a:p>
+            </p:txBody>
+          </p:sp>
+          <p:sp>
+            <p:nvSpPr>
+              <p:cNvPr id="11" name="矩形 10">
+                <a:extLst>
+                  <a:ext uri="{FF2B5EF4-FFF2-40B4-BE49-F238E27FC236}">
+                    <a16:creationId xmlns:a16="http://schemas.microsoft.com/office/drawing/2014/main" id="{FAE9FC23-0638-451B-8BA5-D390ABA227C4}"/>
+                  </a:ext>
+                </a:extLst>
+              </p:cNvPr>
+              <p:cNvSpPr/>
+              <p:nvPr/>
+            </p:nvSpPr>
+            <p:spPr>
+              <a:xfrm>
+                <a:off x="7237925" y="2775398"/>
+                <a:ext cx="1180404" cy="431442"/>
+              </a:xfrm>
+              <a:prstGeom prst="rect">
+                <a:avLst/>
+              </a:prstGeom>
+              <a:solidFill>
+                <a:schemeClr val="bg1"/>
+              </a:solidFill>
+              <a:ln w="9525">
+                <a:solidFill>
+                  <a:schemeClr val="tx1"/>
+                </a:solidFill>
+              </a:ln>
+            </p:spPr>
+            <p:style>
+              <a:lnRef idx="2">
+                <a:schemeClr val="accent1">
+                  <a:shade val="50000"/>
+                </a:schemeClr>
+              </a:lnRef>
+              <a:fillRef idx="1">
+                <a:schemeClr val="accent1"/>
+              </a:fillRef>
+              <a:effectRef idx="0">
+                <a:schemeClr val="accent1"/>
+              </a:effectRef>
+              <a:fontRef idx="minor">
+                <a:schemeClr val="lt1"/>
+              </a:fontRef>
+            </p:style>
+            <p:txBody>
+              <a:bodyPr rtlCol="0" anchor="ctr"/>
+              <a:lstStyle/>
+              <a:p>
+                <a:pPr algn="ctr"/>
+                <a:r>
+                  <a:rPr lang="zh-CN" altLang="en-US" sz="1200" dirty="0">
+                    <a:solidFill>
+                      <a:schemeClr val="tx1"/>
+                    </a:solidFill>
+                    <a:latin typeface="宋体" panose="02010600030101010101" pitchFamily="2" charset="-122"/>
+                    <a:ea typeface="宋体" panose="02010600030101010101" pitchFamily="2" charset="-122"/>
+                  </a:rPr>
+                  <a:t>建立</a:t>
+                </a:r>
+                <a:r>
+                  <a:rPr lang="zh-CN" altLang="en-US" sz="1200" i="0" dirty="0">
+                    <a:solidFill>
+                      <a:schemeClr val="tx1"/>
+                    </a:solidFill>
+                    <a:latin typeface="宋体" panose="02010600030101010101" pitchFamily="2" charset="-122"/>
+                    <a:ea typeface="宋体" panose="02010600030101010101" pitchFamily="2" charset="-122"/>
+                  </a:rPr>
+                  <a:t>黑盒测试覆盖指标</a:t>
+                </a:r>
+                <a:endParaRPr lang="zh-CN" altLang="en-US" sz="1200" dirty="0">
+                  <a:solidFill>
+                    <a:schemeClr val="tx1"/>
+                  </a:solidFill>
+                  <a:latin typeface="宋体" panose="02010600030101010101" pitchFamily="2" charset="-122"/>
+                  <a:ea typeface="宋体" panose="02010600030101010101" pitchFamily="2" charset="-122"/>
+                </a:endParaRPr>
+              </a:p>
+            </p:txBody>
+          </p:sp>
+          <p:cxnSp>
+            <p:nvCxnSpPr>
+              <p:cNvPr id="13" name="直接连接符 12">
+                <a:extLst>
+                  <a:ext uri="{FF2B5EF4-FFF2-40B4-BE49-F238E27FC236}">
+                    <a16:creationId xmlns:a16="http://schemas.microsoft.com/office/drawing/2014/main" id="{D541F5EE-A1D4-49D4-BA88-8102979DF3E6}"/>
+                  </a:ext>
+                </a:extLst>
+              </p:cNvPr>
+              <p:cNvCxnSpPr>
+                <a:stCxn id="9" idx="2"/>
+                <a:endCxn id="6" idx="0"/>
+              </p:cNvCxnSpPr>
+              <p:nvPr/>
+            </p:nvCxnSpPr>
+            <p:spPr>
+              <a:xfrm flipH="1">
+                <a:off x="5261101" y="2440546"/>
+                <a:ext cx="1283513" cy="338072"/>
+              </a:xfrm>
+              <a:prstGeom prst="line">
+                <a:avLst/>
+              </a:prstGeom>
+            </p:spPr>
+            <p:style>
+              <a:lnRef idx="1">
+                <a:schemeClr val="dk1"/>
+              </a:lnRef>
+              <a:fillRef idx="0">
+                <a:schemeClr val="dk1"/>
+              </a:fillRef>
+              <a:effectRef idx="0">
+                <a:schemeClr val="dk1"/>
+              </a:effectRef>
+              <a:fontRef idx="minor">
+                <a:schemeClr val="tx1"/>
+              </a:fontRef>
+            </p:style>
+          </p:cxnSp>
+          <p:cxnSp>
+            <p:nvCxnSpPr>
+              <p:cNvPr id="15" name="直接连接符 14">
+                <a:extLst>
+                  <a:ext uri="{FF2B5EF4-FFF2-40B4-BE49-F238E27FC236}">
+                    <a16:creationId xmlns:a16="http://schemas.microsoft.com/office/drawing/2014/main" id="{FE004B57-CF1E-4D82-A5FD-470D0628F4E1}"/>
+                  </a:ext>
+                </a:extLst>
+              </p:cNvPr>
+              <p:cNvCxnSpPr>
+                <a:stCxn id="9" idx="2"/>
+                <a:endCxn id="10" idx="0"/>
+              </p:cNvCxnSpPr>
+              <p:nvPr/>
+            </p:nvCxnSpPr>
+            <p:spPr>
+              <a:xfrm>
+                <a:off x="6544614" y="2440546"/>
+                <a:ext cx="0" cy="334852"/>
+              </a:xfrm>
+              <a:prstGeom prst="line">
+                <a:avLst/>
+              </a:prstGeom>
+            </p:spPr>
+            <p:style>
+              <a:lnRef idx="1">
+                <a:schemeClr val="dk1"/>
+              </a:lnRef>
+              <a:fillRef idx="0">
+                <a:schemeClr val="dk1"/>
+              </a:fillRef>
+              <a:effectRef idx="0">
+                <a:schemeClr val="dk1"/>
+              </a:effectRef>
+              <a:fontRef idx="minor">
+                <a:schemeClr val="tx1"/>
+              </a:fontRef>
+            </p:style>
+          </p:cxnSp>
+          <p:cxnSp>
+            <p:nvCxnSpPr>
+              <p:cNvPr id="17" name="直接连接符 16">
+                <a:extLst>
+                  <a:ext uri="{FF2B5EF4-FFF2-40B4-BE49-F238E27FC236}">
+                    <a16:creationId xmlns:a16="http://schemas.microsoft.com/office/drawing/2014/main" id="{F2F7DF99-DA84-48C1-83C1-463297E4F576}"/>
+                  </a:ext>
+                </a:extLst>
+              </p:cNvPr>
+              <p:cNvCxnSpPr>
+                <a:stCxn id="9" idx="2"/>
+                <a:endCxn id="11" idx="0"/>
+              </p:cNvCxnSpPr>
+              <p:nvPr/>
+            </p:nvCxnSpPr>
+            <p:spPr>
+              <a:xfrm>
+                <a:off x="6544614" y="2440546"/>
+                <a:ext cx="1283513" cy="334852"/>
+              </a:xfrm>
+              <a:prstGeom prst="line">
+                <a:avLst/>
+              </a:prstGeom>
+            </p:spPr>
+            <p:style>
+              <a:lnRef idx="1">
+                <a:schemeClr val="dk1"/>
+              </a:lnRef>
+              <a:fillRef idx="0">
+                <a:schemeClr val="dk1"/>
+              </a:fillRef>
+              <a:effectRef idx="0">
+                <a:schemeClr val="dk1"/>
+              </a:effectRef>
+              <a:fontRef idx="minor">
+                <a:schemeClr val="tx1"/>
+              </a:fontRef>
+            </p:style>
+          </p:cxnSp>
+        </p:grpSp>
+        <p:grpSp>
+          <p:nvGrpSpPr>
+            <p:cNvPr id="26" name="组合 25">
+              <a:extLst>
+                <a:ext uri="{FF2B5EF4-FFF2-40B4-BE49-F238E27FC236}">
+                  <a16:creationId xmlns:a16="http://schemas.microsoft.com/office/drawing/2014/main" id="{1DDD301D-FB70-4D0B-A19B-D49EDA8E0A04}"/>
+                </a:ext>
+              </a:extLst>
+            </p:cNvPr>
+            <p:cNvGrpSpPr/>
+            <p:nvPr/>
+          </p:nvGrpSpPr>
+          <p:grpSpPr>
+            <a:xfrm>
+              <a:off x="2942645" y="3563333"/>
+              <a:ext cx="3747430" cy="1200956"/>
+              <a:chOff x="4670899" y="2009104"/>
+              <a:chExt cx="3747430" cy="1200956"/>
+            </a:xfrm>
+          </p:grpSpPr>
+          <p:sp>
+            <p:nvSpPr>
+              <p:cNvPr id="27" name="矩形 26">
+                <a:extLst>
+                  <a:ext uri="{FF2B5EF4-FFF2-40B4-BE49-F238E27FC236}">
+                    <a16:creationId xmlns:a16="http://schemas.microsoft.com/office/drawing/2014/main" id="{623E87BD-CE4D-4DBB-8B19-97165A86BADB}"/>
+                  </a:ext>
+                </a:extLst>
+              </p:cNvPr>
+              <p:cNvSpPr/>
+              <p:nvPr/>
+            </p:nvSpPr>
+            <p:spPr>
+              <a:xfrm>
+                <a:off x="4670899" y="2778618"/>
+                <a:ext cx="1180404" cy="431442"/>
+              </a:xfrm>
+              <a:prstGeom prst="rect">
+                <a:avLst/>
+              </a:prstGeom>
+              <a:solidFill>
+                <a:schemeClr val="bg1"/>
+              </a:solidFill>
+              <a:ln w="9525">
+                <a:solidFill>
+                  <a:schemeClr val="tx1"/>
+                </a:solidFill>
+              </a:ln>
+            </p:spPr>
+            <p:style>
+              <a:lnRef idx="2">
+                <a:schemeClr val="accent1">
+                  <a:shade val="50000"/>
+                </a:schemeClr>
+              </a:lnRef>
+              <a:fillRef idx="1">
+                <a:schemeClr val="accent1"/>
+              </a:fillRef>
+              <a:effectRef idx="0">
+                <a:schemeClr val="accent1"/>
+              </a:effectRef>
+              <a:fontRef idx="minor">
+                <a:schemeClr val="lt1"/>
+              </a:fontRef>
+            </p:style>
+            <p:txBody>
+              <a:bodyPr rtlCol="0" anchor="ctr"/>
+              <a:lstStyle/>
+              <a:p>
+                <a:pPr algn="ctr"/>
+                <a:r>
+                  <a:rPr lang="zh-CN" altLang="en-US" sz="1200" i="0" dirty="0">
+                    <a:solidFill>
+                      <a:schemeClr val="tx1"/>
+                    </a:solidFill>
+                    <a:latin typeface="宋体" panose="02010600030101010101" pitchFamily="2" charset="-122"/>
+                    <a:ea typeface="宋体" panose="02010600030101010101" pitchFamily="2" charset="-122"/>
+                  </a:rPr>
+                  <a:t>抽取层次表示关键特征</a:t>
+                </a:r>
+                <a:endParaRPr lang="zh-CN" altLang="en-US" sz="1200" dirty="0">
+                  <a:solidFill>
+                    <a:schemeClr val="tx1"/>
+                  </a:solidFill>
+                  <a:latin typeface="宋体" panose="02010600030101010101" pitchFamily="2" charset="-122"/>
+                  <a:ea typeface="宋体" panose="02010600030101010101" pitchFamily="2" charset="-122"/>
+                </a:endParaRPr>
+              </a:p>
+            </p:txBody>
+          </p:sp>
+          <p:sp>
+            <p:nvSpPr>
+              <p:cNvPr id="28" name="矩形 27">
+                <a:extLst>
+                  <a:ext uri="{FF2B5EF4-FFF2-40B4-BE49-F238E27FC236}">
+                    <a16:creationId xmlns:a16="http://schemas.microsoft.com/office/drawing/2014/main" id="{5F1BD23E-44E6-4D02-AA9A-B9696BA6F1F5}"/>
+                  </a:ext>
+                </a:extLst>
+              </p:cNvPr>
+              <p:cNvSpPr/>
+              <p:nvPr/>
+            </p:nvSpPr>
+            <p:spPr>
+              <a:xfrm>
+                <a:off x="5458495" y="2009104"/>
+                <a:ext cx="2172238" cy="431442"/>
+              </a:xfrm>
+              <a:prstGeom prst="rect">
+                <a:avLst/>
+              </a:prstGeom>
+              <a:solidFill>
+                <a:schemeClr val="bg1"/>
+              </a:solidFill>
+              <a:ln w="9525">
+                <a:solidFill>
+                  <a:schemeClr val="tx1"/>
+                </a:solidFill>
+              </a:ln>
+            </p:spPr>
+            <p:style>
+              <a:lnRef idx="2">
+                <a:schemeClr val="accent1">
+                  <a:shade val="50000"/>
+                </a:schemeClr>
+              </a:lnRef>
+              <a:fillRef idx="1">
+                <a:schemeClr val="accent1"/>
+              </a:fillRef>
+              <a:effectRef idx="0">
+                <a:schemeClr val="accent1"/>
+              </a:effectRef>
+              <a:fontRef idx="minor">
+                <a:schemeClr val="lt1"/>
+              </a:fontRef>
+            </p:style>
+            <p:txBody>
+              <a:bodyPr rtlCol="0" anchor="ctr"/>
+              <a:lstStyle/>
+              <a:p>
+                <a:pPr algn="ctr"/>
+                <a:r>
+                  <a:rPr lang="zh-CN" altLang="en-US" sz="1200" i="0" dirty="0">
+                    <a:solidFill>
+                      <a:schemeClr val="tx1"/>
+                    </a:solidFill>
+                    <a:latin typeface="宋体" panose="02010600030101010101" pitchFamily="2" charset="-122"/>
+                    <a:ea typeface="宋体" panose="02010600030101010101" pitchFamily="2" charset="-122"/>
+                  </a:rPr>
+                  <a:t>基于层次语义理解的白盒测试</a:t>
+                </a:r>
+                <a:endParaRPr lang="zh-CN" altLang="en-US" sz="1200" dirty="0">
+                  <a:solidFill>
+                    <a:schemeClr val="tx1"/>
+                  </a:solidFill>
+                  <a:latin typeface="宋体" panose="02010600030101010101" pitchFamily="2" charset="-122"/>
+                  <a:ea typeface="宋体" panose="02010600030101010101" pitchFamily="2" charset="-122"/>
+                </a:endParaRPr>
+              </a:p>
+            </p:txBody>
+          </p:sp>
+          <p:sp>
+            <p:nvSpPr>
+              <p:cNvPr id="29" name="矩形 28">
+                <a:extLst>
+                  <a:ext uri="{FF2B5EF4-FFF2-40B4-BE49-F238E27FC236}">
+                    <a16:creationId xmlns:a16="http://schemas.microsoft.com/office/drawing/2014/main" id="{C07CC555-CB45-4856-BC5D-DD89A1C3F8A1}"/>
+                  </a:ext>
+                </a:extLst>
+              </p:cNvPr>
+              <p:cNvSpPr/>
+              <p:nvPr/>
+            </p:nvSpPr>
+            <p:spPr>
+              <a:xfrm>
+                <a:off x="5954412" y="2775398"/>
+                <a:ext cx="1180404" cy="431442"/>
+              </a:xfrm>
+              <a:prstGeom prst="rect">
+                <a:avLst/>
+              </a:prstGeom>
+              <a:solidFill>
+                <a:schemeClr val="bg1"/>
+              </a:solidFill>
+              <a:ln w="9525">
+                <a:solidFill>
+                  <a:schemeClr val="tx1"/>
+                </a:solidFill>
+              </a:ln>
+            </p:spPr>
+            <p:style>
+              <a:lnRef idx="2">
+                <a:schemeClr val="accent1">
+                  <a:shade val="50000"/>
+                </a:schemeClr>
+              </a:lnRef>
+              <a:fillRef idx="1">
+                <a:schemeClr val="accent1"/>
+              </a:fillRef>
+              <a:effectRef idx="0">
+                <a:schemeClr val="accent1"/>
+              </a:effectRef>
+              <a:fontRef idx="minor">
+                <a:schemeClr val="lt1"/>
+              </a:fontRef>
+            </p:style>
+            <p:txBody>
+              <a:bodyPr rtlCol="0" anchor="ctr"/>
+              <a:lstStyle/>
+              <a:p>
+                <a:pPr algn="ctr"/>
+                <a:r>
+                  <a:rPr lang="zh-CN" altLang="en-US" sz="1200" dirty="0">
+                    <a:solidFill>
+                      <a:schemeClr val="tx1"/>
+                    </a:solidFill>
+                    <a:latin typeface="宋体" panose="02010600030101010101" pitchFamily="2" charset="-122"/>
+                    <a:ea typeface="宋体" panose="02010600030101010101" pitchFamily="2" charset="-122"/>
+                  </a:rPr>
+                  <a:t>构建有层次语义的学生模型</a:t>
+                </a:r>
+              </a:p>
+            </p:txBody>
+          </p:sp>
+          <p:sp>
+            <p:nvSpPr>
+              <p:cNvPr id="30" name="矩形 29">
+                <a:extLst>
+                  <a:ext uri="{FF2B5EF4-FFF2-40B4-BE49-F238E27FC236}">
+                    <a16:creationId xmlns:a16="http://schemas.microsoft.com/office/drawing/2014/main" id="{69523FD1-E207-4C71-ACC8-7F0D677D24FA}"/>
+                  </a:ext>
+                </a:extLst>
+              </p:cNvPr>
+              <p:cNvSpPr/>
+              <p:nvPr/>
+            </p:nvSpPr>
+            <p:spPr>
+              <a:xfrm>
+                <a:off x="7237925" y="2775398"/>
+                <a:ext cx="1180404" cy="431442"/>
+              </a:xfrm>
+              <a:prstGeom prst="rect">
+                <a:avLst/>
+              </a:prstGeom>
+              <a:solidFill>
+                <a:schemeClr val="bg1"/>
+              </a:solidFill>
+              <a:ln w="9525">
+                <a:solidFill>
+                  <a:schemeClr val="tx1"/>
+                </a:solidFill>
+              </a:ln>
+            </p:spPr>
+            <p:style>
+              <a:lnRef idx="2">
+                <a:schemeClr val="accent1">
+                  <a:shade val="50000"/>
+                </a:schemeClr>
+              </a:lnRef>
+              <a:fillRef idx="1">
+                <a:schemeClr val="accent1"/>
+              </a:fillRef>
+              <a:effectRef idx="0">
+                <a:schemeClr val="accent1"/>
+              </a:effectRef>
+              <a:fontRef idx="minor">
+                <a:schemeClr val="lt1"/>
+              </a:fontRef>
+            </p:style>
+            <p:txBody>
+              <a:bodyPr rtlCol="0" anchor="ctr"/>
+              <a:lstStyle/>
+              <a:p>
+                <a:pPr algn="ctr"/>
+                <a:r>
+                  <a:rPr lang="zh-CN" altLang="en-US" sz="1200" dirty="0">
+                    <a:solidFill>
+                      <a:schemeClr val="tx1"/>
+                    </a:solidFill>
+                    <a:latin typeface="宋体" panose="02010600030101010101" pitchFamily="2" charset="-122"/>
+                    <a:ea typeface="宋体" panose="02010600030101010101" pitchFamily="2" charset="-122"/>
+                  </a:rPr>
+                  <a:t>建立可解释</a:t>
+                </a:r>
+                <a:r>
+                  <a:rPr lang="zh-CN" altLang="en-US" sz="1200" i="0" dirty="0">
+                    <a:solidFill>
+                      <a:schemeClr val="tx1"/>
+                    </a:solidFill>
+                    <a:latin typeface="宋体" panose="02010600030101010101" pitchFamily="2" charset="-122"/>
+                    <a:ea typeface="宋体" panose="02010600030101010101" pitchFamily="2" charset="-122"/>
+                  </a:rPr>
+                  <a:t>白盒覆盖指标</a:t>
+                </a:r>
+                <a:endParaRPr lang="zh-CN" altLang="en-US" sz="1200" dirty="0">
+                  <a:solidFill>
+                    <a:schemeClr val="tx1"/>
+                  </a:solidFill>
+                  <a:latin typeface="宋体" panose="02010600030101010101" pitchFamily="2" charset="-122"/>
+                  <a:ea typeface="宋体" panose="02010600030101010101" pitchFamily="2" charset="-122"/>
+                </a:endParaRPr>
+              </a:p>
+            </p:txBody>
+          </p:sp>
+          <p:cxnSp>
+            <p:nvCxnSpPr>
+              <p:cNvPr id="31" name="直接连接符 30">
+                <a:extLst>
+                  <a:ext uri="{FF2B5EF4-FFF2-40B4-BE49-F238E27FC236}">
+                    <a16:creationId xmlns:a16="http://schemas.microsoft.com/office/drawing/2014/main" id="{762F1C75-00AF-439F-B7E8-51750A0C13A3}"/>
+                  </a:ext>
+                </a:extLst>
+              </p:cNvPr>
+              <p:cNvCxnSpPr>
+                <a:stCxn id="28" idx="2"/>
+                <a:endCxn id="27" idx="0"/>
+              </p:cNvCxnSpPr>
+              <p:nvPr/>
+            </p:nvCxnSpPr>
+            <p:spPr>
+              <a:xfrm flipH="1">
+                <a:off x="5261101" y="2440546"/>
+                <a:ext cx="1283513" cy="338072"/>
+              </a:xfrm>
+              <a:prstGeom prst="line">
+                <a:avLst/>
+              </a:prstGeom>
+            </p:spPr>
+            <p:style>
+              <a:lnRef idx="1">
+                <a:schemeClr val="dk1"/>
+              </a:lnRef>
+              <a:fillRef idx="0">
+                <a:schemeClr val="dk1"/>
+              </a:fillRef>
+              <a:effectRef idx="0">
+                <a:schemeClr val="dk1"/>
+              </a:effectRef>
+              <a:fontRef idx="minor">
+                <a:schemeClr val="tx1"/>
+              </a:fontRef>
+            </p:style>
+          </p:cxnSp>
+          <p:cxnSp>
+            <p:nvCxnSpPr>
+              <p:cNvPr id="32" name="直接连接符 31">
+                <a:extLst>
+                  <a:ext uri="{FF2B5EF4-FFF2-40B4-BE49-F238E27FC236}">
+                    <a16:creationId xmlns:a16="http://schemas.microsoft.com/office/drawing/2014/main" id="{AA79A60B-744E-4005-A6FE-6444755DBFAE}"/>
+                  </a:ext>
+                </a:extLst>
+              </p:cNvPr>
+              <p:cNvCxnSpPr>
+                <a:stCxn id="28" idx="2"/>
+                <a:endCxn id="29" idx="0"/>
+              </p:cNvCxnSpPr>
+              <p:nvPr/>
+            </p:nvCxnSpPr>
+            <p:spPr>
+              <a:xfrm>
+                <a:off x="6544614" y="2440546"/>
+                <a:ext cx="0" cy="334852"/>
+              </a:xfrm>
+              <a:prstGeom prst="line">
+                <a:avLst/>
+              </a:prstGeom>
+            </p:spPr>
+            <p:style>
+              <a:lnRef idx="1">
+                <a:schemeClr val="dk1"/>
+              </a:lnRef>
+              <a:fillRef idx="0">
+                <a:schemeClr val="dk1"/>
+              </a:fillRef>
+              <a:effectRef idx="0">
+                <a:schemeClr val="dk1"/>
+              </a:effectRef>
+              <a:fontRef idx="minor">
+                <a:schemeClr val="tx1"/>
+              </a:fontRef>
+            </p:style>
+          </p:cxnSp>
+          <p:cxnSp>
+            <p:nvCxnSpPr>
+              <p:cNvPr id="33" name="直接连接符 32">
+                <a:extLst>
+                  <a:ext uri="{FF2B5EF4-FFF2-40B4-BE49-F238E27FC236}">
+                    <a16:creationId xmlns:a16="http://schemas.microsoft.com/office/drawing/2014/main" id="{670358A8-9395-48EF-9502-8E3466461CD8}"/>
+                  </a:ext>
+                </a:extLst>
+              </p:cNvPr>
+              <p:cNvCxnSpPr>
+                <a:stCxn id="28" idx="2"/>
+                <a:endCxn id="30" idx="0"/>
+              </p:cNvCxnSpPr>
+              <p:nvPr/>
+            </p:nvCxnSpPr>
+            <p:spPr>
+              <a:xfrm>
+                <a:off x="6544614" y="2440546"/>
+                <a:ext cx="1283513" cy="334852"/>
+              </a:xfrm>
+              <a:prstGeom prst="line">
+                <a:avLst/>
+              </a:prstGeom>
+            </p:spPr>
+            <p:style>
+              <a:lnRef idx="1">
+                <a:schemeClr val="dk1"/>
+              </a:lnRef>
+              <a:fillRef idx="0">
+                <a:schemeClr val="dk1"/>
+              </a:fillRef>
+              <a:effectRef idx="0">
+                <a:schemeClr val="dk1"/>
+              </a:effectRef>
+              <a:fontRef idx="minor">
+                <a:schemeClr val="tx1"/>
+              </a:fontRef>
+            </p:style>
+          </p:cxnSp>
+        </p:grpSp>
+        <p:sp>
+          <p:nvSpPr>
+            <p:cNvPr id="38" name="矩形 37">
+              <a:extLst>
+                <a:ext uri="{FF2B5EF4-FFF2-40B4-BE49-F238E27FC236}">
+                  <a16:creationId xmlns:a16="http://schemas.microsoft.com/office/drawing/2014/main" id="{46272717-DD7A-4588-9D51-111B31405201}"/>
+                </a:ext>
+              </a:extLst>
+            </p:cNvPr>
+            <p:cNvSpPr/>
+            <p:nvPr/>
+          </p:nvSpPr>
+          <p:spPr>
+            <a:xfrm>
+              <a:off x="2576187" y="3671193"/>
+              <a:ext cx="356155" cy="982015"/>
+            </a:xfrm>
+            <a:prstGeom prst="rect">
+              <a:avLst/>
+            </a:prstGeom>
+            <a:solidFill>
+              <a:schemeClr val="bg1"/>
+            </a:solidFill>
+            <a:ln w="9525">
+              <a:noFill/>
+            </a:ln>
+          </p:spPr>
+          <p:style>
+            <a:lnRef idx="2">
+              <a:schemeClr val="accent1">
+                <a:shade val="50000"/>
+              </a:schemeClr>
+            </a:lnRef>
+            <a:fillRef idx="1">
+              <a:schemeClr val="accent1"/>
+            </a:fillRef>
+            <a:effectRef idx="0">
+              <a:schemeClr val="accent1"/>
+            </a:effectRef>
+            <a:fontRef idx="minor">
+              <a:schemeClr val="lt1"/>
+            </a:fontRef>
+          </p:style>
+          <p:txBody>
+            <a:bodyPr rtlCol="0" anchor="ctr"/>
+            <a:lstStyle/>
+            <a:p>
+              <a:pPr algn="ctr"/>
+              <a:r>
+                <a:rPr lang="zh-CN" altLang="en-US" sz="1200" b="1" i="0" dirty="0">
+                  <a:solidFill>
+                    <a:schemeClr val="tx1"/>
+                  </a:solidFill>
+                  <a:latin typeface="宋体" panose="02010600030101010101" pitchFamily="2" charset="-122"/>
+                  <a:ea typeface="宋体" panose="02010600030101010101" pitchFamily="2" charset="-122"/>
+                </a:rPr>
+                <a:t>白盒测试</a:t>
+              </a:r>
+              <a:endParaRPr lang="zh-CN" altLang="en-US" sz="1200" b="1" dirty="0">
+                <a:solidFill>
+                  <a:schemeClr val="tx1"/>
+                </a:solidFill>
                 <a:latin typeface="宋体" panose="02010600030101010101" pitchFamily="2" charset="-122"/>
                 <a:ea typeface="宋体" panose="02010600030101010101" pitchFamily="2" charset="-122"/>
-              </a:rPr>
-              <a:t>数据获取</a:t>
-            </a:r>
-            <a:endParaRPr lang="zh-CN" altLang="en-US">
-              <a:latin typeface="宋体" panose="02010600030101010101" pitchFamily="2" charset="-122"/>
-              <a:ea typeface="宋体" panose="02010600030101010101" pitchFamily="2" charset="-122"/>
-            </a:endParaRPr>
-          </a:p>
-        </p:txBody>
-      </p:sp>
-      <p:sp>
-        <p:nvSpPr>
-          <p:cNvPr id="6" name="文本框 5"/>
-          <p:cNvSpPr txBox="1"/>
-          <p:nvPr/>
-        </p:nvSpPr>
-        <p:spPr>
-          <a:xfrm>
-            <a:off x="4902200" y="1649095"/>
-            <a:ext cx="1325880" cy="368300"/>
-          </a:xfrm>
-          <a:prstGeom prst="rect">
-            <a:avLst/>
-          </a:prstGeom>
-          <a:noFill/>
-        </p:spPr>
-        <p:txBody>
-          <a:bodyPr wrap="none" rtlCol="0">
-            <a:spAutoFit/>
-          </a:bodyPr>
-          <a:lstStyle/>
-          <a:p>
-            <a:r>
-              <a:rPr lang="zh-CN" altLang="en-US">
+              </a:endParaRPr>
+            </a:p>
+          </p:txBody>
+        </p:sp>
+        <p:sp>
+          <p:nvSpPr>
+            <p:cNvPr id="39" name="矩形 38">
+              <a:extLst>
+                <a:ext uri="{FF2B5EF4-FFF2-40B4-BE49-F238E27FC236}">
+                  <a16:creationId xmlns:a16="http://schemas.microsoft.com/office/drawing/2014/main" id="{9968DE4B-5A4D-4542-BFA5-3C3A538BB344}"/>
+                </a:ext>
+              </a:extLst>
+            </p:cNvPr>
+            <p:cNvSpPr/>
+            <p:nvPr/>
+          </p:nvSpPr>
+          <p:spPr>
+            <a:xfrm>
+              <a:off x="2573035" y="2100308"/>
+              <a:ext cx="356155" cy="982015"/>
+            </a:xfrm>
+            <a:prstGeom prst="rect">
+              <a:avLst/>
+            </a:prstGeom>
+            <a:solidFill>
+              <a:schemeClr val="bg1"/>
+            </a:solidFill>
+            <a:ln w="9525">
+              <a:solidFill>
+                <a:schemeClr val="bg1"/>
+              </a:solidFill>
+            </a:ln>
+          </p:spPr>
+          <p:style>
+            <a:lnRef idx="2">
+              <a:schemeClr val="accent1">
+                <a:shade val="50000"/>
+              </a:schemeClr>
+            </a:lnRef>
+            <a:fillRef idx="1">
+              <a:schemeClr val="accent1"/>
+            </a:fillRef>
+            <a:effectRef idx="0">
+              <a:schemeClr val="accent1"/>
+            </a:effectRef>
+            <a:fontRef idx="minor">
+              <a:schemeClr val="lt1"/>
+            </a:fontRef>
+          </p:style>
+          <p:txBody>
+            <a:bodyPr rtlCol="0" anchor="ctr"/>
+            <a:lstStyle/>
+            <a:p>
+              <a:pPr algn="ctr"/>
+              <a:r>
+                <a:rPr lang="zh-CN" altLang="en-US" sz="1200" b="1" i="0" dirty="0">
+                  <a:solidFill>
+                    <a:schemeClr val="tx1"/>
+                  </a:solidFill>
+                  <a:latin typeface="宋体" panose="02010600030101010101" pitchFamily="2" charset="-122"/>
+                  <a:ea typeface="宋体" panose="02010600030101010101" pitchFamily="2" charset="-122"/>
+                </a:rPr>
+                <a:t>黑盒测试</a:t>
+              </a:r>
+              <a:endParaRPr lang="zh-CN" altLang="en-US" sz="1200" b="1" dirty="0">
+                <a:solidFill>
+                  <a:schemeClr val="tx1"/>
+                </a:solidFill>
                 <a:latin typeface="宋体" panose="02010600030101010101" pitchFamily="2" charset="-122"/>
                 <a:ea typeface="宋体" panose="02010600030101010101" pitchFamily="2" charset="-122"/>
-              </a:rPr>
-              <a:t>数据预处理</a:t>
-            </a:r>
-            <a:endParaRPr lang="zh-CN" altLang="en-US">
-              <a:latin typeface="宋体" panose="02010600030101010101" pitchFamily="2" charset="-122"/>
-              <a:ea typeface="宋体" panose="02010600030101010101" pitchFamily="2" charset="-122"/>
-            </a:endParaRPr>
-          </a:p>
-        </p:txBody>
-      </p:sp>
-      <p:sp>
-        <p:nvSpPr>
-          <p:cNvPr id="7" name="文本框 6"/>
-          <p:cNvSpPr txBox="1"/>
-          <p:nvPr/>
-        </p:nvSpPr>
-        <p:spPr>
-          <a:xfrm>
-            <a:off x="7375525" y="1649095"/>
-            <a:ext cx="1097280" cy="368300"/>
-          </a:xfrm>
-          <a:prstGeom prst="rect">
-            <a:avLst/>
-          </a:prstGeom>
-          <a:noFill/>
-        </p:spPr>
-        <p:txBody>
-          <a:bodyPr wrap="none" rtlCol="0">
-            <a:spAutoFit/>
-          </a:bodyPr>
-          <a:lstStyle/>
-          <a:p>
-            <a:r>
-              <a:rPr lang="zh-CN" altLang="en-US">
-                <a:latin typeface="宋体" panose="02010600030101010101" pitchFamily="2" charset="-122"/>
-                <a:ea typeface="宋体" panose="02010600030101010101" pitchFamily="2" charset="-122"/>
-              </a:rPr>
-              <a:t>数据分析</a:t>
-            </a:r>
-            <a:endParaRPr lang="zh-CN" altLang="en-US">
-              <a:latin typeface="宋体" panose="02010600030101010101" pitchFamily="2" charset="-122"/>
-              <a:ea typeface="宋体" panose="02010600030101010101" pitchFamily="2" charset="-122"/>
-            </a:endParaRPr>
-          </a:p>
-        </p:txBody>
-      </p:sp>
-      <p:sp>
-        <p:nvSpPr>
-          <p:cNvPr id="8" name="右箭头 7"/>
-          <p:cNvSpPr/>
-          <p:nvPr/>
-        </p:nvSpPr>
-        <p:spPr>
-          <a:xfrm>
-            <a:off x="1912620" y="2120265"/>
-            <a:ext cx="7872730" cy="2617470"/>
-          </a:xfrm>
-          <a:prstGeom prst="rightArrow">
-            <a:avLst>
-              <a:gd name="adj1" fmla="val 60325"/>
-              <a:gd name="adj2" fmla="val 29674"/>
-            </a:avLst>
-          </a:prstGeom>
-          <a:solidFill>
-            <a:schemeClr val="accent5">
-              <a:lumMod val="20000"/>
-              <a:lumOff val="80000"/>
-            </a:schemeClr>
-          </a:solidFill>
-          <a:ln>
+              </a:endParaRPr>
+            </a:p>
+          </p:txBody>
+        </p:sp>
+        <p:sp>
+          <p:nvSpPr>
+            <p:cNvPr id="41" name="矩形 40">
+              <a:extLst>
+                <a:ext uri="{FF2B5EF4-FFF2-40B4-BE49-F238E27FC236}">
+                  <a16:creationId xmlns:a16="http://schemas.microsoft.com/office/drawing/2014/main" id="{878F546F-1F66-4159-BA1C-1E574FCA4DE6}"/>
+                </a:ext>
+              </a:extLst>
+            </p:cNvPr>
+            <p:cNvSpPr/>
+            <p:nvPr/>
+          </p:nvSpPr>
+          <p:spPr>
+            <a:xfrm>
+              <a:off x="2886757" y="1962149"/>
+              <a:ext cx="3857222" cy="1273176"/>
+            </a:xfrm>
+            <a:prstGeom prst="rect">
+              <a:avLst/>
+            </a:prstGeom>
             <a:noFill/>
-          </a:ln>
-        </p:spPr>
-        <p:style>
-          <a:lnRef idx="2">
-            <a:schemeClr val="accent1">
-              <a:shade val="50000"/>
-            </a:schemeClr>
-          </a:lnRef>
-          <a:fillRef idx="1">
-            <a:schemeClr val="accent1"/>
-          </a:fillRef>
-          <a:effectRef idx="0">
-            <a:schemeClr val="accent1"/>
-          </a:effectRef>
-          <a:fontRef idx="minor">
-            <a:schemeClr val="lt1"/>
-          </a:fontRef>
-        </p:style>
-        <p:txBody>
-          <a:bodyPr rtlCol="0" anchor="ctr"/>
-          <a:lstStyle/>
-          <a:p>
-            <a:pPr algn="ctr"/>
-            <a:endParaRPr lang="zh-CN" altLang="en-US"/>
-          </a:p>
-        </p:txBody>
-      </p:sp>
-      <p:sp>
-        <p:nvSpPr>
-          <p:cNvPr id="9" name="文本框 8"/>
-          <p:cNvSpPr txBox="1"/>
-          <p:nvPr/>
-        </p:nvSpPr>
-        <p:spPr>
-          <a:xfrm>
-            <a:off x="3835890" y="1078618"/>
-            <a:ext cx="3903633" cy="400110"/>
-          </a:xfrm>
-          <a:prstGeom prst="rect">
-            <a:avLst/>
-          </a:prstGeom>
-          <a:noFill/>
-        </p:spPr>
-        <p:txBody>
-          <a:bodyPr wrap="none" rtlCol="0">
-            <a:spAutoFit/>
-          </a:bodyPr>
-          <a:lstStyle/>
-          <a:p>
-            <a:r>
-              <a:rPr lang="zh-CN" altLang="en-US" sz="2000" dirty="0">
-                <a:effectLst/>
-                <a:latin typeface="黑体" panose="02010609060101010101" charset="-122"/>
-                <a:ea typeface="黑体" panose="02010609060101010101" charset="-122"/>
-              </a:rPr>
-              <a:t>基于深度学习的端到端的</a:t>
-            </a:r>
-            <a:r>
-              <a:rPr lang="en-US" altLang="zh-CN" sz="2000" dirty="0">
-                <a:effectLst/>
-                <a:latin typeface="黑体" panose="02010609060101010101" charset="-122"/>
-                <a:ea typeface="黑体" panose="02010609060101010101" charset="-122"/>
-              </a:rPr>
-              <a:t>EMR</a:t>
-            </a:r>
-            <a:r>
-              <a:rPr lang="zh-CN" altLang="en-US" sz="2000" dirty="0">
-                <a:effectLst/>
-                <a:latin typeface="黑体" panose="02010609060101010101" charset="-122"/>
-                <a:ea typeface="黑体" panose="02010609060101010101" charset="-122"/>
-              </a:rPr>
-              <a:t>分析</a:t>
-            </a:r>
-            <a:endParaRPr lang="zh-CN" altLang="en-US" sz="2000" dirty="0">
-              <a:effectLst/>
-              <a:latin typeface="黑体" panose="02010609060101010101" charset="-122"/>
-              <a:ea typeface="黑体" panose="02010609060101010101" charset="-122"/>
-            </a:endParaRPr>
-          </a:p>
-        </p:txBody>
-      </p:sp>
-      <p:sp>
-        <p:nvSpPr>
-          <p:cNvPr id="10" name="流程图: 磁盘 9"/>
-          <p:cNvSpPr/>
-          <p:nvPr/>
-        </p:nvSpPr>
-        <p:spPr>
-          <a:xfrm>
-            <a:off x="167005" y="2869565"/>
-            <a:ext cx="1360170" cy="1119505"/>
-          </a:xfrm>
-          <a:prstGeom prst="flowChartMagneticDisk">
-            <a:avLst/>
-          </a:prstGeom>
-          <a:solidFill>
-            <a:schemeClr val="accent1">
-              <a:lumMod val="40000"/>
-              <a:lumOff val="60000"/>
-            </a:schemeClr>
-          </a:solidFill>
-          <a:ln>
-            <a:solidFill>
-              <a:schemeClr val="accent1">
-                <a:lumMod val="75000"/>
-              </a:schemeClr>
-            </a:solidFill>
-          </a:ln>
-        </p:spPr>
-        <p:style>
-          <a:lnRef idx="1">
-            <a:schemeClr val="accent1"/>
-          </a:lnRef>
-          <a:fillRef idx="2">
-            <a:schemeClr val="accent1"/>
-          </a:fillRef>
-          <a:effectRef idx="1">
-            <a:schemeClr val="accent1"/>
-          </a:effectRef>
-          <a:fontRef idx="minor">
-            <a:schemeClr val="dk1"/>
-          </a:fontRef>
-        </p:style>
-        <p:txBody>
-          <a:bodyPr rtlCol="0" anchor="ctr"/>
-          <a:lstStyle/>
-          <a:p>
-            <a:pPr algn="ctr"/>
-            <a:r>
-              <a:rPr lang="en-US" altLang="zh-CN"/>
-              <a:t>EMR</a:t>
-            </a:r>
-            <a:r>
-              <a:rPr lang="zh-CN" altLang="en-US"/>
-              <a:t>数据集</a:t>
-            </a:r>
-            <a:endParaRPr lang="zh-CN" altLang="en-US"/>
-          </a:p>
-        </p:txBody>
-      </p:sp>
-      <p:sp>
-        <p:nvSpPr>
-          <p:cNvPr id="11" name="圆角矩形 10"/>
-          <p:cNvSpPr/>
-          <p:nvPr/>
-        </p:nvSpPr>
-        <p:spPr>
-          <a:xfrm>
-            <a:off x="2049145" y="2503805"/>
-            <a:ext cx="2127250" cy="1934210"/>
-          </a:xfrm>
-          <a:prstGeom prst="roundRect">
-            <a:avLst>
-              <a:gd name="adj" fmla="val 7269"/>
-            </a:avLst>
-          </a:prstGeom>
-          <a:solidFill>
-            <a:schemeClr val="accent5">
-              <a:lumMod val="40000"/>
-              <a:lumOff val="60000"/>
-            </a:schemeClr>
-          </a:solidFill>
-          <a:ln>
-            <a:solidFill>
-              <a:schemeClr val="accent5">
-                <a:lumMod val="60000"/>
-                <a:lumOff val="40000"/>
-              </a:schemeClr>
-            </a:solidFill>
-          </a:ln>
-        </p:spPr>
-        <p:style>
-          <a:lnRef idx="1">
-            <a:schemeClr val="accent4"/>
-          </a:lnRef>
-          <a:fillRef idx="2">
-            <a:schemeClr val="accent4"/>
-          </a:fillRef>
-          <a:effectRef idx="1">
-            <a:schemeClr val="accent4"/>
-          </a:effectRef>
-          <a:fontRef idx="minor">
-            <a:schemeClr val="dk1"/>
-          </a:fontRef>
-        </p:style>
-        <p:txBody>
-          <a:bodyPr rtlCol="0" anchor="ctr"/>
-          <a:lstStyle/>
-          <a:p>
-            <a:pPr algn="ctr"/>
-            <a:endParaRPr lang="zh-CN" altLang="en-US">
+            <a:ln w="9525">
               <a:solidFill>
                 <a:schemeClr val="tx1"/>
               </a:solidFill>
-            </a:endParaRPr>
-          </a:p>
-        </p:txBody>
-      </p:sp>
-      <p:pic>
-        <p:nvPicPr>
-          <p:cNvPr id="12" name="图片 11"/>
-          <p:cNvPicPr>
-            <a:picLocks noChangeAspect="1"/>
-          </p:cNvPicPr>
-          <p:nvPr/>
-        </p:nvPicPr>
-        <p:blipFill>
-          <a:blip r:embed="rId1"/>
-          <a:stretch>
-            <a:fillRect/>
-          </a:stretch>
-        </p:blipFill>
-        <p:spPr>
-          <a:xfrm>
-            <a:off x="9267825" y="4572635"/>
-            <a:ext cx="952500" cy="952500"/>
-          </a:xfrm>
-          <a:prstGeom prst="rect">
-            <a:avLst/>
-          </a:prstGeom>
-          <a:solidFill>
-            <a:schemeClr val="accent2">
-              <a:lumMod val="60000"/>
-              <a:lumOff val="40000"/>
-            </a:schemeClr>
-          </a:solidFill>
-        </p:spPr>
-      </p:pic>
-      <p:sp>
-        <p:nvSpPr>
-          <p:cNvPr id="13" name="圆角矩形 12"/>
-          <p:cNvSpPr/>
-          <p:nvPr/>
-        </p:nvSpPr>
-        <p:spPr>
-          <a:xfrm>
-            <a:off x="2181860" y="3125470"/>
-            <a:ext cx="1871345" cy="377825"/>
-          </a:xfrm>
-          <a:prstGeom prst="roundRect">
-            <a:avLst/>
-          </a:prstGeom>
-          <a:solidFill>
-            <a:schemeClr val="accent5">
-              <a:lumMod val="40000"/>
-              <a:lumOff val="60000"/>
-            </a:schemeClr>
-          </a:solidFill>
-          <a:ln>
-            <a:solidFill>
-              <a:schemeClr val="accent5">
-                <a:lumMod val="75000"/>
+            </a:ln>
+          </p:spPr>
+          <p:style>
+            <a:lnRef idx="2">
+              <a:schemeClr val="accent1">
+                <a:shade val="50000"/>
               </a:schemeClr>
-            </a:solidFill>
-          </a:ln>
-        </p:spPr>
-        <p:style>
-          <a:lnRef idx="1">
-            <a:schemeClr val="accent4"/>
-          </a:lnRef>
-          <a:fillRef idx="2">
-            <a:schemeClr val="accent4"/>
-          </a:fillRef>
-          <a:effectRef idx="1">
-            <a:schemeClr val="accent4"/>
-          </a:effectRef>
-          <a:fontRef idx="minor">
-            <a:schemeClr val="dk1"/>
-          </a:fontRef>
-        </p:style>
-        <p:txBody>
-          <a:bodyPr rtlCol="0" anchor="ctr"/>
-          <a:lstStyle/>
-          <a:p>
-            <a:pPr algn="ctr"/>
-            <a:r>
-              <a:rPr lang="zh-CN" altLang="en-US" sz="1600">
+            </a:lnRef>
+            <a:fillRef idx="1">
+              <a:schemeClr val="accent1"/>
+            </a:fillRef>
+            <a:effectRef idx="0">
+              <a:schemeClr val="accent1"/>
+            </a:effectRef>
+            <a:fontRef idx="minor">
+              <a:schemeClr val="lt1"/>
+            </a:fontRef>
+          </p:style>
+          <p:txBody>
+            <a:bodyPr rtlCol="0" anchor="ctr"/>
+            <a:lstStyle/>
+            <a:p>
+              <a:pPr algn="ctr"/>
+              <a:endParaRPr lang="zh-CN" altLang="en-US" sz="1200" dirty="0">
                 <a:solidFill>
                   <a:schemeClr val="tx1"/>
                 </a:solidFill>
-              </a:rPr>
-              <a:t>表现型字典学习</a:t>
-            </a:r>
-            <a:endParaRPr lang="zh-CN" altLang="en-US" sz="1600">
+                <a:latin typeface="宋体" panose="02010600030101010101" pitchFamily="2" charset="-122"/>
+                <a:ea typeface="宋体" panose="02010600030101010101" pitchFamily="2" charset="-122"/>
+              </a:endParaRPr>
+            </a:p>
+          </p:txBody>
+        </p:sp>
+        <p:sp>
+          <p:nvSpPr>
+            <p:cNvPr id="42" name="矩形 41">
+              <a:extLst>
+                <a:ext uri="{FF2B5EF4-FFF2-40B4-BE49-F238E27FC236}">
+                  <a16:creationId xmlns:a16="http://schemas.microsoft.com/office/drawing/2014/main" id="{6B8136A9-F4FF-470E-918F-585CA2FE2F80}"/>
+                </a:ext>
+              </a:extLst>
+            </p:cNvPr>
+            <p:cNvSpPr/>
+            <p:nvPr/>
+          </p:nvSpPr>
+          <p:spPr>
+            <a:xfrm>
+              <a:off x="2886757" y="3525613"/>
+              <a:ext cx="3857222" cy="1273176"/>
+            </a:xfrm>
+            <a:prstGeom prst="rect">
+              <a:avLst/>
+            </a:prstGeom>
+            <a:noFill/>
+            <a:ln w="9525">
               <a:solidFill>
                 <a:schemeClr val="tx1"/>
               </a:solidFill>
-            </a:endParaRPr>
-          </a:p>
-        </p:txBody>
-      </p:sp>
-      <p:sp>
-        <p:nvSpPr>
-          <p:cNvPr id="14" name="圆角矩形 13"/>
-          <p:cNvSpPr/>
-          <p:nvPr/>
-        </p:nvSpPr>
-        <p:spPr>
-          <a:xfrm>
-            <a:off x="2181860" y="3687445"/>
-            <a:ext cx="1871345" cy="377825"/>
-          </a:xfrm>
-          <a:prstGeom prst="roundRect">
-            <a:avLst/>
-          </a:prstGeom>
-          <a:solidFill>
-            <a:schemeClr val="accent5">
-              <a:lumMod val="40000"/>
-              <a:lumOff val="60000"/>
-            </a:schemeClr>
-          </a:solidFill>
-          <a:ln>
-            <a:solidFill>
-              <a:schemeClr val="accent5">
-                <a:lumMod val="75000"/>
+            </a:ln>
+          </p:spPr>
+          <p:style>
+            <a:lnRef idx="2">
+              <a:schemeClr val="accent1">
+                <a:shade val="50000"/>
               </a:schemeClr>
-            </a:solidFill>
-          </a:ln>
-        </p:spPr>
-        <p:style>
-          <a:lnRef idx="1">
-            <a:schemeClr val="accent4"/>
-          </a:lnRef>
-          <a:fillRef idx="2">
-            <a:schemeClr val="accent4"/>
-          </a:fillRef>
-          <a:effectRef idx="1">
-            <a:schemeClr val="accent4"/>
-          </a:effectRef>
-          <a:fontRef idx="minor">
-            <a:schemeClr val="dk1"/>
-          </a:fontRef>
-        </p:style>
-        <p:txBody>
-          <a:bodyPr rtlCol="0" anchor="ctr"/>
-          <a:lstStyle/>
-          <a:p>
-            <a:pPr algn="ctr"/>
-            <a:r>
-              <a:rPr lang="zh-CN" altLang="en-US" sz="1600">
+            </a:lnRef>
+            <a:fillRef idx="1">
+              <a:schemeClr val="accent1"/>
+            </a:fillRef>
+            <a:effectRef idx="0">
+              <a:schemeClr val="accent1"/>
+            </a:effectRef>
+            <a:fontRef idx="minor">
+              <a:schemeClr val="lt1"/>
+            </a:fontRef>
+          </p:style>
+          <p:txBody>
+            <a:bodyPr rtlCol="0" anchor="ctr"/>
+            <a:lstStyle/>
+            <a:p>
+              <a:pPr algn="ctr"/>
+              <a:endParaRPr lang="zh-CN" altLang="en-US" sz="1200" dirty="0">
                 <a:solidFill>
                   <a:schemeClr val="tx1"/>
                 </a:solidFill>
-              </a:rPr>
-              <a:t>弱监督学习</a:t>
-            </a:r>
-            <a:endParaRPr lang="zh-CN" altLang="en-US" sz="1600">
+                <a:latin typeface="宋体" panose="02010600030101010101" pitchFamily="2" charset="-122"/>
+                <a:ea typeface="宋体" panose="02010600030101010101" pitchFamily="2" charset="-122"/>
+              </a:endParaRPr>
+            </a:p>
+          </p:txBody>
+        </p:sp>
+        <p:sp>
+          <p:nvSpPr>
+            <p:cNvPr id="43" name="矩形 42">
+              <a:extLst>
+                <a:ext uri="{FF2B5EF4-FFF2-40B4-BE49-F238E27FC236}">
+                  <a16:creationId xmlns:a16="http://schemas.microsoft.com/office/drawing/2014/main" id="{47EF3A6E-91B6-4055-A8EA-49C829BB9D8D}"/>
+                </a:ext>
+              </a:extLst>
+            </p:cNvPr>
+            <p:cNvSpPr/>
+            <p:nvPr/>
+          </p:nvSpPr>
+          <p:spPr>
+            <a:xfrm>
+              <a:off x="2620683" y="1905000"/>
+              <a:ext cx="4171950" cy="2952750"/>
+            </a:xfrm>
+            <a:prstGeom prst="rect">
+              <a:avLst/>
+            </a:prstGeom>
+            <a:noFill/>
+            <a:ln w="9525">
               <a:solidFill>
                 <a:schemeClr val="tx1"/>
               </a:solidFill>
-            </a:endParaRPr>
-          </a:p>
-        </p:txBody>
-      </p:sp>
-      <p:sp>
-        <p:nvSpPr>
-          <p:cNvPr id="15" name="文本框 14"/>
-          <p:cNvSpPr txBox="1"/>
-          <p:nvPr/>
-        </p:nvSpPr>
-        <p:spPr>
-          <a:xfrm>
-            <a:off x="2517140" y="2566670"/>
-            <a:ext cx="1200150" cy="368300"/>
-          </a:xfrm>
-          <a:prstGeom prst="rect">
-            <a:avLst/>
-          </a:prstGeom>
-          <a:noFill/>
-        </p:spPr>
-        <p:txBody>
-          <a:bodyPr wrap="square" rtlCol="0">
-            <a:spAutoFit/>
-          </a:bodyPr>
-          <a:lstStyle/>
-          <a:p>
-            <a:pPr algn="ctr"/>
-            <a:r>
-              <a:rPr lang="zh-CN" altLang="en-US" b="1"/>
-              <a:t>队列识别</a:t>
-            </a:r>
-            <a:endParaRPr lang="zh-CN" altLang="en-US" b="1"/>
-          </a:p>
-        </p:txBody>
-      </p:sp>
-      <p:sp>
-        <p:nvSpPr>
-          <p:cNvPr id="16" name="圆角矩形 15"/>
-          <p:cNvSpPr/>
-          <p:nvPr/>
-        </p:nvSpPr>
-        <p:spPr>
-          <a:xfrm>
-            <a:off x="4436745" y="2503805"/>
-            <a:ext cx="2127250" cy="1934210"/>
-          </a:xfrm>
-          <a:prstGeom prst="roundRect">
-            <a:avLst>
-              <a:gd name="adj" fmla="val 7269"/>
-            </a:avLst>
-          </a:prstGeom>
-          <a:solidFill>
-            <a:schemeClr val="accent5">
-              <a:lumMod val="40000"/>
-              <a:lumOff val="60000"/>
-            </a:schemeClr>
-          </a:solidFill>
-          <a:ln>
+            </a:ln>
+          </p:spPr>
+          <p:style>
+            <a:lnRef idx="2">
+              <a:schemeClr val="accent1">
+                <a:shade val="50000"/>
+              </a:schemeClr>
+            </a:lnRef>
+            <a:fillRef idx="1">
+              <a:schemeClr val="accent1"/>
+            </a:fillRef>
+            <a:effectRef idx="0">
+              <a:schemeClr val="accent1"/>
+            </a:effectRef>
+            <a:fontRef idx="minor">
+              <a:schemeClr val="lt1"/>
+            </a:fontRef>
+          </p:style>
+          <p:txBody>
+            <a:bodyPr rtlCol="0" anchor="ctr"/>
+            <a:lstStyle/>
+            <a:p>
+              <a:pPr algn="ctr"/>
+              <a:endParaRPr lang="zh-CN" altLang="en-US" sz="1200" dirty="0">
+                <a:solidFill>
+                  <a:schemeClr val="tx1"/>
+                </a:solidFill>
+                <a:latin typeface="宋体" panose="02010600030101010101" pitchFamily="2" charset="-122"/>
+                <a:ea typeface="宋体" panose="02010600030101010101" pitchFamily="2" charset="-122"/>
+              </a:endParaRPr>
+            </a:p>
+          </p:txBody>
+        </p:sp>
+        <p:sp>
+          <p:nvSpPr>
+            <p:cNvPr id="46" name="矩形 45">
+              <a:extLst>
+                <a:ext uri="{FF2B5EF4-FFF2-40B4-BE49-F238E27FC236}">
+                  <a16:creationId xmlns:a16="http://schemas.microsoft.com/office/drawing/2014/main" id="{575938DD-EF30-4220-B3E0-2B5516FDB194}"/>
+                </a:ext>
+              </a:extLst>
+            </p:cNvPr>
+            <p:cNvSpPr/>
+            <p:nvPr/>
+          </p:nvSpPr>
+          <p:spPr>
+            <a:xfrm>
+              <a:off x="8156575" y="2001347"/>
+              <a:ext cx="1266395" cy="766294"/>
+            </a:xfrm>
+            <a:prstGeom prst="rect">
+              <a:avLst/>
+            </a:prstGeom>
             <a:solidFill>
-              <a:schemeClr val="accent5">
-                <a:lumMod val="60000"/>
-                <a:lumOff val="40000"/>
-              </a:schemeClr>
+              <a:schemeClr val="bg1"/>
             </a:solidFill>
-          </a:ln>
-        </p:spPr>
-        <p:style>
-          <a:lnRef idx="1">
-            <a:schemeClr val="accent4"/>
-          </a:lnRef>
-          <a:fillRef idx="2">
-            <a:schemeClr val="accent4"/>
-          </a:fillRef>
-          <a:effectRef idx="1">
-            <a:schemeClr val="accent4"/>
-          </a:effectRef>
-          <a:fontRef idx="minor">
-            <a:schemeClr val="dk1"/>
-          </a:fontRef>
-        </p:style>
-        <p:txBody>
-          <a:bodyPr rtlCol="0" anchor="ctr"/>
-          <a:lstStyle/>
-          <a:p>
-            <a:pPr algn="ctr"/>
-            <a:endParaRPr lang="zh-CN" altLang="en-US">
+            <a:ln w="9525">
               <a:solidFill>
                 <a:schemeClr val="tx1"/>
               </a:solidFill>
-            </a:endParaRPr>
-          </a:p>
-        </p:txBody>
-      </p:sp>
-      <p:sp>
-        <p:nvSpPr>
-          <p:cNvPr id="17" name="圆角矩形 16"/>
-          <p:cNvSpPr/>
-          <p:nvPr/>
-        </p:nvSpPr>
-        <p:spPr>
-          <a:xfrm>
-            <a:off x="4574540" y="2994660"/>
-            <a:ext cx="1871345" cy="377825"/>
-          </a:xfrm>
-          <a:prstGeom prst="roundRect">
-            <a:avLst/>
-          </a:prstGeom>
-          <a:solidFill>
-            <a:schemeClr val="accent5">
-              <a:lumMod val="40000"/>
-              <a:lumOff val="60000"/>
-            </a:schemeClr>
-          </a:solidFill>
-          <a:ln>
+            </a:ln>
+          </p:spPr>
+          <p:style>
+            <a:lnRef idx="2">
+              <a:schemeClr val="accent1">
+                <a:shade val="50000"/>
+              </a:schemeClr>
+            </a:lnRef>
+            <a:fillRef idx="1">
+              <a:schemeClr val="accent1"/>
+            </a:fillRef>
+            <a:effectRef idx="0">
+              <a:schemeClr val="accent1"/>
+            </a:effectRef>
+            <a:fontRef idx="minor">
+              <a:schemeClr val="lt1"/>
+            </a:fontRef>
+          </p:style>
+          <p:txBody>
+            <a:bodyPr rtlCol="0" anchor="ctr"/>
+            <a:lstStyle/>
+            <a:p>
+              <a:pPr algn="ctr"/>
+              <a:r>
+                <a:rPr lang="zh-CN" altLang="en-US" sz="1200" dirty="0">
+                  <a:solidFill>
+                    <a:schemeClr val="tx1"/>
+                  </a:solidFill>
+                  <a:latin typeface="宋体" panose="02010600030101010101" pitchFamily="2" charset="-122"/>
+                  <a:ea typeface="宋体" panose="02010600030101010101" pitchFamily="2" charset="-122"/>
+                </a:rPr>
+                <a:t>基于决策行为抽取和聚类分析的测试数据检测能力分析</a:t>
+              </a:r>
+            </a:p>
+          </p:txBody>
+        </p:sp>
+        <p:sp>
+          <p:nvSpPr>
+            <p:cNvPr id="47" name="矩形 46">
+              <a:extLst>
+                <a:ext uri="{FF2B5EF4-FFF2-40B4-BE49-F238E27FC236}">
+                  <a16:creationId xmlns:a16="http://schemas.microsoft.com/office/drawing/2014/main" id="{FAED4443-8931-475C-96DB-05F7A2D6EDA2}"/>
+                </a:ext>
+              </a:extLst>
+            </p:cNvPr>
+            <p:cNvSpPr/>
+            <p:nvPr/>
+          </p:nvSpPr>
+          <p:spPr>
+            <a:xfrm>
+              <a:off x="7185992" y="2619185"/>
+              <a:ext cx="581491" cy="1524379"/>
+            </a:xfrm>
+            <a:prstGeom prst="rect">
+              <a:avLst/>
+            </a:prstGeom>
             <a:solidFill>
-              <a:schemeClr val="accent5">
-                <a:lumMod val="75000"/>
+              <a:schemeClr val="bg1"/>
+            </a:solidFill>
+            <a:ln w="9525">
+              <a:solidFill>
+                <a:schemeClr val="tx1"/>
+              </a:solidFill>
+            </a:ln>
+          </p:spPr>
+          <p:style>
+            <a:lnRef idx="2">
+              <a:schemeClr val="accent1">
+                <a:shade val="50000"/>
               </a:schemeClr>
-            </a:solidFill>
-          </a:ln>
-        </p:spPr>
-        <p:style>
-          <a:lnRef idx="1">
-            <a:schemeClr val="accent4"/>
-          </a:lnRef>
-          <a:fillRef idx="2">
-            <a:schemeClr val="accent4"/>
-          </a:fillRef>
-          <a:effectRef idx="1">
-            <a:schemeClr val="accent4"/>
-          </a:effectRef>
-          <a:fontRef idx="minor">
-            <a:schemeClr val="dk1"/>
-          </a:fontRef>
-        </p:style>
-        <p:txBody>
-          <a:bodyPr rtlCol="0" anchor="ctr"/>
-          <a:lstStyle/>
-          <a:p>
-            <a:pPr algn="ctr"/>
-            <a:r>
-              <a:rPr lang="zh-CN" altLang="en-US" sz="1600">
+            </a:lnRef>
+            <a:fillRef idx="1">
+              <a:schemeClr val="accent1"/>
+            </a:fillRef>
+            <a:effectRef idx="0">
+              <a:schemeClr val="accent1"/>
+            </a:effectRef>
+            <a:fontRef idx="minor">
+              <a:schemeClr val="lt1"/>
+            </a:fontRef>
+          </p:style>
+          <p:txBody>
+            <a:bodyPr rtlCol="0" anchor="ctr"/>
+            <a:lstStyle/>
+            <a:p>
+              <a:pPr algn="ctr"/>
+              <a:r>
+                <a:rPr lang="zh-CN" altLang="en-US" sz="1200" i="0" dirty="0">
+                  <a:solidFill>
+                    <a:schemeClr val="tx1"/>
+                  </a:solidFill>
+                  <a:latin typeface="宋体" panose="02010600030101010101" pitchFamily="2" charset="-122"/>
+                  <a:ea typeface="宋体" panose="02010600030101010101" pitchFamily="2" charset="-122"/>
+                </a:rPr>
+                <a:t>基于反馈偏置的自适应测试集生成</a:t>
+              </a:r>
+              <a:endParaRPr lang="zh-CN" altLang="en-US" sz="1200" dirty="0">
                 <a:solidFill>
                   <a:schemeClr val="tx1"/>
                 </a:solidFill>
-              </a:rPr>
-              <a:t>不规则时间建模</a:t>
-            </a:r>
-            <a:endParaRPr lang="zh-CN" altLang="en-US" sz="1600">
+                <a:latin typeface="宋体" panose="02010600030101010101" pitchFamily="2" charset="-122"/>
+                <a:ea typeface="宋体" panose="02010600030101010101" pitchFamily="2" charset="-122"/>
+              </a:endParaRPr>
+            </a:p>
+          </p:txBody>
+        </p:sp>
+        <p:sp>
+          <p:nvSpPr>
+            <p:cNvPr id="48" name="矩形 47">
+              <a:extLst>
+                <a:ext uri="{FF2B5EF4-FFF2-40B4-BE49-F238E27FC236}">
+                  <a16:creationId xmlns:a16="http://schemas.microsoft.com/office/drawing/2014/main" id="{FC66D700-B911-4219-A817-CB11B2D607D2}"/>
+                </a:ext>
+              </a:extLst>
+            </p:cNvPr>
+            <p:cNvSpPr/>
+            <p:nvPr/>
+          </p:nvSpPr>
+          <p:spPr>
+            <a:xfrm>
+              <a:off x="8156575" y="3004341"/>
+              <a:ext cx="1266395" cy="431442"/>
+            </a:xfrm>
+            <a:prstGeom prst="rect">
+              <a:avLst/>
+            </a:prstGeom>
+            <a:solidFill>
+              <a:schemeClr val="bg1"/>
+            </a:solidFill>
+            <a:ln w="9525">
               <a:solidFill>
                 <a:schemeClr val="tx1"/>
               </a:solidFill>
-            </a:endParaRPr>
-          </a:p>
-        </p:txBody>
-      </p:sp>
-      <p:sp>
-        <p:nvSpPr>
-          <p:cNvPr id="18" name="圆角矩形 17"/>
-          <p:cNvSpPr/>
-          <p:nvPr/>
-        </p:nvSpPr>
-        <p:spPr>
-          <a:xfrm>
-            <a:off x="4574540" y="3469005"/>
-            <a:ext cx="1871345" cy="377825"/>
-          </a:xfrm>
-          <a:prstGeom prst="roundRect">
-            <a:avLst/>
-          </a:prstGeom>
-          <a:solidFill>
-            <a:schemeClr val="accent5">
-              <a:lumMod val="40000"/>
-              <a:lumOff val="60000"/>
-            </a:schemeClr>
-          </a:solidFill>
-          <a:ln>
+            </a:ln>
+          </p:spPr>
+          <p:style>
+            <a:lnRef idx="2">
+              <a:schemeClr val="accent1">
+                <a:shade val="50000"/>
+              </a:schemeClr>
+            </a:lnRef>
+            <a:fillRef idx="1">
+              <a:schemeClr val="accent1"/>
+            </a:fillRef>
+            <a:effectRef idx="0">
+              <a:schemeClr val="accent1"/>
+            </a:effectRef>
+            <a:fontRef idx="minor">
+              <a:schemeClr val="lt1"/>
+            </a:fontRef>
+          </p:style>
+          <p:txBody>
+            <a:bodyPr rtlCol="0" anchor="ctr"/>
+            <a:lstStyle/>
+            <a:p>
+              <a:pPr algn="ctr"/>
+              <a:r>
+                <a:rPr lang="zh-CN" altLang="en-US" sz="1200" dirty="0">
+                  <a:solidFill>
+                    <a:schemeClr val="tx1"/>
+                  </a:solidFill>
+                  <a:latin typeface="宋体" panose="02010600030101010101" pitchFamily="2" charset="-122"/>
+                  <a:ea typeface="宋体" panose="02010600030101010101" pitchFamily="2" charset="-122"/>
+                </a:rPr>
+                <a:t>可解释代表性测试数据选取</a:t>
+              </a:r>
+            </a:p>
+          </p:txBody>
+        </p:sp>
+        <p:sp>
+          <p:nvSpPr>
+            <p:cNvPr id="49" name="矩形 48">
+              <a:extLst>
+                <a:ext uri="{FF2B5EF4-FFF2-40B4-BE49-F238E27FC236}">
+                  <a16:creationId xmlns:a16="http://schemas.microsoft.com/office/drawing/2014/main" id="{7B224275-3964-4416-81B7-AA548E09A0BB}"/>
+                </a:ext>
+              </a:extLst>
+            </p:cNvPr>
+            <p:cNvSpPr/>
+            <p:nvPr/>
+          </p:nvSpPr>
+          <p:spPr>
+            <a:xfrm>
+              <a:off x="8138484" y="3668677"/>
+              <a:ext cx="1266395" cy="431442"/>
+            </a:xfrm>
+            <a:prstGeom prst="rect">
+              <a:avLst/>
+            </a:prstGeom>
             <a:solidFill>
-              <a:schemeClr val="accent5">
-                <a:lumMod val="75000"/>
+              <a:schemeClr val="bg1"/>
+            </a:solidFill>
+            <a:ln w="9525">
+              <a:solidFill>
+                <a:schemeClr val="tx1"/>
+              </a:solidFill>
+            </a:ln>
+          </p:spPr>
+          <p:style>
+            <a:lnRef idx="2">
+              <a:schemeClr val="accent1">
+                <a:shade val="50000"/>
               </a:schemeClr>
-            </a:solidFill>
-          </a:ln>
-        </p:spPr>
-        <p:style>
-          <a:lnRef idx="1">
-            <a:schemeClr val="accent4"/>
-          </a:lnRef>
-          <a:fillRef idx="2">
-            <a:schemeClr val="accent4"/>
-          </a:fillRef>
-          <a:effectRef idx="1">
-            <a:schemeClr val="accent4"/>
-          </a:effectRef>
-          <a:fontRef idx="minor">
-            <a:schemeClr val="dk1"/>
-          </a:fontRef>
-        </p:style>
-        <p:txBody>
-          <a:bodyPr rtlCol="0" anchor="ctr"/>
-          <a:lstStyle/>
-          <a:p>
-            <a:pPr algn="ctr"/>
-            <a:r>
-              <a:rPr lang="zh-CN" altLang="en-US" sz="1600" dirty="0">
+            </a:lnRef>
+            <a:fillRef idx="1">
+              <a:schemeClr val="accent1"/>
+            </a:fillRef>
+            <a:effectRef idx="0">
+              <a:schemeClr val="accent1"/>
+            </a:effectRef>
+            <a:fontRef idx="minor">
+              <a:schemeClr val="lt1"/>
+            </a:fontRef>
+          </p:style>
+          <p:txBody>
+            <a:bodyPr rtlCol="0" anchor="ctr"/>
+            <a:lstStyle/>
+            <a:p>
+              <a:pPr algn="ctr"/>
+              <a:r>
+                <a:rPr lang="zh-CN" altLang="en-US" sz="1200" i="0" dirty="0">
+                  <a:solidFill>
+                    <a:schemeClr val="tx1"/>
+                  </a:solidFill>
+                  <a:latin typeface="宋体" panose="02010600030101010101" pitchFamily="2" charset="-122"/>
+                  <a:ea typeface="宋体" panose="02010600030101010101" pitchFamily="2" charset="-122"/>
+                </a:rPr>
+                <a:t>自适应测试离群点选取</a:t>
+              </a:r>
+              <a:endParaRPr lang="zh-CN" altLang="en-US" sz="1200" dirty="0">
                 <a:solidFill>
                   <a:schemeClr val="tx1"/>
                 </a:solidFill>
-              </a:rPr>
-              <a:t>融合医学偏差</a:t>
-            </a:r>
-            <a:endParaRPr lang="zh-CN" altLang="en-US" sz="1600" dirty="0">
+                <a:latin typeface="宋体" panose="02010600030101010101" pitchFamily="2" charset="-122"/>
+                <a:ea typeface="宋体" panose="02010600030101010101" pitchFamily="2" charset="-122"/>
+              </a:endParaRPr>
+            </a:p>
+          </p:txBody>
+        </p:sp>
+        <p:sp>
+          <p:nvSpPr>
+            <p:cNvPr id="50" name="矩形 49">
+              <a:extLst>
+                <a:ext uri="{FF2B5EF4-FFF2-40B4-BE49-F238E27FC236}">
+                  <a16:creationId xmlns:a16="http://schemas.microsoft.com/office/drawing/2014/main" id="{810AC16F-8B0E-42B8-B25E-CCB7C8EC9C1E}"/>
+                </a:ext>
+              </a:extLst>
+            </p:cNvPr>
+            <p:cNvSpPr/>
+            <p:nvPr/>
+          </p:nvSpPr>
+          <p:spPr>
+            <a:xfrm>
+              <a:off x="8138484" y="4329627"/>
+              <a:ext cx="1266395" cy="431442"/>
+            </a:xfrm>
+            <a:prstGeom prst="rect">
+              <a:avLst/>
+            </a:prstGeom>
+            <a:solidFill>
+              <a:schemeClr val="bg1"/>
+            </a:solidFill>
+            <a:ln w="9525">
               <a:solidFill>
                 <a:schemeClr val="tx1"/>
               </a:solidFill>
-            </a:endParaRPr>
-          </a:p>
-        </p:txBody>
-      </p:sp>
-      <p:sp>
-        <p:nvSpPr>
-          <p:cNvPr id="19" name="文本框 18"/>
-          <p:cNvSpPr txBox="1"/>
-          <p:nvPr/>
-        </p:nvSpPr>
-        <p:spPr>
-          <a:xfrm>
-            <a:off x="4821555" y="2566670"/>
-            <a:ext cx="1324610" cy="368300"/>
-          </a:xfrm>
-          <a:prstGeom prst="rect">
-            <a:avLst/>
-          </a:prstGeom>
-          <a:noFill/>
-        </p:spPr>
-        <p:txBody>
-          <a:bodyPr wrap="square" rtlCol="0">
-            <a:spAutoFit/>
-          </a:bodyPr>
-          <a:lstStyle/>
-          <a:p>
-            <a:pPr algn="ctr"/>
-            <a:r>
-              <a:rPr lang="en-US" altLang="zh-CN" b="1"/>
-              <a:t>EMR </a:t>
-            </a:r>
-            <a:r>
-              <a:rPr lang="zh-CN" altLang="en-US" b="1"/>
-              <a:t>插补</a:t>
-            </a:r>
-            <a:endParaRPr lang="zh-CN" altLang="en-US" b="1"/>
-          </a:p>
-        </p:txBody>
-      </p:sp>
-      <p:sp>
-        <p:nvSpPr>
-          <p:cNvPr id="20" name="圆角矩形 19"/>
-          <p:cNvSpPr/>
-          <p:nvPr/>
-        </p:nvSpPr>
-        <p:spPr>
-          <a:xfrm>
-            <a:off x="6840855" y="2503805"/>
-            <a:ext cx="2127250" cy="1934210"/>
-          </a:xfrm>
-          <a:prstGeom prst="roundRect">
-            <a:avLst>
-              <a:gd name="adj" fmla="val 7269"/>
-            </a:avLst>
-          </a:prstGeom>
-          <a:solidFill>
-            <a:schemeClr val="accent5">
-              <a:lumMod val="40000"/>
-              <a:lumOff val="60000"/>
-            </a:schemeClr>
-          </a:solidFill>
-          <a:ln>
-            <a:solidFill>
-              <a:schemeClr val="accent5">
-                <a:lumMod val="60000"/>
-                <a:lumOff val="40000"/>
+            </a:ln>
+          </p:spPr>
+          <p:style>
+            <a:lnRef idx="2">
+              <a:schemeClr val="accent1">
+                <a:shade val="50000"/>
               </a:schemeClr>
-            </a:solidFill>
-          </a:ln>
-        </p:spPr>
-        <p:style>
-          <a:lnRef idx="1">
-            <a:schemeClr val="accent4"/>
-          </a:lnRef>
-          <a:fillRef idx="2">
-            <a:schemeClr val="accent4"/>
-          </a:fillRef>
-          <a:effectRef idx="1">
-            <a:schemeClr val="accent4"/>
-          </a:effectRef>
-          <a:fontRef idx="minor">
-            <a:schemeClr val="dk1"/>
-          </a:fontRef>
-        </p:style>
-        <p:txBody>
-          <a:bodyPr rtlCol="0" anchor="ctr"/>
-          <a:lstStyle/>
-          <a:p>
-            <a:pPr algn="ctr"/>
-            <a:endParaRPr lang="zh-CN" altLang="en-US">
+            </a:lnRef>
+            <a:fillRef idx="1">
+              <a:schemeClr val="accent1"/>
+            </a:fillRef>
+            <a:effectRef idx="0">
+              <a:schemeClr val="accent1"/>
+            </a:effectRef>
+            <a:fontRef idx="minor">
+              <a:schemeClr val="lt1"/>
+            </a:fontRef>
+          </p:style>
+          <p:txBody>
+            <a:bodyPr rtlCol="0" anchor="ctr"/>
+            <a:lstStyle/>
+            <a:p>
+              <a:pPr algn="ctr"/>
+              <a:r>
+                <a:rPr lang="zh-CN" altLang="en-US" sz="1200" i="0" dirty="0">
+                  <a:solidFill>
+                    <a:schemeClr val="tx1"/>
+                  </a:solidFill>
+                  <a:latin typeface="宋体" panose="02010600030101010101" pitchFamily="2" charset="-122"/>
+                  <a:ea typeface="宋体" panose="02010600030101010101" pitchFamily="2" charset="-122"/>
+                </a:rPr>
+                <a:t>基于反馈偏置的边界数据选取</a:t>
+              </a:r>
+              <a:endParaRPr lang="zh-CN" altLang="en-US" sz="1200" dirty="0">
+                <a:solidFill>
+                  <a:schemeClr val="tx1"/>
+                </a:solidFill>
+                <a:latin typeface="宋体" panose="02010600030101010101" pitchFamily="2" charset="-122"/>
+                <a:ea typeface="宋体" panose="02010600030101010101" pitchFamily="2" charset="-122"/>
+              </a:endParaRPr>
+            </a:p>
+          </p:txBody>
+        </p:sp>
+        <p:cxnSp>
+          <p:nvCxnSpPr>
+            <p:cNvPr id="55" name="直接连接符 54">
+              <a:extLst>
+                <a:ext uri="{FF2B5EF4-FFF2-40B4-BE49-F238E27FC236}">
+                  <a16:creationId xmlns:a16="http://schemas.microsoft.com/office/drawing/2014/main" id="{1B1CC739-44C3-4FFC-AA7E-637964F3C143}"/>
+                </a:ext>
+              </a:extLst>
+            </p:cNvPr>
+            <p:cNvCxnSpPr>
+              <a:cxnSpLocks/>
+              <a:stCxn id="47" idx="3"/>
+              <a:endCxn id="46" idx="1"/>
+            </p:cNvCxnSpPr>
+            <p:nvPr/>
+          </p:nvCxnSpPr>
+          <p:spPr>
+            <a:xfrm flipV="1">
+              <a:off x="7767483" y="2384494"/>
+              <a:ext cx="389092" cy="996881"/>
+            </a:xfrm>
+            <a:prstGeom prst="line">
+              <a:avLst/>
+            </a:prstGeom>
+          </p:spPr>
+          <p:style>
+            <a:lnRef idx="1">
+              <a:schemeClr val="dk1"/>
+            </a:lnRef>
+            <a:fillRef idx="0">
+              <a:schemeClr val="dk1"/>
+            </a:fillRef>
+            <a:effectRef idx="0">
+              <a:schemeClr val="dk1"/>
+            </a:effectRef>
+            <a:fontRef idx="minor">
+              <a:schemeClr val="tx1"/>
+            </a:fontRef>
+          </p:style>
+        </p:cxnSp>
+        <p:cxnSp>
+          <p:nvCxnSpPr>
+            <p:cNvPr id="57" name="直接连接符 56">
+              <a:extLst>
+                <a:ext uri="{FF2B5EF4-FFF2-40B4-BE49-F238E27FC236}">
+                  <a16:creationId xmlns:a16="http://schemas.microsoft.com/office/drawing/2014/main" id="{2A59A8B7-DD80-4C23-A5B3-5F81550C6F3B}"/>
+                </a:ext>
+              </a:extLst>
+            </p:cNvPr>
+            <p:cNvCxnSpPr>
+              <a:cxnSpLocks/>
+              <a:stCxn id="47" idx="3"/>
+              <a:endCxn id="48" idx="1"/>
+            </p:cNvCxnSpPr>
+            <p:nvPr/>
+          </p:nvCxnSpPr>
+          <p:spPr>
+            <a:xfrm flipV="1">
+              <a:off x="7767483" y="3220062"/>
+              <a:ext cx="389092" cy="161313"/>
+            </a:xfrm>
+            <a:prstGeom prst="line">
+              <a:avLst/>
+            </a:prstGeom>
+          </p:spPr>
+          <p:style>
+            <a:lnRef idx="1">
+              <a:schemeClr val="dk1"/>
+            </a:lnRef>
+            <a:fillRef idx="0">
+              <a:schemeClr val="dk1"/>
+            </a:fillRef>
+            <a:effectRef idx="0">
+              <a:schemeClr val="dk1"/>
+            </a:effectRef>
+            <a:fontRef idx="minor">
+              <a:schemeClr val="tx1"/>
+            </a:fontRef>
+          </p:style>
+        </p:cxnSp>
+        <p:cxnSp>
+          <p:nvCxnSpPr>
+            <p:cNvPr id="59" name="直接连接符 58">
+              <a:extLst>
+                <a:ext uri="{FF2B5EF4-FFF2-40B4-BE49-F238E27FC236}">
+                  <a16:creationId xmlns:a16="http://schemas.microsoft.com/office/drawing/2014/main" id="{22D9FC75-70CB-44E4-B7FD-FFAB94AF3532}"/>
+                </a:ext>
+              </a:extLst>
+            </p:cNvPr>
+            <p:cNvCxnSpPr>
+              <a:cxnSpLocks/>
+              <a:stCxn id="47" idx="3"/>
+              <a:endCxn id="49" idx="1"/>
+            </p:cNvCxnSpPr>
+            <p:nvPr/>
+          </p:nvCxnSpPr>
+          <p:spPr>
+            <a:xfrm>
+              <a:off x="7767483" y="3381375"/>
+              <a:ext cx="371001" cy="503023"/>
+            </a:xfrm>
+            <a:prstGeom prst="line">
+              <a:avLst/>
+            </a:prstGeom>
+          </p:spPr>
+          <p:style>
+            <a:lnRef idx="1">
+              <a:schemeClr val="dk1"/>
+            </a:lnRef>
+            <a:fillRef idx="0">
+              <a:schemeClr val="dk1"/>
+            </a:fillRef>
+            <a:effectRef idx="0">
+              <a:schemeClr val="dk1"/>
+            </a:effectRef>
+            <a:fontRef idx="minor">
+              <a:schemeClr val="tx1"/>
+            </a:fontRef>
+          </p:style>
+        </p:cxnSp>
+        <p:cxnSp>
+          <p:nvCxnSpPr>
+            <p:cNvPr id="61" name="直接连接符 60">
+              <a:extLst>
+                <a:ext uri="{FF2B5EF4-FFF2-40B4-BE49-F238E27FC236}">
+                  <a16:creationId xmlns:a16="http://schemas.microsoft.com/office/drawing/2014/main" id="{A3BFEF5B-B82C-4461-98C4-EB8470ACA372}"/>
+                </a:ext>
+              </a:extLst>
+            </p:cNvPr>
+            <p:cNvCxnSpPr>
+              <a:cxnSpLocks/>
+              <a:stCxn id="47" idx="3"/>
+              <a:endCxn id="50" idx="1"/>
+            </p:cNvCxnSpPr>
+            <p:nvPr/>
+          </p:nvCxnSpPr>
+          <p:spPr>
+            <a:xfrm>
+              <a:off x="7767483" y="3381375"/>
+              <a:ext cx="371001" cy="1163973"/>
+            </a:xfrm>
+            <a:prstGeom prst="line">
+              <a:avLst/>
+            </a:prstGeom>
+          </p:spPr>
+          <p:style>
+            <a:lnRef idx="1">
+              <a:schemeClr val="dk1"/>
+            </a:lnRef>
+            <a:fillRef idx="0">
+              <a:schemeClr val="dk1"/>
+            </a:fillRef>
+            <a:effectRef idx="0">
+              <a:schemeClr val="dk1"/>
+            </a:effectRef>
+            <a:fontRef idx="minor">
+              <a:schemeClr val="tx1"/>
+            </a:fontRef>
+          </p:style>
+        </p:cxnSp>
+        <p:sp>
+          <p:nvSpPr>
+            <p:cNvPr id="62" name="矩形 61">
+              <a:extLst>
+                <a:ext uri="{FF2B5EF4-FFF2-40B4-BE49-F238E27FC236}">
+                  <a16:creationId xmlns:a16="http://schemas.microsoft.com/office/drawing/2014/main" id="{C19DE5F9-EA25-4956-876B-129A36AE1A32}"/>
+                </a:ext>
+              </a:extLst>
+            </p:cNvPr>
+            <p:cNvSpPr/>
+            <p:nvPr/>
+          </p:nvSpPr>
+          <p:spPr>
+            <a:xfrm>
+              <a:off x="7110133" y="1904999"/>
+              <a:ext cx="2362200" cy="2952750"/>
+            </a:xfrm>
+            <a:prstGeom prst="rect">
+              <a:avLst/>
+            </a:prstGeom>
+            <a:noFill/>
+            <a:ln w="9525">
               <a:solidFill>
                 <a:schemeClr val="tx1"/>
               </a:solidFill>
-            </a:endParaRPr>
-          </a:p>
-        </p:txBody>
-      </p:sp>
-      <p:sp>
-        <p:nvSpPr>
-          <p:cNvPr id="21" name="圆角矩形 20"/>
-          <p:cNvSpPr/>
-          <p:nvPr/>
-        </p:nvSpPr>
-        <p:spPr>
-          <a:xfrm>
-            <a:off x="6973570" y="2994660"/>
-            <a:ext cx="1871345" cy="377825"/>
-          </a:xfrm>
-          <a:prstGeom prst="roundRect">
-            <a:avLst/>
-          </a:prstGeom>
-          <a:solidFill>
-            <a:schemeClr val="accent5">
-              <a:lumMod val="40000"/>
-              <a:lumOff val="60000"/>
-            </a:schemeClr>
-          </a:solidFill>
-          <a:ln>
-            <a:solidFill>
-              <a:schemeClr val="accent5">
-                <a:lumMod val="75000"/>
+            </a:ln>
+          </p:spPr>
+          <p:style>
+            <a:lnRef idx="2">
+              <a:schemeClr val="accent1">
+                <a:shade val="50000"/>
               </a:schemeClr>
-            </a:solidFill>
-          </a:ln>
-        </p:spPr>
-        <p:style>
-          <a:lnRef idx="1">
-            <a:schemeClr val="accent4"/>
-          </a:lnRef>
-          <a:fillRef idx="2">
-            <a:schemeClr val="accent4"/>
-          </a:fillRef>
-          <a:effectRef idx="1">
-            <a:schemeClr val="accent4"/>
-          </a:effectRef>
-          <a:fontRef idx="minor">
-            <a:schemeClr val="dk1"/>
-          </a:fontRef>
-        </p:style>
-        <p:txBody>
-          <a:bodyPr rtlCol="0" anchor="ctr"/>
-          <a:lstStyle/>
-          <a:p>
-            <a:pPr algn="ctr"/>
-            <a:r>
-              <a:rPr lang="zh-CN" altLang="en-US" sz="1600">
+            </a:lnRef>
+            <a:fillRef idx="1">
+              <a:schemeClr val="accent1"/>
+            </a:fillRef>
+            <a:effectRef idx="0">
+              <a:schemeClr val="accent1"/>
+            </a:effectRef>
+            <a:fontRef idx="minor">
+              <a:schemeClr val="lt1"/>
+            </a:fontRef>
+          </p:style>
+          <p:txBody>
+            <a:bodyPr rtlCol="0" anchor="ctr"/>
+            <a:lstStyle/>
+            <a:p>
+              <a:pPr algn="ctr"/>
+              <a:endParaRPr lang="zh-CN" altLang="en-US" sz="1200" dirty="0">
                 <a:solidFill>
                   <a:schemeClr val="tx1"/>
                 </a:solidFill>
-              </a:rPr>
-              <a:t>全局可解释性</a:t>
-            </a:r>
-            <a:endParaRPr lang="zh-CN" altLang="en-US" sz="1600">
+                <a:latin typeface="宋体" panose="02010600030101010101" pitchFamily="2" charset="-122"/>
+                <a:ea typeface="宋体" panose="02010600030101010101" pitchFamily="2" charset="-122"/>
+              </a:endParaRPr>
+            </a:p>
+          </p:txBody>
+        </p:sp>
+        <p:sp>
+          <p:nvSpPr>
+            <p:cNvPr id="63" name="箭头: 右 62">
+              <a:extLst>
+                <a:ext uri="{FF2B5EF4-FFF2-40B4-BE49-F238E27FC236}">
+                  <a16:creationId xmlns:a16="http://schemas.microsoft.com/office/drawing/2014/main" id="{B2E04346-1537-4B71-8F47-6B15813C7852}"/>
+                </a:ext>
+              </a:extLst>
+            </p:cNvPr>
+            <p:cNvSpPr/>
+            <p:nvPr/>
+          </p:nvSpPr>
+          <p:spPr>
+            <a:xfrm>
+              <a:off x="6792633" y="3235324"/>
+              <a:ext cx="299409" cy="193675"/>
+            </a:xfrm>
+            <a:prstGeom prst="rightArrow">
+              <a:avLst/>
+            </a:prstGeom>
+            <a:noFill/>
+            <a:ln w="19050">
               <a:solidFill>
                 <a:schemeClr val="tx1"/>
               </a:solidFill>
-            </a:endParaRPr>
-          </a:p>
-        </p:txBody>
-      </p:sp>
-      <p:sp>
-        <p:nvSpPr>
-          <p:cNvPr id="22" name="圆角矩形 21"/>
-          <p:cNvSpPr/>
-          <p:nvPr/>
-        </p:nvSpPr>
-        <p:spPr>
-          <a:xfrm>
-            <a:off x="6973570" y="3469005"/>
-            <a:ext cx="1871345" cy="377825"/>
-          </a:xfrm>
-          <a:prstGeom prst="roundRect">
-            <a:avLst/>
-          </a:prstGeom>
-          <a:solidFill>
-            <a:schemeClr val="accent5">
-              <a:lumMod val="40000"/>
-              <a:lumOff val="60000"/>
-            </a:schemeClr>
-          </a:solidFill>
-          <a:ln>
-            <a:solidFill>
-              <a:schemeClr val="accent5">
-                <a:lumMod val="75000"/>
+            </a:ln>
+          </p:spPr>
+          <p:style>
+            <a:lnRef idx="2">
+              <a:schemeClr val="accent1">
+                <a:shade val="50000"/>
               </a:schemeClr>
-            </a:solidFill>
-          </a:ln>
-        </p:spPr>
-        <p:style>
-          <a:lnRef idx="1">
-            <a:schemeClr val="accent4"/>
-          </a:lnRef>
-          <a:fillRef idx="2">
-            <a:schemeClr val="accent4"/>
-          </a:fillRef>
-          <a:effectRef idx="1">
-            <a:schemeClr val="accent4"/>
-          </a:effectRef>
-          <a:fontRef idx="minor">
-            <a:schemeClr val="dk1"/>
-          </a:fontRef>
-        </p:style>
-        <p:txBody>
-          <a:bodyPr rtlCol="0" anchor="ctr"/>
-          <a:lstStyle/>
-          <a:p>
-            <a:pPr algn="ctr"/>
-            <a:r>
-              <a:rPr lang="zh-CN" altLang="en-US" sz="1600" dirty="0">
+            </a:lnRef>
+            <a:fillRef idx="1">
+              <a:schemeClr val="accent1"/>
+            </a:fillRef>
+            <a:effectRef idx="0">
+              <a:schemeClr val="accent1"/>
+            </a:effectRef>
+            <a:fontRef idx="minor">
+              <a:schemeClr val="lt1"/>
+            </a:fontRef>
+          </p:style>
+          <p:txBody>
+            <a:bodyPr rtlCol="0" anchor="ctr"/>
+            <a:lstStyle/>
+            <a:p>
+              <a:pPr algn="ctr"/>
+              <a:endParaRPr lang="zh-CN" altLang="en-US" sz="1200">
+                <a:ln>
+                  <a:solidFill>
+                    <a:schemeClr val="tx1"/>
+                  </a:solidFill>
+                </a:ln>
+                <a:noFill/>
+                <a:latin typeface="宋体" panose="02010600030101010101" pitchFamily="2" charset="-122"/>
+                <a:ea typeface="宋体" panose="02010600030101010101" pitchFamily="2" charset="-122"/>
+              </a:endParaRPr>
+            </a:p>
+          </p:txBody>
+        </p:sp>
+        <p:sp>
+          <p:nvSpPr>
+            <p:cNvPr id="64" name="文本框 63">
+              <a:extLst>
+                <a:ext uri="{FF2B5EF4-FFF2-40B4-BE49-F238E27FC236}">
+                  <a16:creationId xmlns:a16="http://schemas.microsoft.com/office/drawing/2014/main" id="{B3B86578-E3D0-4B31-98A4-1C1033177782}"/>
+                </a:ext>
+              </a:extLst>
+            </p:cNvPr>
+            <p:cNvSpPr txBox="1"/>
+            <p:nvPr/>
+          </p:nvSpPr>
+          <p:spPr>
+            <a:xfrm>
+              <a:off x="3690572" y="1614712"/>
+              <a:ext cx="2249592" cy="276999"/>
+            </a:xfrm>
+            <a:prstGeom prst="rect">
+              <a:avLst/>
+            </a:prstGeom>
+            <a:noFill/>
+          </p:spPr>
+          <p:txBody>
+            <a:bodyPr wrap="square" rtlCol="0">
+              <a:spAutoFit/>
+            </a:bodyPr>
+            <a:lstStyle/>
+            <a:p>
+              <a:pPr algn="ctr"/>
+              <a:r>
+                <a:rPr lang="zh-CN" altLang="en-US" sz="1200" b="1" dirty="0">
+                  <a:latin typeface="宋体" panose="02010600030101010101" pitchFamily="2" charset="-122"/>
+                  <a:ea typeface="宋体" panose="02010600030101010101" pitchFamily="2" charset="-122"/>
+                </a:rPr>
+                <a:t>可解释测试模型</a:t>
+              </a:r>
+            </a:p>
+          </p:txBody>
+        </p:sp>
+        <p:sp>
+          <p:nvSpPr>
+            <p:cNvPr id="65" name="文本框 64">
+              <a:extLst>
+                <a:ext uri="{FF2B5EF4-FFF2-40B4-BE49-F238E27FC236}">
+                  <a16:creationId xmlns:a16="http://schemas.microsoft.com/office/drawing/2014/main" id="{7A3ACB61-14FE-4BD4-9046-59A756E99357}"/>
+                </a:ext>
+              </a:extLst>
+            </p:cNvPr>
+            <p:cNvSpPr txBox="1"/>
+            <p:nvPr/>
+          </p:nvSpPr>
+          <p:spPr>
+            <a:xfrm>
+              <a:off x="7166437" y="1617060"/>
+              <a:ext cx="2249592" cy="276999"/>
+            </a:xfrm>
+            <a:prstGeom prst="rect">
+              <a:avLst/>
+            </a:prstGeom>
+            <a:noFill/>
+          </p:spPr>
+          <p:txBody>
+            <a:bodyPr wrap="square" rtlCol="0">
+              <a:spAutoFit/>
+            </a:bodyPr>
+            <a:lstStyle/>
+            <a:p>
+              <a:pPr algn="ctr"/>
+              <a:r>
+                <a:rPr lang="zh-CN" altLang="en-US" sz="1200" b="1" dirty="0">
+                  <a:latin typeface="宋体" panose="02010600030101010101" pitchFamily="2" charset="-122"/>
+                  <a:ea typeface="宋体" panose="02010600030101010101" pitchFamily="2" charset="-122"/>
+                </a:rPr>
+                <a:t>自适应测试数据集生成</a:t>
+              </a:r>
+            </a:p>
+          </p:txBody>
+        </p:sp>
+        <p:cxnSp>
+          <p:nvCxnSpPr>
+            <p:cNvPr id="67" name="直接箭头连接符 66">
+              <a:extLst>
+                <a:ext uri="{FF2B5EF4-FFF2-40B4-BE49-F238E27FC236}">
+                  <a16:creationId xmlns:a16="http://schemas.microsoft.com/office/drawing/2014/main" id="{527A689C-8875-4AB2-AC9D-701CACC32C39}"/>
+                </a:ext>
+              </a:extLst>
+            </p:cNvPr>
+            <p:cNvCxnSpPr>
+              <a:cxnSpLocks/>
+            </p:cNvCxnSpPr>
+            <p:nvPr/>
+          </p:nvCxnSpPr>
+          <p:spPr>
+            <a:xfrm>
+              <a:off x="5509671" y="1753211"/>
+              <a:ext cx="1907379" cy="0"/>
+            </a:xfrm>
+            <a:prstGeom prst="straightConnector1">
+              <a:avLst/>
+            </a:prstGeom>
+            <a:ln w="12700">
+              <a:solidFill>
+                <a:srgbClr val="0000FF"/>
+              </a:solidFill>
+              <a:tailEnd type="triangle"/>
+            </a:ln>
+          </p:spPr>
+          <p:style>
+            <a:lnRef idx="1">
+              <a:schemeClr val="dk1"/>
+            </a:lnRef>
+            <a:fillRef idx="0">
+              <a:schemeClr val="dk1"/>
+            </a:fillRef>
+            <a:effectRef idx="0">
+              <a:schemeClr val="dk1"/>
+            </a:effectRef>
+            <a:fontRef idx="minor">
+              <a:schemeClr val="tx1"/>
+            </a:fontRef>
+          </p:style>
+        </p:cxnSp>
+        <p:sp>
+          <p:nvSpPr>
+            <p:cNvPr id="78" name="矩形 77">
+              <a:extLst>
+                <a:ext uri="{FF2B5EF4-FFF2-40B4-BE49-F238E27FC236}">
+                  <a16:creationId xmlns:a16="http://schemas.microsoft.com/office/drawing/2014/main" id="{A45A445A-3325-480C-AE0B-E7939407C68F}"/>
+                </a:ext>
+              </a:extLst>
+            </p:cNvPr>
+            <p:cNvSpPr/>
+            <p:nvPr/>
+          </p:nvSpPr>
+          <p:spPr>
+            <a:xfrm>
+              <a:off x="2573035" y="1321768"/>
+              <a:ext cx="6944452" cy="3585083"/>
+            </a:xfrm>
+            <a:prstGeom prst="rect">
+              <a:avLst/>
+            </a:prstGeom>
+            <a:noFill/>
+            <a:ln w="9525">
+              <a:solidFill>
+                <a:schemeClr val="tx1"/>
+              </a:solidFill>
+            </a:ln>
+          </p:spPr>
+          <p:style>
+            <a:lnRef idx="2">
+              <a:schemeClr val="accent1">
+                <a:shade val="50000"/>
+              </a:schemeClr>
+            </a:lnRef>
+            <a:fillRef idx="1">
+              <a:schemeClr val="accent1"/>
+            </a:fillRef>
+            <a:effectRef idx="0">
+              <a:schemeClr val="accent1"/>
+            </a:effectRef>
+            <a:fontRef idx="minor">
+              <a:schemeClr val="lt1"/>
+            </a:fontRef>
+          </p:style>
+          <p:txBody>
+            <a:bodyPr rtlCol="0" anchor="ctr"/>
+            <a:lstStyle/>
+            <a:p>
+              <a:pPr algn="ctr"/>
+              <a:endParaRPr lang="zh-CN" altLang="en-US" sz="1200" dirty="0">
                 <a:solidFill>
                   <a:schemeClr val="tx1"/>
                 </a:solidFill>
-              </a:rPr>
-              <a:t>预测结果可解释性</a:t>
-            </a:r>
-            <a:endParaRPr lang="zh-CN" altLang="en-US" sz="1600" dirty="0">
+                <a:latin typeface="宋体" panose="02010600030101010101" pitchFamily="2" charset="-122"/>
+                <a:ea typeface="宋体" panose="02010600030101010101" pitchFamily="2" charset="-122"/>
+              </a:endParaRPr>
+            </a:p>
+          </p:txBody>
+        </p:sp>
+        <p:sp>
+          <p:nvSpPr>
+            <p:cNvPr id="83" name="矩形 82">
+              <a:extLst>
+                <a:ext uri="{FF2B5EF4-FFF2-40B4-BE49-F238E27FC236}">
+                  <a16:creationId xmlns:a16="http://schemas.microsoft.com/office/drawing/2014/main" id="{6F212446-9956-4773-B9CD-D82762F0D07D}"/>
+                </a:ext>
+              </a:extLst>
+            </p:cNvPr>
+            <p:cNvSpPr/>
+            <p:nvPr/>
+          </p:nvSpPr>
+          <p:spPr>
+            <a:xfrm>
+              <a:off x="4946630" y="1321768"/>
+              <a:ext cx="2172238" cy="288227"/>
+            </a:xfrm>
+            <a:prstGeom prst="rect">
+              <a:avLst/>
+            </a:prstGeom>
+            <a:solidFill>
+              <a:schemeClr val="bg1"/>
+            </a:solidFill>
+            <a:ln w="9525">
               <a:solidFill>
                 <a:schemeClr val="tx1"/>
               </a:solidFill>
-            </a:endParaRPr>
-          </a:p>
-        </p:txBody>
-      </p:sp>
-      <p:sp>
-        <p:nvSpPr>
-          <p:cNvPr id="23" name="文本框 22"/>
-          <p:cNvSpPr txBox="1"/>
-          <p:nvPr/>
-        </p:nvSpPr>
-        <p:spPr>
-          <a:xfrm>
-            <a:off x="7200582" y="2565638"/>
-            <a:ext cx="1447800" cy="369332"/>
-          </a:xfrm>
-          <a:prstGeom prst="rect">
-            <a:avLst/>
-          </a:prstGeom>
-          <a:noFill/>
-        </p:spPr>
-        <p:txBody>
-          <a:bodyPr wrap="square" rtlCol="0">
-            <a:spAutoFit/>
-          </a:bodyPr>
-          <a:lstStyle/>
-          <a:p>
-            <a:r>
-              <a:rPr lang="zh-CN" altLang="en-US" b="1" dirty="0"/>
-              <a:t>可解释模型</a:t>
-            </a:r>
-            <a:endParaRPr lang="zh-CN" altLang="en-US" b="1" dirty="0"/>
-          </a:p>
-        </p:txBody>
-      </p:sp>
-      <p:sp>
-        <p:nvSpPr>
-          <p:cNvPr id="24" name="上下箭头 23"/>
-          <p:cNvSpPr/>
-          <p:nvPr/>
-        </p:nvSpPr>
-        <p:spPr>
-          <a:xfrm>
-            <a:off x="2968625" y="2027555"/>
-            <a:ext cx="245745" cy="415290"/>
-          </a:xfrm>
-          <a:prstGeom prst="upDownArrow">
-            <a:avLst/>
-          </a:prstGeom>
-          <a:ln>
-            <a:noFill/>
-          </a:ln>
-        </p:spPr>
-        <p:style>
-          <a:lnRef idx="1">
-            <a:schemeClr val="accent1"/>
-          </a:lnRef>
-          <a:fillRef idx="2">
-            <a:schemeClr val="accent1"/>
-          </a:fillRef>
-          <a:effectRef idx="1">
-            <a:schemeClr val="accent1"/>
-          </a:effectRef>
-          <a:fontRef idx="minor">
-            <a:schemeClr val="dk1"/>
-          </a:fontRef>
-        </p:style>
-        <p:txBody>
-          <a:bodyPr rtlCol="0" anchor="ctr"/>
-          <a:lstStyle/>
-          <a:p>
-            <a:pPr algn="ctr"/>
-            <a:endParaRPr lang="zh-CN" altLang="en-US"/>
-          </a:p>
-        </p:txBody>
-      </p:sp>
-      <p:sp>
-        <p:nvSpPr>
-          <p:cNvPr id="25" name="上下箭头 24"/>
-          <p:cNvSpPr/>
-          <p:nvPr/>
-        </p:nvSpPr>
-        <p:spPr>
-          <a:xfrm>
-            <a:off x="5442585" y="2017395"/>
-            <a:ext cx="245745" cy="415290"/>
-          </a:xfrm>
-          <a:prstGeom prst="upDownArrow">
-            <a:avLst/>
-          </a:prstGeom>
-          <a:ln>
-            <a:noFill/>
-          </a:ln>
-        </p:spPr>
-        <p:style>
-          <a:lnRef idx="1">
-            <a:schemeClr val="accent1"/>
-          </a:lnRef>
-          <a:fillRef idx="2">
-            <a:schemeClr val="accent1"/>
-          </a:fillRef>
-          <a:effectRef idx="1">
-            <a:schemeClr val="accent1"/>
-          </a:effectRef>
-          <a:fontRef idx="minor">
-            <a:schemeClr val="dk1"/>
-          </a:fontRef>
-        </p:style>
-        <p:txBody>
-          <a:bodyPr rtlCol="0" anchor="ctr"/>
-          <a:lstStyle/>
-          <a:p>
-            <a:pPr algn="ctr"/>
-            <a:endParaRPr lang="zh-CN" altLang="en-US"/>
-          </a:p>
-        </p:txBody>
-      </p:sp>
-      <p:sp>
-        <p:nvSpPr>
-          <p:cNvPr id="26" name="上下箭头 25"/>
-          <p:cNvSpPr/>
-          <p:nvPr/>
-        </p:nvSpPr>
-        <p:spPr>
-          <a:xfrm>
-            <a:off x="7800975" y="2017395"/>
-            <a:ext cx="245745" cy="415290"/>
-          </a:xfrm>
-          <a:prstGeom prst="upDownArrow">
-            <a:avLst/>
-          </a:prstGeom>
-          <a:ln>
-            <a:noFill/>
-          </a:ln>
-        </p:spPr>
-        <p:style>
-          <a:lnRef idx="1">
-            <a:schemeClr val="accent1"/>
-          </a:lnRef>
-          <a:fillRef idx="2">
-            <a:schemeClr val="accent1"/>
-          </a:fillRef>
-          <a:effectRef idx="1">
-            <a:schemeClr val="accent1"/>
-          </a:effectRef>
-          <a:fontRef idx="minor">
-            <a:schemeClr val="dk1"/>
-          </a:fontRef>
-        </p:style>
-        <p:txBody>
-          <a:bodyPr rtlCol="0" anchor="ctr"/>
-          <a:lstStyle/>
-          <a:p>
-            <a:pPr algn="ctr"/>
-            <a:endParaRPr lang="zh-CN" altLang="en-US"/>
-          </a:p>
-        </p:txBody>
-      </p:sp>
-      <p:sp>
-        <p:nvSpPr>
-          <p:cNvPr id="27" name="圆角右箭头 26"/>
-          <p:cNvSpPr/>
-          <p:nvPr/>
-        </p:nvSpPr>
-        <p:spPr>
-          <a:xfrm rot="16200000">
-            <a:off x="4564380" y="2729230"/>
-            <a:ext cx="984885" cy="4458335"/>
-          </a:xfrm>
-          <a:prstGeom prst="bentArrow">
-            <a:avLst>
-              <a:gd name="adj1" fmla="val 20997"/>
-              <a:gd name="adj2" fmla="val 25233"/>
-              <a:gd name="adj3" fmla="val 25000"/>
-              <a:gd name="adj4" fmla="val 63042"/>
-            </a:avLst>
-          </a:prstGeom>
-          <a:solidFill>
-            <a:schemeClr val="accent6">
-              <a:lumMod val="60000"/>
-              <a:lumOff val="40000"/>
-            </a:schemeClr>
-          </a:solidFill>
-          <a:ln>
-            <a:noFill/>
-          </a:ln>
-        </p:spPr>
-        <p:style>
-          <a:lnRef idx="2">
-            <a:schemeClr val="accent6"/>
-          </a:lnRef>
-          <a:fillRef idx="1">
-            <a:schemeClr val="lt1"/>
-          </a:fillRef>
-          <a:effectRef idx="0">
-            <a:schemeClr val="accent6"/>
-          </a:effectRef>
-          <a:fontRef idx="minor">
-            <a:schemeClr val="dk1"/>
-          </a:fontRef>
-        </p:style>
-        <p:txBody>
-          <a:bodyPr rtlCol="0" anchor="ctr"/>
-          <a:lstStyle/>
-          <a:p>
-            <a:pPr algn="ctr"/>
-            <a:endParaRPr lang="zh-CN" altLang="en-US">
-              <a:solidFill>
-                <a:schemeClr val="tx1"/>
-              </a:solidFill>
-            </a:endParaRPr>
-          </a:p>
-        </p:txBody>
-      </p:sp>
-      <p:sp>
-        <p:nvSpPr>
-          <p:cNvPr id="28" name="圆角右箭头 27"/>
-          <p:cNvSpPr/>
-          <p:nvPr/>
-        </p:nvSpPr>
-        <p:spPr>
-          <a:xfrm rot="16200000">
-            <a:off x="6724650" y="2908300"/>
-            <a:ext cx="984885" cy="4101465"/>
-          </a:xfrm>
-          <a:prstGeom prst="bentArrow">
-            <a:avLst>
-              <a:gd name="adj1" fmla="val 20997"/>
-              <a:gd name="adj2" fmla="val 25233"/>
-              <a:gd name="adj3" fmla="val 25000"/>
-              <a:gd name="adj4" fmla="val 63042"/>
-            </a:avLst>
-          </a:prstGeom>
-          <a:solidFill>
-            <a:schemeClr val="accent6">
-              <a:lumMod val="60000"/>
-              <a:lumOff val="40000"/>
-            </a:schemeClr>
-          </a:solidFill>
-          <a:ln>
-            <a:noFill/>
-          </a:ln>
-        </p:spPr>
-        <p:style>
-          <a:lnRef idx="2">
-            <a:schemeClr val="accent6"/>
-          </a:lnRef>
-          <a:fillRef idx="1">
-            <a:schemeClr val="lt1"/>
-          </a:fillRef>
-          <a:effectRef idx="0">
-            <a:schemeClr val="accent6"/>
-          </a:effectRef>
-          <a:fontRef idx="minor">
-            <a:schemeClr val="dk1"/>
-          </a:fontRef>
-        </p:style>
-        <p:txBody>
-          <a:bodyPr rtlCol="0" anchor="ctr"/>
-          <a:lstStyle/>
-          <a:p>
-            <a:pPr algn="ctr"/>
-            <a:endParaRPr lang="zh-CN" altLang="en-US">
-              <a:solidFill>
-                <a:schemeClr val="tx1"/>
-              </a:solidFill>
-            </a:endParaRPr>
-          </a:p>
-        </p:txBody>
-      </p:sp>
-      <p:sp>
-        <p:nvSpPr>
-          <p:cNvPr id="30" name="圆角右箭头 29"/>
-          <p:cNvSpPr/>
-          <p:nvPr/>
-        </p:nvSpPr>
-        <p:spPr>
-          <a:xfrm rot="16200000">
-            <a:off x="7978140" y="4161790"/>
-            <a:ext cx="984885" cy="1592580"/>
-          </a:xfrm>
-          <a:prstGeom prst="bentArrow">
-            <a:avLst>
-              <a:gd name="adj1" fmla="val 20997"/>
-              <a:gd name="adj2" fmla="val 25233"/>
-              <a:gd name="adj3" fmla="val 25000"/>
-              <a:gd name="adj4" fmla="val 63042"/>
-            </a:avLst>
-          </a:prstGeom>
-          <a:solidFill>
-            <a:schemeClr val="accent6">
-              <a:lumMod val="60000"/>
-              <a:lumOff val="40000"/>
-            </a:schemeClr>
-          </a:solidFill>
-          <a:ln>
-            <a:noFill/>
-          </a:ln>
-        </p:spPr>
-        <p:style>
-          <a:lnRef idx="2">
-            <a:schemeClr val="accent6"/>
-          </a:lnRef>
-          <a:fillRef idx="1">
-            <a:schemeClr val="lt1"/>
-          </a:fillRef>
-          <a:effectRef idx="0">
-            <a:schemeClr val="accent6"/>
-          </a:effectRef>
-          <a:fontRef idx="minor">
-            <a:schemeClr val="dk1"/>
-          </a:fontRef>
-        </p:style>
-        <p:txBody>
-          <a:bodyPr rtlCol="0" anchor="ctr"/>
-          <a:lstStyle/>
-          <a:p>
-            <a:pPr algn="ctr"/>
-            <a:endParaRPr lang="zh-CN" altLang="en-US">
-              <a:solidFill>
-                <a:schemeClr val="tx1"/>
-              </a:solidFill>
-            </a:endParaRPr>
-          </a:p>
-        </p:txBody>
-      </p:sp>
-      <p:sp>
-        <p:nvSpPr>
-          <p:cNvPr id="31" name="文本框 30"/>
-          <p:cNvSpPr txBox="1"/>
-          <p:nvPr/>
-        </p:nvSpPr>
-        <p:spPr>
-          <a:xfrm>
-            <a:off x="5895975" y="5473472"/>
-            <a:ext cx="1107996" cy="369332"/>
-          </a:xfrm>
-          <a:prstGeom prst="rect">
-            <a:avLst/>
-          </a:prstGeom>
-          <a:noFill/>
-        </p:spPr>
-        <p:txBody>
-          <a:bodyPr wrap="none" rtlCol="0">
-            <a:spAutoFit/>
-          </a:bodyPr>
-          <a:lstStyle/>
-          <a:p>
-            <a:r>
-              <a:rPr lang="zh-CN" altLang="en-US" dirty="0"/>
-              <a:t>专家反馈</a:t>
-            </a:r>
-            <a:endParaRPr lang="zh-CN" altLang="en-US" dirty="0"/>
-          </a:p>
-        </p:txBody>
-      </p:sp>
-      <p:sp>
-        <p:nvSpPr>
-          <p:cNvPr id="44" name="右箭头 43"/>
-          <p:cNvSpPr/>
-          <p:nvPr/>
-        </p:nvSpPr>
-        <p:spPr>
-          <a:xfrm>
-            <a:off x="1588770" y="3255010"/>
-            <a:ext cx="304800" cy="432435"/>
-          </a:xfrm>
-          <a:prstGeom prst="rightArrow">
-            <a:avLst/>
-          </a:prstGeom>
-          <a:ln>
-            <a:noFill/>
-          </a:ln>
-        </p:spPr>
-        <p:style>
-          <a:lnRef idx="1">
-            <a:schemeClr val="accent1"/>
-          </a:lnRef>
-          <a:fillRef idx="2">
-            <a:schemeClr val="accent1"/>
-          </a:fillRef>
-          <a:effectRef idx="1">
-            <a:schemeClr val="accent1"/>
-          </a:effectRef>
-          <a:fontRef idx="minor">
-            <a:schemeClr val="dk1"/>
-          </a:fontRef>
-        </p:style>
-        <p:txBody>
-          <a:bodyPr rtlCol="0" anchor="ctr"/>
-          <a:lstStyle/>
-          <a:p>
-            <a:pPr algn="ctr"/>
-            <a:endParaRPr lang="zh-CN" altLang="en-US"/>
-          </a:p>
-        </p:txBody>
-      </p:sp>
-      <p:cxnSp>
-        <p:nvCxnSpPr>
-          <p:cNvPr id="45" name="直接连接符 44"/>
-          <p:cNvCxnSpPr/>
-          <p:nvPr/>
-        </p:nvCxnSpPr>
-        <p:spPr>
-          <a:xfrm flipV="1">
-            <a:off x="3227070" y="1481298"/>
-            <a:ext cx="5121275" cy="17145"/>
-          </a:xfrm>
-          <a:prstGeom prst="line">
-            <a:avLst/>
-          </a:prstGeom>
-        </p:spPr>
-        <p:style>
-          <a:lnRef idx="2">
-            <a:schemeClr val="dk1"/>
-          </a:lnRef>
-          <a:fillRef idx="0">
-            <a:schemeClr val="dk1"/>
-          </a:fillRef>
-          <a:effectRef idx="1">
-            <a:schemeClr val="dk1"/>
-          </a:effectRef>
-          <a:fontRef idx="minor">
-            <a:schemeClr val="tx1"/>
-          </a:fontRef>
-        </p:style>
-      </p:cxnSp>
-      <p:pic>
-        <p:nvPicPr>
-          <p:cNvPr id="3" name="图片 2"/>
-          <p:cNvPicPr>
-            <a:picLocks noChangeAspect="1"/>
-          </p:cNvPicPr>
-          <p:nvPr/>
-        </p:nvPicPr>
-        <p:blipFill>
-          <a:blip r:embed="rId2" cstate="print">
-            <a:extLst>
-              <a:ext uri="{28A0092B-C50C-407E-A947-70E740481C1C}">
-                <a14:useLocalDpi xmlns:a14="http://schemas.microsoft.com/office/drawing/2010/main" val="0"/>
-              </a:ext>
-            </a:extLst>
-          </a:blip>
-          <a:stretch>
-            <a:fillRect/>
-          </a:stretch>
-        </p:blipFill>
-        <p:spPr>
-          <a:xfrm>
-            <a:off x="9195117" y="2271230"/>
-            <a:ext cx="2977050" cy="2049941"/>
-          </a:xfrm>
-          <a:prstGeom prst="rect">
-            <a:avLst/>
-          </a:prstGeom>
-        </p:spPr>
-      </p:pic>
-      <p:sp>
-        <p:nvSpPr>
-          <p:cNvPr id="2" name="圆角矩形 1"/>
-          <p:cNvSpPr/>
-          <p:nvPr/>
-        </p:nvSpPr>
-        <p:spPr>
-          <a:xfrm>
-            <a:off x="4574540" y="3943350"/>
-            <a:ext cx="1871345" cy="377825"/>
-          </a:xfrm>
-          <a:prstGeom prst="roundRect">
-            <a:avLst/>
-          </a:prstGeom>
-          <a:solidFill>
-            <a:schemeClr val="accent5">
-              <a:lumMod val="40000"/>
-              <a:lumOff val="60000"/>
-            </a:schemeClr>
-          </a:solidFill>
-          <a:ln>
-            <a:solidFill>
-              <a:schemeClr val="accent5">
-                <a:lumMod val="75000"/>
+            </a:ln>
+          </p:spPr>
+          <p:style>
+            <a:lnRef idx="2">
+              <a:schemeClr val="accent1">
+                <a:shade val="50000"/>
               </a:schemeClr>
-            </a:solidFill>
-          </a:ln>
-        </p:spPr>
-        <p:style>
-          <a:lnRef idx="1">
-            <a:schemeClr val="accent4"/>
-          </a:lnRef>
-          <a:fillRef idx="2">
-            <a:schemeClr val="accent4"/>
-          </a:fillRef>
-          <a:effectRef idx="1">
-            <a:schemeClr val="accent4"/>
-          </a:effectRef>
-          <a:fontRef idx="minor">
-            <a:schemeClr val="dk1"/>
-          </a:fontRef>
-        </p:style>
-        <p:txBody>
-          <a:bodyPr rtlCol="0" anchor="ctr"/>
-          <a:p>
-            <a:pPr algn="ctr"/>
-            <a:r>
-              <a:rPr lang="zh-CN" altLang="en-US" sz="1600" dirty="0">
+            </a:lnRef>
+            <a:fillRef idx="1">
+              <a:schemeClr val="accent1"/>
+            </a:fillRef>
+            <a:effectRef idx="0">
+              <a:schemeClr val="accent1"/>
+            </a:effectRef>
+            <a:fontRef idx="minor">
+              <a:schemeClr val="lt1"/>
+            </a:fontRef>
+          </p:style>
+          <p:txBody>
+            <a:bodyPr rtlCol="0" anchor="ctr"/>
+            <a:lstStyle/>
+            <a:p>
+              <a:pPr algn="ctr"/>
+              <a:r>
+                <a:rPr lang="zh-CN" altLang="en-US" sz="1400" b="1" i="0" dirty="0">
+                  <a:solidFill>
+                    <a:schemeClr val="tx1"/>
+                  </a:solidFill>
+                  <a:latin typeface="楷体" panose="02010609060101010101" pitchFamily="49" charset="-122"/>
+                  <a:ea typeface="楷体" panose="02010609060101010101" pitchFamily="49" charset="-122"/>
+                </a:rPr>
+                <a:t>可解释深度学习测试</a:t>
+              </a:r>
+              <a:endParaRPr lang="zh-CN" altLang="en-US" sz="1400" b="1" dirty="0">
                 <a:solidFill>
                   <a:schemeClr val="tx1"/>
                 </a:solidFill>
-              </a:rPr>
-              <a:t>特征回归</a:t>
-            </a:r>
-            <a:endParaRPr lang="zh-CN" altLang="en-US" sz="1600" dirty="0">
-              <a:solidFill>
-                <a:schemeClr val="tx1"/>
-              </a:solidFill>
-            </a:endParaRPr>
-          </a:p>
-        </p:txBody>
-      </p:sp>
-      <p:sp>
-        <p:nvSpPr>
-          <p:cNvPr id="4" name="圆角矩形 3"/>
-          <p:cNvSpPr/>
-          <p:nvPr/>
-        </p:nvSpPr>
-        <p:spPr>
-          <a:xfrm>
-            <a:off x="6973570" y="3943350"/>
-            <a:ext cx="1871345" cy="377825"/>
-          </a:xfrm>
-          <a:prstGeom prst="roundRect">
-            <a:avLst/>
-          </a:prstGeom>
-          <a:solidFill>
-            <a:schemeClr val="accent5">
-              <a:lumMod val="40000"/>
-              <a:lumOff val="60000"/>
-            </a:schemeClr>
-          </a:solidFill>
-          <a:ln>
-            <a:solidFill>
-              <a:schemeClr val="accent5">
-                <a:lumMod val="75000"/>
-              </a:schemeClr>
-            </a:solidFill>
-          </a:ln>
-        </p:spPr>
-        <p:style>
-          <a:lnRef idx="1">
-            <a:schemeClr val="accent4"/>
-          </a:lnRef>
-          <a:fillRef idx="2">
-            <a:schemeClr val="accent4"/>
-          </a:fillRef>
-          <a:effectRef idx="1">
-            <a:schemeClr val="accent4"/>
-          </a:effectRef>
-          <a:fontRef idx="minor">
-            <a:schemeClr val="dk1"/>
-          </a:fontRef>
-        </p:style>
-        <p:txBody>
-          <a:bodyPr rtlCol="0" anchor="ctr"/>
-          <a:p>
-            <a:pPr algn="ctr"/>
-            <a:r>
-              <a:rPr lang="zh-CN" altLang="en-US" sz="1600" dirty="0">
-                <a:solidFill>
-                  <a:schemeClr val="tx1"/>
-                </a:solidFill>
-                <a:sym typeface="+mn-ea"/>
-              </a:rPr>
-              <a:t>混合注意力机制</a:t>
-            </a:r>
-            <a:endParaRPr lang="zh-CN" altLang="en-US" sz="1600" dirty="0">
-              <a:solidFill>
-                <a:schemeClr val="tx1"/>
-              </a:solidFill>
-            </a:endParaRPr>
-          </a:p>
-        </p:txBody>
-      </p:sp>
-      <p:sp>
-        <p:nvSpPr>
-          <p:cNvPr id="29" name="文本框 28"/>
-          <p:cNvSpPr txBox="1"/>
-          <p:nvPr/>
-        </p:nvSpPr>
-        <p:spPr>
-          <a:xfrm>
-            <a:off x="92710" y="1917700"/>
-            <a:ext cx="1637030" cy="829945"/>
-          </a:xfrm>
-          <a:prstGeom prst="rect">
-            <a:avLst/>
-          </a:prstGeom>
-          <a:noFill/>
-        </p:spPr>
-        <p:txBody>
-          <a:bodyPr wrap="none" rtlCol="0">
-            <a:spAutoFit/>
-          </a:bodyPr>
-          <a:p>
-            <a:pPr marL="285750" indent="-285750">
-              <a:lnSpc>
-                <a:spcPct val="150000"/>
-              </a:lnSpc>
-              <a:buFont typeface="Wingdings" panose="05000000000000000000" charset="0"/>
-              <a:buChar char="p"/>
-            </a:pPr>
-            <a:r>
-              <a:rPr lang="en-US" altLang="zh-CN" sz="1600">
-                <a:solidFill>
-                  <a:schemeClr val="tx1"/>
-                </a:solidFill>
-              </a:rPr>
-              <a:t>DKD</a:t>
-            </a:r>
-            <a:r>
-              <a:rPr lang="zh-CN" altLang="en-US" sz="1600">
-                <a:solidFill>
-                  <a:schemeClr val="tx1"/>
-                </a:solidFill>
-              </a:rPr>
-              <a:t>慢性肾病</a:t>
-            </a:r>
-            <a:endParaRPr lang="zh-CN" altLang="en-US" sz="1600">
-              <a:solidFill>
-                <a:schemeClr val="tx1"/>
-              </a:solidFill>
-            </a:endParaRPr>
-          </a:p>
-          <a:p>
-            <a:pPr marL="285750" indent="-285750">
-              <a:lnSpc>
-                <a:spcPct val="150000"/>
-              </a:lnSpc>
-              <a:buFont typeface="Wingdings" panose="05000000000000000000" charset="0"/>
-              <a:buChar char="p"/>
-            </a:pPr>
-            <a:r>
-              <a:rPr lang="zh-CN" altLang="en-US" sz="1600">
-                <a:solidFill>
-                  <a:schemeClr val="tx1"/>
-                </a:solidFill>
-              </a:rPr>
-              <a:t>感染性休克</a:t>
-            </a:r>
-            <a:endParaRPr lang="zh-CN" altLang="en-US" sz="1600">
-              <a:solidFill>
-                <a:schemeClr val="tx1"/>
-              </a:solidFill>
-            </a:endParaRPr>
-          </a:p>
-        </p:txBody>
-      </p:sp>
+                <a:latin typeface="楷体" panose="02010609060101010101" pitchFamily="49" charset="-122"/>
+                <a:ea typeface="楷体" panose="02010609060101010101" pitchFamily="49" charset="-122"/>
+              </a:endParaRPr>
+            </a:p>
+          </p:txBody>
+        </p:sp>
+      </p:grpSp>
     </p:spTree>
+    <p:extLst>
+      <p:ext uri="{BB962C8B-B14F-4D97-AF65-F5344CB8AC3E}">
+        <p14:creationId xmlns:p14="http://schemas.microsoft.com/office/powerpoint/2010/main" val="288293012"/>
+      </p:ext>
+    </p:extLst>
   </p:cSld>
   <p:clrMapOvr>
     <a:masterClrMapping/>
@@ -4502,7 +5387,7 @@
 </file>
 
 <file path=ppt/theme/theme1.xml><?xml version="1.0" encoding="utf-8"?>
-<a:theme xmlns:a="http://schemas.openxmlformats.org/drawingml/2006/main" name="Office 主题">
+<a:theme xmlns:a="http://schemas.openxmlformats.org/drawingml/2006/main" name="Office 主题​​">
   <a:themeElements>
     <a:clrScheme name="Office">
       <a:dk1>
@@ -4518,7 +5403,7 @@
         <a:srgbClr val="E7E6E6"/>
       </a:lt2>
       <a:accent1>
-        <a:srgbClr val="5B9BD5"/>
+        <a:srgbClr val="4472C4"/>
       </a:accent1>
       <a:accent2>
         <a:srgbClr val="ED7D31"/>
@@ -4530,7 +5415,7 @@
         <a:srgbClr val="FFC000"/>
       </a:accent4>
       <a:accent5>
-        <a:srgbClr val="4472C4"/>
+        <a:srgbClr val="5B9BD5"/>
       </a:accent5>
       <a:accent6>
         <a:srgbClr val="70AD47"/>
@@ -4544,12 +5429,12 @@
     </a:clrScheme>
     <a:fontScheme name="Office">
       <a:majorFont>
-        <a:latin typeface="Calibri"/>
+        <a:latin typeface="等线 Light" panose="020F0302020204030204"/>
         <a:ea typeface=""/>
         <a:cs typeface=""/>
-        <a:font script="Jpan" typeface="ＭＳ Ｐゴシック"/>
+        <a:font script="Jpan" typeface="游ゴシック Light"/>
         <a:font script="Hang" typeface="맑은 고딕"/>
-        <a:font script="Hans" typeface="微软雅黑"/>
+        <a:font script="Hans" typeface="等线 Light"/>
         <a:font script="Hant" typeface="新細明體"/>
         <a:font script="Arab" typeface="Times New Roman"/>
         <a:font script="Hebr" typeface="Times New Roman"/>
@@ -4577,14 +5462,31 @@
         <a:font script="Viet" typeface="Times New Roman"/>
         <a:font script="Uigh" typeface="Microsoft Uighur"/>
         <a:font script="Geor" typeface="Sylfaen"/>
+        <a:font script="Armn" typeface="Arial"/>
+        <a:font script="Bugi" typeface="Leelawadee UI"/>
+        <a:font script="Bopo" typeface="Microsoft JhengHei"/>
+        <a:font script="Java" typeface="Javanese Text"/>
+        <a:font script="Lisu" typeface="Segoe UI"/>
+        <a:font script="Mymr" typeface="Myanmar Text"/>
+        <a:font script="Nkoo" typeface="Ebrima"/>
+        <a:font script="Olck" typeface="Nirmala UI"/>
+        <a:font script="Osma" typeface="Ebrima"/>
+        <a:font script="Phag" typeface="Phagspa"/>
+        <a:font script="Syrn" typeface="Estrangelo Edessa"/>
+        <a:font script="Syrj" typeface="Estrangelo Edessa"/>
+        <a:font script="Syre" typeface="Estrangelo Edessa"/>
+        <a:font script="Sora" typeface="Nirmala UI"/>
+        <a:font script="Tale" typeface="Microsoft Tai Le"/>
+        <a:font script="Talu" typeface="Microsoft New Tai Lue"/>
+        <a:font script="Tfng" typeface="Ebrima"/>
       </a:majorFont>
       <a:minorFont>
-        <a:latin typeface="Calibri"/>
+        <a:latin typeface="等线" panose="020F0502020204030204"/>
         <a:ea typeface=""/>
         <a:cs typeface=""/>
-        <a:font script="Jpan" typeface="ＭＳ Ｐゴシック"/>
+        <a:font script="Jpan" typeface="游ゴシック"/>
         <a:font script="Hang" typeface="맑은 고딕"/>
-        <a:font script="Hans" typeface="微软雅黑"/>
+        <a:font script="Hans" typeface="等线"/>
         <a:font script="Hant" typeface="新細明體"/>
         <a:font script="Arab" typeface="Arial"/>
         <a:font script="Hebr" typeface="Arial"/>
@@ -4612,6 +5514,23 @@
         <a:font script="Viet" typeface="Arial"/>
         <a:font script="Uigh" typeface="Microsoft Uighur"/>
         <a:font script="Geor" typeface="Sylfaen"/>
+        <a:font script="Armn" typeface="Arial"/>
+        <a:font script="Bugi" typeface="Leelawadee UI"/>
+        <a:font script="Bopo" typeface="Microsoft JhengHei"/>
+        <a:font script="Java" typeface="Javanese Text"/>
+        <a:font script="Lisu" typeface="Segoe UI"/>
+        <a:font script="Mymr" typeface="Myanmar Text"/>
+        <a:font script="Nkoo" typeface="Ebrima"/>
+        <a:font script="Olck" typeface="Nirmala UI"/>
+        <a:font script="Osma" typeface="Ebrima"/>
+        <a:font script="Phag" typeface="Phagspa"/>
+        <a:font script="Syrn" typeface="Estrangelo Edessa"/>
+        <a:font script="Syrj" typeface="Estrangelo Edessa"/>
+        <a:font script="Syre" typeface="Estrangelo Edessa"/>
+        <a:font script="Sora" typeface="Nirmala UI"/>
+        <a:font script="Tale" typeface="Microsoft Tai Le"/>
+        <a:font script="Talu" typeface="Microsoft New Tai Lue"/>
+        <a:font script="Tfng" typeface="Ebrima"/>
       </a:minorFont>
     </a:fontScheme>
     <a:fmtScheme name="Office">
@@ -4752,6 +5671,8 @@
       </a:bgFillStyleLst>
     </a:fmtScheme>
   </a:themeElements>
+  <a:objectDefaults/>
+  <a:extraClrSchemeLst/>
   <a:extLst>
     <a:ext uri="{05A4C25C-085E-4340-85A3-A5531E510DB2}">
       <thm15:themeFamily xmlns:thm15="http://schemas.microsoft.com/office/thememl/2012/main" name="Office Theme" id="{62F939B6-93AF-4DB8-9C6B-D6C7DFDC589F}" vid="{4A3C46E8-61CC-4603-A589-7422A47A8E4A}"/>

--- a/images/ch3solution.pptx
+++ b/images/ch3solution.pptx
@@ -259,7 +259,7 @@
           <a:p>
             <a:fld id="{818EF059-61D4-4309-AA3F-D6A14FA325B6}" type="datetimeFigureOut">
               <a:rPr lang="zh-CN" altLang="en-US" smtClean="0"/>
-              <a:t>2022/3/3</a:t>
+              <a:t>2022/3/13</a:t>
             </a:fld>
             <a:endParaRPr lang="zh-CN" altLang="en-US"/>
           </a:p>
@@ -457,7 +457,7 @@
           <a:p>
             <a:fld id="{818EF059-61D4-4309-AA3F-D6A14FA325B6}" type="datetimeFigureOut">
               <a:rPr lang="zh-CN" altLang="en-US" smtClean="0"/>
-              <a:t>2022/3/3</a:t>
+              <a:t>2022/3/13</a:t>
             </a:fld>
             <a:endParaRPr lang="zh-CN" altLang="en-US"/>
           </a:p>
@@ -665,7 +665,7 @@
           <a:p>
             <a:fld id="{818EF059-61D4-4309-AA3F-D6A14FA325B6}" type="datetimeFigureOut">
               <a:rPr lang="zh-CN" altLang="en-US" smtClean="0"/>
-              <a:t>2022/3/3</a:t>
+              <a:t>2022/3/13</a:t>
             </a:fld>
             <a:endParaRPr lang="zh-CN" altLang="en-US"/>
           </a:p>
@@ -863,7 +863,7 @@
           <a:p>
             <a:fld id="{818EF059-61D4-4309-AA3F-D6A14FA325B6}" type="datetimeFigureOut">
               <a:rPr lang="zh-CN" altLang="en-US" smtClean="0"/>
-              <a:t>2022/3/3</a:t>
+              <a:t>2022/3/13</a:t>
             </a:fld>
             <a:endParaRPr lang="zh-CN" altLang="en-US"/>
           </a:p>
@@ -1138,7 +1138,7 @@
           <a:p>
             <a:fld id="{818EF059-61D4-4309-AA3F-D6A14FA325B6}" type="datetimeFigureOut">
               <a:rPr lang="zh-CN" altLang="en-US" smtClean="0"/>
-              <a:t>2022/3/3</a:t>
+              <a:t>2022/3/13</a:t>
             </a:fld>
             <a:endParaRPr lang="zh-CN" altLang="en-US"/>
           </a:p>
@@ -1403,7 +1403,7 @@
           <a:p>
             <a:fld id="{818EF059-61D4-4309-AA3F-D6A14FA325B6}" type="datetimeFigureOut">
               <a:rPr lang="zh-CN" altLang="en-US" smtClean="0"/>
-              <a:t>2022/3/3</a:t>
+              <a:t>2022/3/13</a:t>
             </a:fld>
             <a:endParaRPr lang="zh-CN" altLang="en-US"/>
           </a:p>
@@ -1815,7 +1815,7 @@
           <a:p>
             <a:fld id="{818EF059-61D4-4309-AA3F-D6A14FA325B6}" type="datetimeFigureOut">
               <a:rPr lang="zh-CN" altLang="en-US" smtClean="0"/>
-              <a:t>2022/3/3</a:t>
+              <a:t>2022/3/13</a:t>
             </a:fld>
             <a:endParaRPr lang="zh-CN" altLang="en-US"/>
           </a:p>
@@ -1956,7 +1956,7 @@
           <a:p>
             <a:fld id="{818EF059-61D4-4309-AA3F-D6A14FA325B6}" type="datetimeFigureOut">
               <a:rPr lang="zh-CN" altLang="en-US" smtClean="0"/>
-              <a:t>2022/3/3</a:t>
+              <a:t>2022/3/13</a:t>
             </a:fld>
             <a:endParaRPr lang="zh-CN" altLang="en-US"/>
           </a:p>
@@ -2069,7 +2069,7 @@
           <a:p>
             <a:fld id="{818EF059-61D4-4309-AA3F-D6A14FA325B6}" type="datetimeFigureOut">
               <a:rPr lang="zh-CN" altLang="en-US" smtClean="0"/>
-              <a:t>2022/3/3</a:t>
+              <a:t>2022/3/13</a:t>
             </a:fld>
             <a:endParaRPr lang="zh-CN" altLang="en-US"/>
           </a:p>
@@ -2380,7 +2380,7 @@
           <a:p>
             <a:fld id="{818EF059-61D4-4309-AA3F-D6A14FA325B6}" type="datetimeFigureOut">
               <a:rPr lang="zh-CN" altLang="en-US" smtClean="0"/>
-              <a:t>2022/3/3</a:t>
+              <a:t>2022/3/13</a:t>
             </a:fld>
             <a:endParaRPr lang="zh-CN" altLang="en-US"/>
           </a:p>
@@ -2668,7 +2668,7 @@
           <a:p>
             <a:fld id="{818EF059-61D4-4309-AA3F-D6A14FA325B6}" type="datetimeFigureOut">
               <a:rPr lang="zh-CN" altLang="en-US" smtClean="0"/>
-              <a:t>2022/3/3</a:t>
+              <a:t>2022/3/13</a:t>
             </a:fld>
             <a:endParaRPr lang="zh-CN" altLang="en-US"/>
           </a:p>
@@ -2909,7 +2909,7 @@
           <a:p>
             <a:fld id="{818EF059-61D4-4309-AA3F-D6A14FA325B6}" type="datetimeFigureOut">
               <a:rPr lang="zh-CN" altLang="en-US" smtClean="0"/>
-              <a:t>2022/3/3</a:t>
+              <a:t>2022/3/13</a:t>
             </a:fld>
             <a:endParaRPr lang="zh-CN" altLang="en-US"/>
           </a:p>
@@ -3328,10 +3328,10 @@
       </p:grpSpPr>
       <p:grpSp>
         <p:nvGrpSpPr>
-          <p:cNvPr id="2" name="组合 1">
-            <a:extLst>
-              <a:ext uri="{FF2B5EF4-FFF2-40B4-BE49-F238E27FC236}">
-                <a16:creationId xmlns:a16="http://schemas.microsoft.com/office/drawing/2014/main" id="{AE99CD2C-8AF8-4287-86AD-5133AC41AD99}"/>
+          <p:cNvPr id="25" name="组合 24">
+            <a:extLst>
+              <a:ext uri="{FF2B5EF4-FFF2-40B4-BE49-F238E27FC236}">
+                <a16:creationId xmlns:a16="http://schemas.microsoft.com/office/drawing/2014/main" id="{C3B00DC6-04A1-4D77-8FBD-CEBD801F2D9B}"/>
               </a:ext>
             </a:extLst>
           </p:cNvPr>
@@ -3340,867 +3340,18 @@
         </p:nvGrpSpPr>
         <p:grpSpPr>
           <a:xfrm>
-            <a:off x="2573035" y="1321768"/>
-            <a:ext cx="6944452" cy="3585083"/>
-            <a:chOff x="2573035" y="1321768"/>
-            <a:chExt cx="6944452" cy="3585083"/>
+            <a:off x="2914191" y="3522059"/>
+            <a:ext cx="3747430" cy="1200956"/>
+            <a:chOff x="4670899" y="2009104"/>
+            <a:chExt cx="3747430" cy="1200956"/>
           </a:xfrm>
         </p:grpSpPr>
-        <p:grpSp>
-          <p:nvGrpSpPr>
-            <p:cNvPr id="25" name="组合 24">
+        <p:sp>
+          <p:nvSpPr>
+            <p:cNvPr id="6" name="矩形 5">
               <a:extLst>
                 <a:ext uri="{FF2B5EF4-FFF2-40B4-BE49-F238E27FC236}">
-                  <a16:creationId xmlns:a16="http://schemas.microsoft.com/office/drawing/2014/main" id="{C3B00DC6-04A1-4D77-8FBD-CEBD801F2D9B}"/>
-                </a:ext>
-              </a:extLst>
-            </p:cNvPr>
-            <p:cNvGrpSpPr/>
-            <p:nvPr/>
-          </p:nvGrpSpPr>
-          <p:grpSpPr>
-            <a:xfrm>
-              <a:off x="2942645" y="1996315"/>
-              <a:ext cx="3747430" cy="1200956"/>
-              <a:chOff x="4670899" y="2009104"/>
-              <a:chExt cx="3747430" cy="1200956"/>
-            </a:xfrm>
-          </p:grpSpPr>
-          <p:sp>
-            <p:nvSpPr>
-              <p:cNvPr id="6" name="矩形 5">
-                <a:extLst>
-                  <a:ext uri="{FF2B5EF4-FFF2-40B4-BE49-F238E27FC236}">
-                    <a16:creationId xmlns:a16="http://schemas.microsoft.com/office/drawing/2014/main" id="{DDCCFB8B-6531-4E48-B1BC-904AEFC67380}"/>
-                  </a:ext>
-                </a:extLst>
-              </p:cNvPr>
-              <p:cNvSpPr/>
-              <p:nvPr/>
-            </p:nvSpPr>
-            <p:spPr>
-              <a:xfrm>
-                <a:off x="4670899" y="2778618"/>
-                <a:ext cx="1180404" cy="431442"/>
-              </a:xfrm>
-              <a:prstGeom prst="rect">
-                <a:avLst/>
-              </a:prstGeom>
-              <a:solidFill>
-                <a:schemeClr val="bg1"/>
-              </a:solidFill>
-              <a:ln w="9525">
-                <a:solidFill>
-                  <a:schemeClr val="tx1"/>
-                </a:solidFill>
-              </a:ln>
-            </p:spPr>
-            <p:style>
-              <a:lnRef idx="2">
-                <a:schemeClr val="accent1">
-                  <a:shade val="50000"/>
-                </a:schemeClr>
-              </a:lnRef>
-              <a:fillRef idx="1">
-                <a:schemeClr val="accent1"/>
-              </a:fillRef>
-              <a:effectRef idx="0">
-                <a:schemeClr val="accent1"/>
-              </a:effectRef>
-              <a:fontRef idx="minor">
-                <a:schemeClr val="lt1"/>
-              </a:fontRef>
-            </p:style>
-            <p:txBody>
-              <a:bodyPr rtlCol="0" anchor="ctr"/>
-              <a:lstStyle/>
-              <a:p>
-                <a:pPr algn="ctr"/>
-                <a:r>
-                  <a:rPr lang="zh-CN" altLang="en-US" sz="1200" i="0" dirty="0">
-                    <a:solidFill>
-                      <a:schemeClr val="tx1"/>
-                    </a:solidFill>
-                    <a:latin typeface="宋体" panose="02010600030101010101" pitchFamily="2" charset="-122"/>
-                    <a:ea typeface="宋体" panose="02010600030101010101" pitchFamily="2" charset="-122"/>
-                  </a:rPr>
-                  <a:t>构建可解释知识蒸馏模型</a:t>
-                </a:r>
-                <a:endParaRPr lang="zh-CN" altLang="en-US" sz="1200" dirty="0">
-                  <a:solidFill>
-                    <a:schemeClr val="tx1"/>
-                  </a:solidFill>
-                  <a:latin typeface="宋体" panose="02010600030101010101" pitchFamily="2" charset="-122"/>
-                  <a:ea typeface="宋体" panose="02010600030101010101" pitchFamily="2" charset="-122"/>
-                </a:endParaRPr>
-              </a:p>
-            </p:txBody>
-          </p:sp>
-          <p:sp>
-            <p:nvSpPr>
-              <p:cNvPr id="9" name="矩形 8">
-                <a:extLst>
-                  <a:ext uri="{FF2B5EF4-FFF2-40B4-BE49-F238E27FC236}">
-                    <a16:creationId xmlns:a16="http://schemas.microsoft.com/office/drawing/2014/main" id="{9D979B48-9F81-490B-8D7B-BCFE274A1C19}"/>
-                  </a:ext>
-                </a:extLst>
-              </p:cNvPr>
-              <p:cNvSpPr/>
-              <p:nvPr/>
-            </p:nvSpPr>
-            <p:spPr>
-              <a:xfrm>
-                <a:off x="5458495" y="2009104"/>
-                <a:ext cx="2172238" cy="431442"/>
-              </a:xfrm>
-              <a:prstGeom prst="rect">
-                <a:avLst/>
-              </a:prstGeom>
-              <a:solidFill>
-                <a:schemeClr val="bg1"/>
-              </a:solidFill>
-              <a:ln w="9525">
-                <a:solidFill>
-                  <a:schemeClr val="tx1"/>
-                </a:solidFill>
-              </a:ln>
-            </p:spPr>
-            <p:style>
-              <a:lnRef idx="2">
-                <a:schemeClr val="accent1">
-                  <a:shade val="50000"/>
-                </a:schemeClr>
-              </a:lnRef>
-              <a:fillRef idx="1">
-                <a:schemeClr val="accent1"/>
-              </a:fillRef>
-              <a:effectRef idx="0">
-                <a:schemeClr val="accent1"/>
-              </a:effectRef>
-              <a:fontRef idx="minor">
-                <a:schemeClr val="lt1"/>
-              </a:fontRef>
-            </p:style>
-            <p:txBody>
-              <a:bodyPr rtlCol="0" anchor="ctr"/>
-              <a:lstStyle/>
-              <a:p>
-                <a:pPr algn="ctr"/>
-                <a:r>
-                  <a:rPr lang="zh-CN" altLang="en-US" sz="1200" i="0" dirty="0">
-                    <a:solidFill>
-                      <a:schemeClr val="tx1"/>
-                    </a:solidFill>
-                    <a:latin typeface="宋体" panose="02010600030101010101" pitchFamily="2" charset="-122"/>
-                    <a:ea typeface="宋体" panose="02010600030101010101" pitchFamily="2" charset="-122"/>
-                  </a:rPr>
-                  <a:t>基于决策行为模拟的黑盒测试</a:t>
-                </a:r>
-                <a:endParaRPr lang="zh-CN" altLang="en-US" sz="1200" dirty="0">
-                  <a:solidFill>
-                    <a:schemeClr val="tx1"/>
-                  </a:solidFill>
-                  <a:latin typeface="宋体" panose="02010600030101010101" pitchFamily="2" charset="-122"/>
-                  <a:ea typeface="宋体" panose="02010600030101010101" pitchFamily="2" charset="-122"/>
-                </a:endParaRPr>
-              </a:p>
-            </p:txBody>
-          </p:sp>
-          <p:sp>
-            <p:nvSpPr>
-              <p:cNvPr id="10" name="矩形 9">
-                <a:extLst>
-                  <a:ext uri="{FF2B5EF4-FFF2-40B4-BE49-F238E27FC236}">
-                    <a16:creationId xmlns:a16="http://schemas.microsoft.com/office/drawing/2014/main" id="{851DAC98-377C-4BC2-83EC-B07ABFB2C1D4}"/>
-                  </a:ext>
-                </a:extLst>
-              </p:cNvPr>
-              <p:cNvSpPr/>
-              <p:nvPr/>
-            </p:nvSpPr>
-            <p:spPr>
-              <a:xfrm>
-                <a:off x="5954412" y="2775398"/>
-                <a:ext cx="1180404" cy="431442"/>
-              </a:xfrm>
-              <a:prstGeom prst="rect">
-                <a:avLst/>
-              </a:prstGeom>
-              <a:solidFill>
-                <a:schemeClr val="bg1"/>
-              </a:solidFill>
-              <a:ln w="9525">
-                <a:solidFill>
-                  <a:schemeClr val="tx1"/>
-                </a:solidFill>
-              </a:ln>
-            </p:spPr>
-            <p:style>
-              <a:lnRef idx="2">
-                <a:schemeClr val="accent1">
-                  <a:shade val="50000"/>
-                </a:schemeClr>
-              </a:lnRef>
-              <a:fillRef idx="1">
-                <a:schemeClr val="accent1"/>
-              </a:fillRef>
-              <a:effectRef idx="0">
-                <a:schemeClr val="accent1"/>
-              </a:effectRef>
-              <a:fontRef idx="minor">
-                <a:schemeClr val="lt1"/>
-              </a:fontRef>
-            </p:style>
-            <p:txBody>
-              <a:bodyPr rtlCol="0" anchor="ctr"/>
-              <a:lstStyle/>
-              <a:p>
-                <a:pPr algn="ctr"/>
-                <a:r>
-                  <a:rPr lang="zh-CN" altLang="en-US" sz="1200" i="0" dirty="0">
-                    <a:solidFill>
-                      <a:schemeClr val="tx1"/>
-                    </a:solidFill>
-                    <a:latin typeface="宋体" panose="02010600030101010101" pitchFamily="2" charset="-122"/>
-                    <a:ea typeface="宋体" panose="02010600030101010101" pitchFamily="2" charset="-122"/>
-                  </a:rPr>
-                  <a:t>基于树模型的决策行为模拟</a:t>
-                </a:r>
-                <a:endParaRPr lang="zh-CN" altLang="en-US" sz="1200" dirty="0">
-                  <a:solidFill>
-                    <a:schemeClr val="tx1"/>
-                  </a:solidFill>
-                  <a:latin typeface="宋体" panose="02010600030101010101" pitchFamily="2" charset="-122"/>
-                  <a:ea typeface="宋体" panose="02010600030101010101" pitchFamily="2" charset="-122"/>
-                </a:endParaRPr>
-              </a:p>
-            </p:txBody>
-          </p:sp>
-          <p:sp>
-            <p:nvSpPr>
-              <p:cNvPr id="11" name="矩形 10">
-                <a:extLst>
-                  <a:ext uri="{FF2B5EF4-FFF2-40B4-BE49-F238E27FC236}">
-                    <a16:creationId xmlns:a16="http://schemas.microsoft.com/office/drawing/2014/main" id="{FAE9FC23-0638-451B-8BA5-D390ABA227C4}"/>
-                  </a:ext>
-                </a:extLst>
-              </p:cNvPr>
-              <p:cNvSpPr/>
-              <p:nvPr/>
-            </p:nvSpPr>
-            <p:spPr>
-              <a:xfrm>
-                <a:off x="7237925" y="2775398"/>
-                <a:ext cx="1180404" cy="431442"/>
-              </a:xfrm>
-              <a:prstGeom prst="rect">
-                <a:avLst/>
-              </a:prstGeom>
-              <a:solidFill>
-                <a:schemeClr val="bg1"/>
-              </a:solidFill>
-              <a:ln w="9525">
-                <a:solidFill>
-                  <a:schemeClr val="tx1"/>
-                </a:solidFill>
-              </a:ln>
-            </p:spPr>
-            <p:style>
-              <a:lnRef idx="2">
-                <a:schemeClr val="accent1">
-                  <a:shade val="50000"/>
-                </a:schemeClr>
-              </a:lnRef>
-              <a:fillRef idx="1">
-                <a:schemeClr val="accent1"/>
-              </a:fillRef>
-              <a:effectRef idx="0">
-                <a:schemeClr val="accent1"/>
-              </a:effectRef>
-              <a:fontRef idx="minor">
-                <a:schemeClr val="lt1"/>
-              </a:fontRef>
-            </p:style>
-            <p:txBody>
-              <a:bodyPr rtlCol="0" anchor="ctr"/>
-              <a:lstStyle/>
-              <a:p>
-                <a:pPr algn="ctr"/>
-                <a:r>
-                  <a:rPr lang="zh-CN" altLang="en-US" sz="1200" dirty="0">
-                    <a:solidFill>
-                      <a:schemeClr val="tx1"/>
-                    </a:solidFill>
-                    <a:latin typeface="宋体" panose="02010600030101010101" pitchFamily="2" charset="-122"/>
-                    <a:ea typeface="宋体" panose="02010600030101010101" pitchFamily="2" charset="-122"/>
-                  </a:rPr>
-                  <a:t>建立</a:t>
-                </a:r>
-                <a:r>
-                  <a:rPr lang="zh-CN" altLang="en-US" sz="1200" i="0" dirty="0">
-                    <a:solidFill>
-                      <a:schemeClr val="tx1"/>
-                    </a:solidFill>
-                    <a:latin typeface="宋体" panose="02010600030101010101" pitchFamily="2" charset="-122"/>
-                    <a:ea typeface="宋体" panose="02010600030101010101" pitchFamily="2" charset="-122"/>
-                  </a:rPr>
-                  <a:t>黑盒测试覆盖指标</a:t>
-                </a:r>
-                <a:endParaRPr lang="zh-CN" altLang="en-US" sz="1200" dirty="0">
-                  <a:solidFill>
-                    <a:schemeClr val="tx1"/>
-                  </a:solidFill>
-                  <a:latin typeface="宋体" panose="02010600030101010101" pitchFamily="2" charset="-122"/>
-                  <a:ea typeface="宋体" panose="02010600030101010101" pitchFamily="2" charset="-122"/>
-                </a:endParaRPr>
-              </a:p>
-            </p:txBody>
-          </p:sp>
-          <p:cxnSp>
-            <p:nvCxnSpPr>
-              <p:cNvPr id="13" name="直接连接符 12">
-                <a:extLst>
-                  <a:ext uri="{FF2B5EF4-FFF2-40B4-BE49-F238E27FC236}">
-                    <a16:creationId xmlns:a16="http://schemas.microsoft.com/office/drawing/2014/main" id="{D541F5EE-A1D4-49D4-BA88-8102979DF3E6}"/>
-                  </a:ext>
-                </a:extLst>
-              </p:cNvPr>
-              <p:cNvCxnSpPr>
-                <a:stCxn id="9" idx="2"/>
-                <a:endCxn id="6" idx="0"/>
-              </p:cNvCxnSpPr>
-              <p:nvPr/>
-            </p:nvCxnSpPr>
-            <p:spPr>
-              <a:xfrm flipH="1">
-                <a:off x="5261101" y="2440546"/>
-                <a:ext cx="1283513" cy="338072"/>
-              </a:xfrm>
-              <a:prstGeom prst="line">
-                <a:avLst/>
-              </a:prstGeom>
-            </p:spPr>
-            <p:style>
-              <a:lnRef idx="1">
-                <a:schemeClr val="dk1"/>
-              </a:lnRef>
-              <a:fillRef idx="0">
-                <a:schemeClr val="dk1"/>
-              </a:fillRef>
-              <a:effectRef idx="0">
-                <a:schemeClr val="dk1"/>
-              </a:effectRef>
-              <a:fontRef idx="minor">
-                <a:schemeClr val="tx1"/>
-              </a:fontRef>
-            </p:style>
-          </p:cxnSp>
-          <p:cxnSp>
-            <p:nvCxnSpPr>
-              <p:cNvPr id="15" name="直接连接符 14">
-                <a:extLst>
-                  <a:ext uri="{FF2B5EF4-FFF2-40B4-BE49-F238E27FC236}">
-                    <a16:creationId xmlns:a16="http://schemas.microsoft.com/office/drawing/2014/main" id="{FE004B57-CF1E-4D82-A5FD-470D0628F4E1}"/>
-                  </a:ext>
-                </a:extLst>
-              </p:cNvPr>
-              <p:cNvCxnSpPr>
-                <a:stCxn id="9" idx="2"/>
-                <a:endCxn id="10" idx="0"/>
-              </p:cNvCxnSpPr>
-              <p:nvPr/>
-            </p:nvCxnSpPr>
-            <p:spPr>
-              <a:xfrm>
-                <a:off x="6544614" y="2440546"/>
-                <a:ext cx="0" cy="334852"/>
-              </a:xfrm>
-              <a:prstGeom prst="line">
-                <a:avLst/>
-              </a:prstGeom>
-            </p:spPr>
-            <p:style>
-              <a:lnRef idx="1">
-                <a:schemeClr val="dk1"/>
-              </a:lnRef>
-              <a:fillRef idx="0">
-                <a:schemeClr val="dk1"/>
-              </a:fillRef>
-              <a:effectRef idx="0">
-                <a:schemeClr val="dk1"/>
-              </a:effectRef>
-              <a:fontRef idx="minor">
-                <a:schemeClr val="tx1"/>
-              </a:fontRef>
-            </p:style>
-          </p:cxnSp>
-          <p:cxnSp>
-            <p:nvCxnSpPr>
-              <p:cNvPr id="17" name="直接连接符 16">
-                <a:extLst>
-                  <a:ext uri="{FF2B5EF4-FFF2-40B4-BE49-F238E27FC236}">
-                    <a16:creationId xmlns:a16="http://schemas.microsoft.com/office/drawing/2014/main" id="{F2F7DF99-DA84-48C1-83C1-463297E4F576}"/>
-                  </a:ext>
-                </a:extLst>
-              </p:cNvPr>
-              <p:cNvCxnSpPr>
-                <a:stCxn id="9" idx="2"/>
-                <a:endCxn id="11" idx="0"/>
-              </p:cNvCxnSpPr>
-              <p:nvPr/>
-            </p:nvCxnSpPr>
-            <p:spPr>
-              <a:xfrm>
-                <a:off x="6544614" y="2440546"/>
-                <a:ext cx="1283513" cy="334852"/>
-              </a:xfrm>
-              <a:prstGeom prst="line">
-                <a:avLst/>
-              </a:prstGeom>
-            </p:spPr>
-            <p:style>
-              <a:lnRef idx="1">
-                <a:schemeClr val="dk1"/>
-              </a:lnRef>
-              <a:fillRef idx="0">
-                <a:schemeClr val="dk1"/>
-              </a:fillRef>
-              <a:effectRef idx="0">
-                <a:schemeClr val="dk1"/>
-              </a:effectRef>
-              <a:fontRef idx="minor">
-                <a:schemeClr val="tx1"/>
-              </a:fontRef>
-            </p:style>
-          </p:cxnSp>
-        </p:grpSp>
-        <p:grpSp>
-          <p:nvGrpSpPr>
-            <p:cNvPr id="26" name="组合 25">
-              <a:extLst>
-                <a:ext uri="{FF2B5EF4-FFF2-40B4-BE49-F238E27FC236}">
-                  <a16:creationId xmlns:a16="http://schemas.microsoft.com/office/drawing/2014/main" id="{1DDD301D-FB70-4D0B-A19B-D49EDA8E0A04}"/>
-                </a:ext>
-              </a:extLst>
-            </p:cNvPr>
-            <p:cNvGrpSpPr/>
-            <p:nvPr/>
-          </p:nvGrpSpPr>
-          <p:grpSpPr>
-            <a:xfrm>
-              <a:off x="2942645" y="3563333"/>
-              <a:ext cx="3747430" cy="1200956"/>
-              <a:chOff x="4670899" y="2009104"/>
-              <a:chExt cx="3747430" cy="1200956"/>
-            </a:xfrm>
-          </p:grpSpPr>
-          <p:sp>
-            <p:nvSpPr>
-              <p:cNvPr id="27" name="矩形 26">
-                <a:extLst>
-                  <a:ext uri="{FF2B5EF4-FFF2-40B4-BE49-F238E27FC236}">
-                    <a16:creationId xmlns:a16="http://schemas.microsoft.com/office/drawing/2014/main" id="{623E87BD-CE4D-4DBB-8B19-97165A86BADB}"/>
-                  </a:ext>
-                </a:extLst>
-              </p:cNvPr>
-              <p:cNvSpPr/>
-              <p:nvPr/>
-            </p:nvSpPr>
-            <p:spPr>
-              <a:xfrm>
-                <a:off x="4670899" y="2778618"/>
-                <a:ext cx="1180404" cy="431442"/>
-              </a:xfrm>
-              <a:prstGeom prst="rect">
-                <a:avLst/>
-              </a:prstGeom>
-              <a:solidFill>
-                <a:schemeClr val="bg1"/>
-              </a:solidFill>
-              <a:ln w="9525">
-                <a:solidFill>
-                  <a:schemeClr val="tx1"/>
-                </a:solidFill>
-              </a:ln>
-            </p:spPr>
-            <p:style>
-              <a:lnRef idx="2">
-                <a:schemeClr val="accent1">
-                  <a:shade val="50000"/>
-                </a:schemeClr>
-              </a:lnRef>
-              <a:fillRef idx="1">
-                <a:schemeClr val="accent1"/>
-              </a:fillRef>
-              <a:effectRef idx="0">
-                <a:schemeClr val="accent1"/>
-              </a:effectRef>
-              <a:fontRef idx="minor">
-                <a:schemeClr val="lt1"/>
-              </a:fontRef>
-            </p:style>
-            <p:txBody>
-              <a:bodyPr rtlCol="0" anchor="ctr"/>
-              <a:lstStyle/>
-              <a:p>
-                <a:pPr algn="ctr"/>
-                <a:r>
-                  <a:rPr lang="zh-CN" altLang="en-US" sz="1200" i="0" dirty="0">
-                    <a:solidFill>
-                      <a:schemeClr val="tx1"/>
-                    </a:solidFill>
-                    <a:latin typeface="宋体" panose="02010600030101010101" pitchFamily="2" charset="-122"/>
-                    <a:ea typeface="宋体" panose="02010600030101010101" pitchFamily="2" charset="-122"/>
-                  </a:rPr>
-                  <a:t>抽取层次表示关键特征</a:t>
-                </a:r>
-                <a:endParaRPr lang="zh-CN" altLang="en-US" sz="1200" dirty="0">
-                  <a:solidFill>
-                    <a:schemeClr val="tx1"/>
-                  </a:solidFill>
-                  <a:latin typeface="宋体" panose="02010600030101010101" pitchFamily="2" charset="-122"/>
-                  <a:ea typeface="宋体" panose="02010600030101010101" pitchFamily="2" charset="-122"/>
-                </a:endParaRPr>
-              </a:p>
-            </p:txBody>
-          </p:sp>
-          <p:sp>
-            <p:nvSpPr>
-              <p:cNvPr id="28" name="矩形 27">
-                <a:extLst>
-                  <a:ext uri="{FF2B5EF4-FFF2-40B4-BE49-F238E27FC236}">
-                    <a16:creationId xmlns:a16="http://schemas.microsoft.com/office/drawing/2014/main" id="{5F1BD23E-44E6-4D02-AA9A-B9696BA6F1F5}"/>
-                  </a:ext>
-                </a:extLst>
-              </p:cNvPr>
-              <p:cNvSpPr/>
-              <p:nvPr/>
-            </p:nvSpPr>
-            <p:spPr>
-              <a:xfrm>
-                <a:off x="5458495" y="2009104"/>
-                <a:ext cx="2172238" cy="431442"/>
-              </a:xfrm>
-              <a:prstGeom prst="rect">
-                <a:avLst/>
-              </a:prstGeom>
-              <a:solidFill>
-                <a:schemeClr val="bg1"/>
-              </a:solidFill>
-              <a:ln w="9525">
-                <a:solidFill>
-                  <a:schemeClr val="tx1"/>
-                </a:solidFill>
-              </a:ln>
-            </p:spPr>
-            <p:style>
-              <a:lnRef idx="2">
-                <a:schemeClr val="accent1">
-                  <a:shade val="50000"/>
-                </a:schemeClr>
-              </a:lnRef>
-              <a:fillRef idx="1">
-                <a:schemeClr val="accent1"/>
-              </a:fillRef>
-              <a:effectRef idx="0">
-                <a:schemeClr val="accent1"/>
-              </a:effectRef>
-              <a:fontRef idx="minor">
-                <a:schemeClr val="lt1"/>
-              </a:fontRef>
-            </p:style>
-            <p:txBody>
-              <a:bodyPr rtlCol="0" anchor="ctr"/>
-              <a:lstStyle/>
-              <a:p>
-                <a:pPr algn="ctr"/>
-                <a:r>
-                  <a:rPr lang="zh-CN" altLang="en-US" sz="1200" i="0" dirty="0">
-                    <a:solidFill>
-                      <a:schemeClr val="tx1"/>
-                    </a:solidFill>
-                    <a:latin typeface="宋体" panose="02010600030101010101" pitchFamily="2" charset="-122"/>
-                    <a:ea typeface="宋体" panose="02010600030101010101" pitchFamily="2" charset="-122"/>
-                  </a:rPr>
-                  <a:t>基于层次语义理解的白盒测试</a:t>
-                </a:r>
-                <a:endParaRPr lang="zh-CN" altLang="en-US" sz="1200" dirty="0">
-                  <a:solidFill>
-                    <a:schemeClr val="tx1"/>
-                  </a:solidFill>
-                  <a:latin typeface="宋体" panose="02010600030101010101" pitchFamily="2" charset="-122"/>
-                  <a:ea typeface="宋体" panose="02010600030101010101" pitchFamily="2" charset="-122"/>
-                </a:endParaRPr>
-              </a:p>
-            </p:txBody>
-          </p:sp>
-          <p:sp>
-            <p:nvSpPr>
-              <p:cNvPr id="29" name="矩形 28">
-                <a:extLst>
-                  <a:ext uri="{FF2B5EF4-FFF2-40B4-BE49-F238E27FC236}">
-                    <a16:creationId xmlns:a16="http://schemas.microsoft.com/office/drawing/2014/main" id="{C07CC555-CB45-4856-BC5D-DD89A1C3F8A1}"/>
-                  </a:ext>
-                </a:extLst>
-              </p:cNvPr>
-              <p:cNvSpPr/>
-              <p:nvPr/>
-            </p:nvSpPr>
-            <p:spPr>
-              <a:xfrm>
-                <a:off x="5954412" y="2775398"/>
-                <a:ext cx="1180404" cy="431442"/>
-              </a:xfrm>
-              <a:prstGeom prst="rect">
-                <a:avLst/>
-              </a:prstGeom>
-              <a:solidFill>
-                <a:schemeClr val="bg1"/>
-              </a:solidFill>
-              <a:ln w="9525">
-                <a:solidFill>
-                  <a:schemeClr val="tx1"/>
-                </a:solidFill>
-              </a:ln>
-            </p:spPr>
-            <p:style>
-              <a:lnRef idx="2">
-                <a:schemeClr val="accent1">
-                  <a:shade val="50000"/>
-                </a:schemeClr>
-              </a:lnRef>
-              <a:fillRef idx="1">
-                <a:schemeClr val="accent1"/>
-              </a:fillRef>
-              <a:effectRef idx="0">
-                <a:schemeClr val="accent1"/>
-              </a:effectRef>
-              <a:fontRef idx="minor">
-                <a:schemeClr val="lt1"/>
-              </a:fontRef>
-            </p:style>
-            <p:txBody>
-              <a:bodyPr rtlCol="0" anchor="ctr"/>
-              <a:lstStyle/>
-              <a:p>
-                <a:pPr algn="ctr"/>
-                <a:r>
-                  <a:rPr lang="zh-CN" altLang="en-US" sz="1200" dirty="0">
-                    <a:solidFill>
-                      <a:schemeClr val="tx1"/>
-                    </a:solidFill>
-                    <a:latin typeface="宋体" panose="02010600030101010101" pitchFamily="2" charset="-122"/>
-                    <a:ea typeface="宋体" panose="02010600030101010101" pitchFamily="2" charset="-122"/>
-                  </a:rPr>
-                  <a:t>构建有层次语义的学生模型</a:t>
-                </a:r>
-              </a:p>
-            </p:txBody>
-          </p:sp>
-          <p:sp>
-            <p:nvSpPr>
-              <p:cNvPr id="30" name="矩形 29">
-                <a:extLst>
-                  <a:ext uri="{FF2B5EF4-FFF2-40B4-BE49-F238E27FC236}">
-                    <a16:creationId xmlns:a16="http://schemas.microsoft.com/office/drawing/2014/main" id="{69523FD1-E207-4C71-ACC8-7F0D677D24FA}"/>
-                  </a:ext>
-                </a:extLst>
-              </p:cNvPr>
-              <p:cNvSpPr/>
-              <p:nvPr/>
-            </p:nvSpPr>
-            <p:spPr>
-              <a:xfrm>
-                <a:off x="7237925" y="2775398"/>
-                <a:ext cx="1180404" cy="431442"/>
-              </a:xfrm>
-              <a:prstGeom prst="rect">
-                <a:avLst/>
-              </a:prstGeom>
-              <a:solidFill>
-                <a:schemeClr val="bg1"/>
-              </a:solidFill>
-              <a:ln w="9525">
-                <a:solidFill>
-                  <a:schemeClr val="tx1"/>
-                </a:solidFill>
-              </a:ln>
-            </p:spPr>
-            <p:style>
-              <a:lnRef idx="2">
-                <a:schemeClr val="accent1">
-                  <a:shade val="50000"/>
-                </a:schemeClr>
-              </a:lnRef>
-              <a:fillRef idx="1">
-                <a:schemeClr val="accent1"/>
-              </a:fillRef>
-              <a:effectRef idx="0">
-                <a:schemeClr val="accent1"/>
-              </a:effectRef>
-              <a:fontRef idx="minor">
-                <a:schemeClr val="lt1"/>
-              </a:fontRef>
-            </p:style>
-            <p:txBody>
-              <a:bodyPr rtlCol="0" anchor="ctr"/>
-              <a:lstStyle/>
-              <a:p>
-                <a:pPr algn="ctr"/>
-                <a:r>
-                  <a:rPr lang="zh-CN" altLang="en-US" sz="1200" dirty="0">
-                    <a:solidFill>
-                      <a:schemeClr val="tx1"/>
-                    </a:solidFill>
-                    <a:latin typeface="宋体" panose="02010600030101010101" pitchFamily="2" charset="-122"/>
-                    <a:ea typeface="宋体" panose="02010600030101010101" pitchFamily="2" charset="-122"/>
-                  </a:rPr>
-                  <a:t>建立可解释</a:t>
-                </a:r>
-                <a:r>
-                  <a:rPr lang="zh-CN" altLang="en-US" sz="1200" i="0" dirty="0">
-                    <a:solidFill>
-                      <a:schemeClr val="tx1"/>
-                    </a:solidFill>
-                    <a:latin typeface="宋体" panose="02010600030101010101" pitchFamily="2" charset="-122"/>
-                    <a:ea typeface="宋体" panose="02010600030101010101" pitchFamily="2" charset="-122"/>
-                  </a:rPr>
-                  <a:t>白盒覆盖指标</a:t>
-                </a:r>
-                <a:endParaRPr lang="zh-CN" altLang="en-US" sz="1200" dirty="0">
-                  <a:solidFill>
-                    <a:schemeClr val="tx1"/>
-                  </a:solidFill>
-                  <a:latin typeface="宋体" panose="02010600030101010101" pitchFamily="2" charset="-122"/>
-                  <a:ea typeface="宋体" panose="02010600030101010101" pitchFamily="2" charset="-122"/>
-                </a:endParaRPr>
-              </a:p>
-            </p:txBody>
-          </p:sp>
-          <p:cxnSp>
-            <p:nvCxnSpPr>
-              <p:cNvPr id="31" name="直接连接符 30">
-                <a:extLst>
-                  <a:ext uri="{FF2B5EF4-FFF2-40B4-BE49-F238E27FC236}">
-                    <a16:creationId xmlns:a16="http://schemas.microsoft.com/office/drawing/2014/main" id="{762F1C75-00AF-439F-B7E8-51750A0C13A3}"/>
-                  </a:ext>
-                </a:extLst>
-              </p:cNvPr>
-              <p:cNvCxnSpPr>
-                <a:stCxn id="28" idx="2"/>
-                <a:endCxn id="27" idx="0"/>
-              </p:cNvCxnSpPr>
-              <p:nvPr/>
-            </p:nvCxnSpPr>
-            <p:spPr>
-              <a:xfrm flipH="1">
-                <a:off x="5261101" y="2440546"/>
-                <a:ext cx="1283513" cy="338072"/>
-              </a:xfrm>
-              <a:prstGeom prst="line">
-                <a:avLst/>
-              </a:prstGeom>
-            </p:spPr>
-            <p:style>
-              <a:lnRef idx="1">
-                <a:schemeClr val="dk1"/>
-              </a:lnRef>
-              <a:fillRef idx="0">
-                <a:schemeClr val="dk1"/>
-              </a:fillRef>
-              <a:effectRef idx="0">
-                <a:schemeClr val="dk1"/>
-              </a:effectRef>
-              <a:fontRef idx="minor">
-                <a:schemeClr val="tx1"/>
-              </a:fontRef>
-            </p:style>
-          </p:cxnSp>
-          <p:cxnSp>
-            <p:nvCxnSpPr>
-              <p:cNvPr id="32" name="直接连接符 31">
-                <a:extLst>
-                  <a:ext uri="{FF2B5EF4-FFF2-40B4-BE49-F238E27FC236}">
-                    <a16:creationId xmlns:a16="http://schemas.microsoft.com/office/drawing/2014/main" id="{AA79A60B-744E-4005-A6FE-6444755DBFAE}"/>
-                  </a:ext>
-                </a:extLst>
-              </p:cNvPr>
-              <p:cNvCxnSpPr>
-                <a:stCxn id="28" idx="2"/>
-                <a:endCxn id="29" idx="0"/>
-              </p:cNvCxnSpPr>
-              <p:nvPr/>
-            </p:nvCxnSpPr>
-            <p:spPr>
-              <a:xfrm>
-                <a:off x="6544614" y="2440546"/>
-                <a:ext cx="0" cy="334852"/>
-              </a:xfrm>
-              <a:prstGeom prst="line">
-                <a:avLst/>
-              </a:prstGeom>
-            </p:spPr>
-            <p:style>
-              <a:lnRef idx="1">
-                <a:schemeClr val="dk1"/>
-              </a:lnRef>
-              <a:fillRef idx="0">
-                <a:schemeClr val="dk1"/>
-              </a:fillRef>
-              <a:effectRef idx="0">
-                <a:schemeClr val="dk1"/>
-              </a:effectRef>
-              <a:fontRef idx="minor">
-                <a:schemeClr val="tx1"/>
-              </a:fontRef>
-            </p:style>
-          </p:cxnSp>
-          <p:cxnSp>
-            <p:nvCxnSpPr>
-              <p:cNvPr id="33" name="直接连接符 32">
-                <a:extLst>
-                  <a:ext uri="{FF2B5EF4-FFF2-40B4-BE49-F238E27FC236}">
-                    <a16:creationId xmlns:a16="http://schemas.microsoft.com/office/drawing/2014/main" id="{670358A8-9395-48EF-9502-8E3466461CD8}"/>
-                  </a:ext>
-                </a:extLst>
-              </p:cNvPr>
-              <p:cNvCxnSpPr>
-                <a:stCxn id="28" idx="2"/>
-                <a:endCxn id="30" idx="0"/>
-              </p:cNvCxnSpPr>
-              <p:nvPr/>
-            </p:nvCxnSpPr>
-            <p:spPr>
-              <a:xfrm>
-                <a:off x="6544614" y="2440546"/>
-                <a:ext cx="1283513" cy="334852"/>
-              </a:xfrm>
-              <a:prstGeom prst="line">
-                <a:avLst/>
-              </a:prstGeom>
-            </p:spPr>
-            <p:style>
-              <a:lnRef idx="1">
-                <a:schemeClr val="dk1"/>
-              </a:lnRef>
-              <a:fillRef idx="0">
-                <a:schemeClr val="dk1"/>
-              </a:fillRef>
-              <a:effectRef idx="0">
-                <a:schemeClr val="dk1"/>
-              </a:effectRef>
-              <a:fontRef idx="minor">
-                <a:schemeClr val="tx1"/>
-              </a:fontRef>
-            </p:style>
-          </p:cxnSp>
-        </p:grpSp>
-        <p:sp>
-          <p:nvSpPr>
-            <p:cNvPr id="38" name="矩形 37">
-              <a:extLst>
-                <a:ext uri="{FF2B5EF4-FFF2-40B4-BE49-F238E27FC236}">
-                  <a16:creationId xmlns:a16="http://schemas.microsoft.com/office/drawing/2014/main" id="{46272717-DD7A-4588-9D51-111B31405201}"/>
+                  <a16:creationId xmlns:a16="http://schemas.microsoft.com/office/drawing/2014/main" id="{DDCCFB8B-6531-4E48-B1BC-904AEFC67380}"/>
                 </a:ext>
               </a:extLst>
             </p:cNvPr>
@@ -4209,151 +3360,17 @@
           </p:nvSpPr>
           <p:spPr>
             <a:xfrm>
-              <a:off x="2576187" y="3671193"/>
-              <a:ext cx="356155" cy="982015"/>
+              <a:off x="4670899" y="2778618"/>
+              <a:ext cx="1180404" cy="431442"/>
             </a:xfrm>
             <a:prstGeom prst="rect">
               <a:avLst/>
             </a:prstGeom>
             <a:solidFill>
-              <a:schemeClr val="bg1"/>
+              <a:schemeClr val="bg1">
+                <a:lumMod val="95000"/>
+              </a:schemeClr>
             </a:solidFill>
-            <a:ln w="9525">
-              <a:noFill/>
-            </a:ln>
-          </p:spPr>
-          <p:style>
-            <a:lnRef idx="2">
-              <a:schemeClr val="accent1">
-                <a:shade val="50000"/>
-              </a:schemeClr>
-            </a:lnRef>
-            <a:fillRef idx="1">
-              <a:schemeClr val="accent1"/>
-            </a:fillRef>
-            <a:effectRef idx="0">
-              <a:schemeClr val="accent1"/>
-            </a:effectRef>
-            <a:fontRef idx="minor">
-              <a:schemeClr val="lt1"/>
-            </a:fontRef>
-          </p:style>
-          <p:txBody>
-            <a:bodyPr rtlCol="0" anchor="ctr"/>
-            <a:lstStyle/>
-            <a:p>
-              <a:pPr algn="ctr"/>
-              <a:r>
-                <a:rPr lang="zh-CN" altLang="en-US" sz="1200" b="1" i="0" dirty="0">
-                  <a:solidFill>
-                    <a:schemeClr val="tx1"/>
-                  </a:solidFill>
-                  <a:latin typeface="宋体" panose="02010600030101010101" pitchFamily="2" charset="-122"/>
-                  <a:ea typeface="宋体" panose="02010600030101010101" pitchFamily="2" charset="-122"/>
-                </a:rPr>
-                <a:t>白盒测试</a:t>
-              </a:r>
-              <a:endParaRPr lang="zh-CN" altLang="en-US" sz="1200" b="1" dirty="0">
-                <a:solidFill>
-                  <a:schemeClr val="tx1"/>
-                </a:solidFill>
-                <a:latin typeface="宋体" panose="02010600030101010101" pitchFamily="2" charset="-122"/>
-                <a:ea typeface="宋体" panose="02010600030101010101" pitchFamily="2" charset="-122"/>
-              </a:endParaRPr>
-            </a:p>
-          </p:txBody>
-        </p:sp>
-        <p:sp>
-          <p:nvSpPr>
-            <p:cNvPr id="39" name="矩形 38">
-              <a:extLst>
-                <a:ext uri="{FF2B5EF4-FFF2-40B4-BE49-F238E27FC236}">
-                  <a16:creationId xmlns:a16="http://schemas.microsoft.com/office/drawing/2014/main" id="{9968DE4B-5A4D-4542-BFA5-3C3A538BB344}"/>
-                </a:ext>
-              </a:extLst>
-            </p:cNvPr>
-            <p:cNvSpPr/>
-            <p:nvPr/>
-          </p:nvSpPr>
-          <p:spPr>
-            <a:xfrm>
-              <a:off x="2573035" y="2100308"/>
-              <a:ext cx="356155" cy="982015"/>
-            </a:xfrm>
-            <a:prstGeom prst="rect">
-              <a:avLst/>
-            </a:prstGeom>
-            <a:solidFill>
-              <a:schemeClr val="bg1"/>
-            </a:solidFill>
-            <a:ln w="9525">
-              <a:solidFill>
-                <a:schemeClr val="bg1"/>
-              </a:solidFill>
-            </a:ln>
-          </p:spPr>
-          <p:style>
-            <a:lnRef idx="2">
-              <a:schemeClr val="accent1">
-                <a:shade val="50000"/>
-              </a:schemeClr>
-            </a:lnRef>
-            <a:fillRef idx="1">
-              <a:schemeClr val="accent1"/>
-            </a:fillRef>
-            <a:effectRef idx="0">
-              <a:schemeClr val="accent1"/>
-            </a:effectRef>
-            <a:fontRef idx="minor">
-              <a:schemeClr val="lt1"/>
-            </a:fontRef>
-          </p:style>
-          <p:txBody>
-            <a:bodyPr rtlCol="0" anchor="ctr"/>
-            <a:lstStyle/>
-            <a:p>
-              <a:pPr algn="ctr"/>
-              <a:r>
-                <a:rPr lang="zh-CN" altLang="en-US" sz="1200" b="1" i="0" dirty="0">
-                  <a:solidFill>
-                    <a:schemeClr val="tx1"/>
-                  </a:solidFill>
-                  <a:latin typeface="宋体" panose="02010600030101010101" pitchFamily="2" charset="-122"/>
-                  <a:ea typeface="宋体" panose="02010600030101010101" pitchFamily="2" charset="-122"/>
-                </a:rPr>
-                <a:t>黑盒测试</a:t>
-              </a:r>
-              <a:endParaRPr lang="zh-CN" altLang="en-US" sz="1200" b="1" dirty="0">
-                <a:solidFill>
-                  <a:schemeClr val="tx1"/>
-                </a:solidFill>
-                <a:latin typeface="宋体" panose="02010600030101010101" pitchFamily="2" charset="-122"/>
-                <a:ea typeface="宋体" panose="02010600030101010101" pitchFamily="2" charset="-122"/>
-              </a:endParaRPr>
-            </a:p>
-          </p:txBody>
-        </p:sp>
-        <p:sp>
-          <p:nvSpPr>
-            <p:cNvPr id="41" name="矩形 40">
-              <a:extLst>
-                <a:ext uri="{FF2B5EF4-FFF2-40B4-BE49-F238E27FC236}">
-                  <a16:creationId xmlns:a16="http://schemas.microsoft.com/office/drawing/2014/main" id="{878F546F-1F66-4159-BA1C-1E574FCA4DE6}"/>
-                </a:ext>
-              </a:extLst>
-            </p:cNvPr>
-            <p:cNvSpPr/>
-            <p:nvPr/>
-          </p:nvSpPr>
-          <p:spPr>
-            <a:xfrm>
-              <a:off x="2886757" y="1962149"/>
-              <a:ext cx="3857222" cy="1273176"/>
-            </a:xfrm>
-            <a:prstGeom prst="rect">
-              <a:avLst/>
-            </a:prstGeom>
-            <a:noFill/>
             <a:ln w="9525">
               <a:solidFill>
                 <a:schemeClr val="tx1"/>
@@ -4381,6 +3398,16 @@
             <a:lstStyle/>
             <a:p>
               <a:pPr algn="ctr"/>
+              <a:r>
+                <a:rPr lang="zh-CN" altLang="en-US" sz="1200" i="0" dirty="0">
+                  <a:solidFill>
+                    <a:schemeClr val="tx1"/>
+                  </a:solidFill>
+                  <a:latin typeface="宋体" panose="02010600030101010101" pitchFamily="2" charset="-122"/>
+                  <a:ea typeface="宋体" panose="02010600030101010101" pitchFamily="2" charset="-122"/>
+                </a:rPr>
+                <a:t>构建可解释知识蒸馏模型</a:t>
+              </a:r>
               <a:endParaRPr lang="zh-CN" altLang="en-US" sz="1200" dirty="0">
                 <a:solidFill>
                   <a:schemeClr val="tx1"/>
@@ -4393,10 +3420,10 @@
         </p:sp>
         <p:sp>
           <p:nvSpPr>
-            <p:cNvPr id="42" name="矩形 41">
+            <p:cNvPr id="9" name="矩形 8">
               <a:extLst>
                 <a:ext uri="{FF2B5EF4-FFF2-40B4-BE49-F238E27FC236}">
-                  <a16:creationId xmlns:a16="http://schemas.microsoft.com/office/drawing/2014/main" id="{6B8136A9-F4FF-470E-918F-585CA2FE2F80}"/>
+                  <a16:creationId xmlns:a16="http://schemas.microsoft.com/office/drawing/2014/main" id="{9D979B48-9F81-490B-8D7B-BCFE274A1C19}"/>
                 </a:ext>
               </a:extLst>
             </p:cNvPr>
@@ -4405,13 +3432,18 @@
           </p:nvSpPr>
           <p:spPr>
             <a:xfrm>
-              <a:off x="2886757" y="3525613"/>
-              <a:ext cx="3857222" cy="1273176"/>
+              <a:off x="5458495" y="2009104"/>
+              <a:ext cx="2172238" cy="431442"/>
             </a:xfrm>
             <a:prstGeom prst="rect">
               <a:avLst/>
             </a:prstGeom>
-            <a:noFill/>
+            <a:solidFill>
+              <a:schemeClr val="accent1">
+                <a:lumMod val="20000"/>
+                <a:lumOff val="80000"/>
+              </a:schemeClr>
+            </a:solidFill>
             <a:ln w="9525">
               <a:solidFill>
                 <a:schemeClr val="tx1"/>
@@ -4439,6 +3471,16 @@
             <a:lstStyle/>
             <a:p>
               <a:pPr algn="ctr"/>
+              <a:r>
+                <a:rPr lang="zh-CN" altLang="en-US" sz="1200" i="0" dirty="0">
+                  <a:solidFill>
+                    <a:schemeClr val="tx1"/>
+                  </a:solidFill>
+                  <a:latin typeface="宋体" panose="02010600030101010101" pitchFamily="2" charset="-122"/>
+                  <a:ea typeface="宋体" panose="02010600030101010101" pitchFamily="2" charset="-122"/>
+                </a:rPr>
+                <a:t>基于决策行为模拟的黑盒测试</a:t>
+              </a:r>
               <a:endParaRPr lang="zh-CN" altLang="en-US" sz="1200" dirty="0">
                 <a:solidFill>
                   <a:schemeClr val="tx1"/>
@@ -4451,10 +3493,10 @@
         </p:sp>
         <p:sp>
           <p:nvSpPr>
-            <p:cNvPr id="43" name="矩形 42">
+            <p:cNvPr id="10" name="矩形 9">
               <a:extLst>
                 <a:ext uri="{FF2B5EF4-FFF2-40B4-BE49-F238E27FC236}">
-                  <a16:creationId xmlns:a16="http://schemas.microsoft.com/office/drawing/2014/main" id="{47EF3A6E-91B6-4055-A8EA-49C829BB9D8D}"/>
+                  <a16:creationId xmlns:a16="http://schemas.microsoft.com/office/drawing/2014/main" id="{851DAC98-377C-4BC2-83EC-B07ABFB2C1D4}"/>
                 </a:ext>
               </a:extLst>
             </p:cNvPr>
@@ -4463,13 +3505,17 @@
           </p:nvSpPr>
           <p:spPr>
             <a:xfrm>
-              <a:off x="2620683" y="1905000"/>
-              <a:ext cx="4171950" cy="2952750"/>
+              <a:off x="5954412" y="2775398"/>
+              <a:ext cx="1180404" cy="431442"/>
             </a:xfrm>
             <a:prstGeom prst="rect">
               <a:avLst/>
             </a:prstGeom>
-            <a:noFill/>
+            <a:solidFill>
+              <a:schemeClr val="bg1">
+                <a:lumMod val="95000"/>
+              </a:schemeClr>
+            </a:solidFill>
             <a:ln w="9525">
               <a:solidFill>
                 <a:schemeClr val="tx1"/>
@@ -4497,6 +3543,16 @@
             <a:lstStyle/>
             <a:p>
               <a:pPr algn="ctr"/>
+              <a:r>
+                <a:rPr lang="zh-CN" altLang="en-US" sz="1200" i="0" dirty="0">
+                  <a:solidFill>
+                    <a:schemeClr val="tx1"/>
+                  </a:solidFill>
+                  <a:latin typeface="宋体" panose="02010600030101010101" pitchFamily="2" charset="-122"/>
+                  <a:ea typeface="宋体" panose="02010600030101010101" pitchFamily="2" charset="-122"/>
+                </a:rPr>
+                <a:t>基于树模型的决策行为模拟</a:t>
+              </a:r>
               <a:endParaRPr lang="zh-CN" altLang="en-US" sz="1200" dirty="0">
                 <a:solidFill>
                   <a:schemeClr val="tx1"/>
@@ -4509,10 +3565,10 @@
         </p:sp>
         <p:sp>
           <p:nvSpPr>
-            <p:cNvPr id="46" name="矩形 45">
+            <p:cNvPr id="11" name="矩形 10">
               <a:extLst>
                 <a:ext uri="{FF2B5EF4-FFF2-40B4-BE49-F238E27FC236}">
-                  <a16:creationId xmlns:a16="http://schemas.microsoft.com/office/drawing/2014/main" id="{575938DD-EF30-4220-B3E0-2B5516FDB194}"/>
+                  <a16:creationId xmlns:a16="http://schemas.microsoft.com/office/drawing/2014/main" id="{FAE9FC23-0638-451B-8BA5-D390ABA227C4}"/>
                 </a:ext>
               </a:extLst>
             </p:cNvPr>
@@ -4521,14 +3577,16 @@
           </p:nvSpPr>
           <p:spPr>
             <a:xfrm>
-              <a:off x="8156575" y="2001347"/>
-              <a:ext cx="1266395" cy="766294"/>
+              <a:off x="7237925" y="2775398"/>
+              <a:ext cx="1180404" cy="431442"/>
             </a:xfrm>
             <a:prstGeom prst="rect">
               <a:avLst/>
             </a:prstGeom>
             <a:solidFill>
-              <a:schemeClr val="bg1"/>
+              <a:schemeClr val="bg1">
+                <a:lumMod val="95000"/>
+              </a:schemeClr>
             </a:solidFill>
             <a:ln w="9525">
               <a:solidFill>
@@ -4565,17 +3623,172 @@
                   <a:latin typeface="宋体" panose="02010600030101010101" pitchFamily="2" charset="-122"/>
                   <a:ea typeface="宋体" panose="02010600030101010101" pitchFamily="2" charset="-122"/>
                 </a:rPr>
-                <a:t>基于决策行为抽取和聚类分析的测试数据检测能力分析</a:t>
+                <a:t>建立</a:t>
               </a:r>
+              <a:r>
+                <a:rPr lang="zh-CN" altLang="en-US" sz="1200" i="0" dirty="0">
+                  <a:solidFill>
+                    <a:schemeClr val="tx1"/>
+                  </a:solidFill>
+                  <a:latin typeface="宋体" panose="02010600030101010101" pitchFamily="2" charset="-122"/>
+                  <a:ea typeface="宋体" panose="02010600030101010101" pitchFamily="2" charset="-122"/>
+                </a:rPr>
+                <a:t>黑盒测试覆盖指标</a:t>
+              </a:r>
+              <a:endParaRPr lang="zh-CN" altLang="en-US" sz="1200" dirty="0">
+                <a:solidFill>
+                  <a:schemeClr val="tx1"/>
+                </a:solidFill>
+                <a:latin typeface="宋体" panose="02010600030101010101" pitchFamily="2" charset="-122"/>
+                <a:ea typeface="宋体" panose="02010600030101010101" pitchFamily="2" charset="-122"/>
+              </a:endParaRPr>
             </a:p>
           </p:txBody>
         </p:sp>
+        <p:cxnSp>
+          <p:nvCxnSpPr>
+            <p:cNvPr id="13" name="直接连接符 12">
+              <a:extLst>
+                <a:ext uri="{FF2B5EF4-FFF2-40B4-BE49-F238E27FC236}">
+                  <a16:creationId xmlns:a16="http://schemas.microsoft.com/office/drawing/2014/main" id="{D541F5EE-A1D4-49D4-BA88-8102979DF3E6}"/>
+                </a:ext>
+              </a:extLst>
+            </p:cNvPr>
+            <p:cNvCxnSpPr>
+              <a:stCxn id="9" idx="2"/>
+              <a:endCxn id="6" idx="0"/>
+            </p:cNvCxnSpPr>
+            <p:nvPr/>
+          </p:nvCxnSpPr>
+          <p:spPr>
+            <a:xfrm flipH="1">
+              <a:off x="5261101" y="2440546"/>
+              <a:ext cx="1283513" cy="338072"/>
+            </a:xfrm>
+            <a:prstGeom prst="line">
+              <a:avLst/>
+            </a:prstGeom>
+          </p:spPr>
+          <p:style>
+            <a:lnRef idx="1">
+              <a:schemeClr val="dk1"/>
+            </a:lnRef>
+            <a:fillRef idx="0">
+              <a:schemeClr val="dk1"/>
+            </a:fillRef>
+            <a:effectRef idx="0">
+              <a:schemeClr val="dk1"/>
+            </a:effectRef>
+            <a:fontRef idx="minor">
+              <a:schemeClr val="tx1"/>
+            </a:fontRef>
+          </p:style>
+        </p:cxnSp>
+        <p:cxnSp>
+          <p:nvCxnSpPr>
+            <p:cNvPr id="15" name="直接连接符 14">
+              <a:extLst>
+                <a:ext uri="{FF2B5EF4-FFF2-40B4-BE49-F238E27FC236}">
+                  <a16:creationId xmlns:a16="http://schemas.microsoft.com/office/drawing/2014/main" id="{FE004B57-CF1E-4D82-A5FD-470D0628F4E1}"/>
+                </a:ext>
+              </a:extLst>
+            </p:cNvPr>
+            <p:cNvCxnSpPr>
+              <a:stCxn id="9" idx="2"/>
+              <a:endCxn id="10" idx="0"/>
+            </p:cNvCxnSpPr>
+            <p:nvPr/>
+          </p:nvCxnSpPr>
+          <p:spPr>
+            <a:xfrm>
+              <a:off x="6544614" y="2440546"/>
+              <a:ext cx="0" cy="334852"/>
+            </a:xfrm>
+            <a:prstGeom prst="line">
+              <a:avLst/>
+            </a:prstGeom>
+          </p:spPr>
+          <p:style>
+            <a:lnRef idx="1">
+              <a:schemeClr val="dk1"/>
+            </a:lnRef>
+            <a:fillRef idx="0">
+              <a:schemeClr val="dk1"/>
+            </a:fillRef>
+            <a:effectRef idx="0">
+              <a:schemeClr val="dk1"/>
+            </a:effectRef>
+            <a:fontRef idx="minor">
+              <a:schemeClr val="tx1"/>
+            </a:fontRef>
+          </p:style>
+        </p:cxnSp>
+        <p:cxnSp>
+          <p:nvCxnSpPr>
+            <p:cNvPr id="17" name="直接连接符 16">
+              <a:extLst>
+                <a:ext uri="{FF2B5EF4-FFF2-40B4-BE49-F238E27FC236}">
+                  <a16:creationId xmlns:a16="http://schemas.microsoft.com/office/drawing/2014/main" id="{F2F7DF99-DA84-48C1-83C1-463297E4F576}"/>
+                </a:ext>
+              </a:extLst>
+            </p:cNvPr>
+            <p:cNvCxnSpPr>
+              <a:stCxn id="9" idx="2"/>
+              <a:endCxn id="11" idx="0"/>
+            </p:cNvCxnSpPr>
+            <p:nvPr/>
+          </p:nvCxnSpPr>
+          <p:spPr>
+            <a:xfrm>
+              <a:off x="6544614" y="2440546"/>
+              <a:ext cx="1283513" cy="334852"/>
+            </a:xfrm>
+            <a:prstGeom prst="line">
+              <a:avLst/>
+            </a:prstGeom>
+          </p:spPr>
+          <p:style>
+            <a:lnRef idx="1">
+              <a:schemeClr val="dk1"/>
+            </a:lnRef>
+            <a:fillRef idx="0">
+              <a:schemeClr val="dk1"/>
+            </a:fillRef>
+            <a:effectRef idx="0">
+              <a:schemeClr val="dk1"/>
+            </a:effectRef>
+            <a:fontRef idx="minor">
+              <a:schemeClr val="tx1"/>
+            </a:fontRef>
+          </p:style>
+        </p:cxnSp>
+      </p:grpSp>
+      <p:grpSp>
+        <p:nvGrpSpPr>
+          <p:cNvPr id="26" name="组合 25">
+            <a:extLst>
+              <a:ext uri="{FF2B5EF4-FFF2-40B4-BE49-F238E27FC236}">
+                <a16:creationId xmlns:a16="http://schemas.microsoft.com/office/drawing/2014/main" id="{1DDD301D-FB70-4D0B-A19B-D49EDA8E0A04}"/>
+              </a:ext>
+            </a:extLst>
+          </p:cNvPr>
+          <p:cNvGrpSpPr/>
+          <p:nvPr/>
+        </p:nvGrpSpPr>
+        <p:grpSpPr>
+          <a:xfrm>
+            <a:off x="2914191" y="2033899"/>
+            <a:ext cx="3747430" cy="1200956"/>
+            <a:chOff x="4670899" y="2009104"/>
+            <a:chExt cx="3747430" cy="1200956"/>
+          </a:xfrm>
+        </p:grpSpPr>
         <p:sp>
           <p:nvSpPr>
-            <p:cNvPr id="47" name="矩形 46">
+            <p:cNvPr id="27" name="矩形 26">
               <a:extLst>
                 <a:ext uri="{FF2B5EF4-FFF2-40B4-BE49-F238E27FC236}">
-                  <a16:creationId xmlns:a16="http://schemas.microsoft.com/office/drawing/2014/main" id="{FAED4443-8931-475C-96DB-05F7A2D6EDA2}"/>
+                  <a16:creationId xmlns:a16="http://schemas.microsoft.com/office/drawing/2014/main" id="{623E87BD-CE4D-4DBB-8B19-97165A86BADB}"/>
                 </a:ext>
               </a:extLst>
             </p:cNvPr>
@@ -4584,14 +3797,16 @@
           </p:nvSpPr>
           <p:spPr>
             <a:xfrm>
-              <a:off x="7185992" y="2619185"/>
-              <a:ext cx="581491" cy="1524379"/>
+              <a:off x="4670899" y="2778618"/>
+              <a:ext cx="1180404" cy="431442"/>
             </a:xfrm>
             <a:prstGeom prst="rect">
               <a:avLst/>
             </a:prstGeom>
             <a:solidFill>
-              <a:schemeClr val="bg1"/>
+              <a:schemeClr val="bg1">
+                <a:lumMod val="95000"/>
+              </a:schemeClr>
             </a:solidFill>
             <a:ln w="9525">
               <a:solidFill>
@@ -4628,7 +3843,7 @@
                   <a:latin typeface="宋体" panose="02010600030101010101" pitchFamily="2" charset="-122"/>
                   <a:ea typeface="宋体" panose="02010600030101010101" pitchFamily="2" charset="-122"/>
                 </a:rPr>
-                <a:t>基于反馈偏置的自适应测试集生成</a:t>
+                <a:t>抽取层次表示关键特征</a:t>
               </a:r>
               <a:endParaRPr lang="zh-CN" altLang="en-US" sz="1200" dirty="0">
                 <a:solidFill>
@@ -4642,10 +3857,10 @@
         </p:sp>
         <p:sp>
           <p:nvSpPr>
-            <p:cNvPr id="48" name="矩形 47">
+            <p:cNvPr id="28" name="矩形 27">
               <a:extLst>
                 <a:ext uri="{FF2B5EF4-FFF2-40B4-BE49-F238E27FC236}">
-                  <a16:creationId xmlns:a16="http://schemas.microsoft.com/office/drawing/2014/main" id="{FC66D700-B911-4219-A817-CB11B2D607D2}"/>
+                  <a16:creationId xmlns:a16="http://schemas.microsoft.com/office/drawing/2014/main" id="{5F1BD23E-44E6-4D02-AA9A-B9696BA6F1F5}"/>
                 </a:ext>
               </a:extLst>
             </p:cNvPr>
@@ -4654,14 +3869,89 @@
           </p:nvSpPr>
           <p:spPr>
             <a:xfrm>
-              <a:off x="8156575" y="3004341"/>
-              <a:ext cx="1266395" cy="431442"/>
+              <a:off x="5458495" y="2009104"/>
+              <a:ext cx="2172238" cy="431442"/>
             </a:xfrm>
             <a:prstGeom prst="rect">
               <a:avLst/>
             </a:prstGeom>
             <a:solidFill>
-              <a:schemeClr val="bg1"/>
+              <a:schemeClr val="accent1">
+                <a:lumMod val="20000"/>
+                <a:lumOff val="80000"/>
+              </a:schemeClr>
+            </a:solidFill>
+            <a:ln w="9525">
+              <a:solidFill>
+                <a:schemeClr val="tx1"/>
+              </a:solidFill>
+            </a:ln>
+          </p:spPr>
+          <p:style>
+            <a:lnRef idx="2">
+              <a:schemeClr val="accent1">
+                <a:shade val="50000"/>
+              </a:schemeClr>
+            </a:lnRef>
+            <a:fillRef idx="1">
+              <a:schemeClr val="accent1"/>
+            </a:fillRef>
+            <a:effectRef idx="0">
+              <a:schemeClr val="accent1"/>
+            </a:effectRef>
+            <a:fontRef idx="minor">
+              <a:schemeClr val="lt1"/>
+            </a:fontRef>
+          </p:style>
+          <p:txBody>
+            <a:bodyPr rtlCol="0" anchor="ctr"/>
+            <a:lstStyle/>
+            <a:p>
+              <a:pPr algn="ctr"/>
+              <a:r>
+                <a:rPr lang="zh-CN" altLang="en-US" sz="1200" i="0" dirty="0">
+                  <a:solidFill>
+                    <a:schemeClr val="tx1"/>
+                  </a:solidFill>
+                  <a:latin typeface="宋体" panose="02010600030101010101" pitchFamily="2" charset="-122"/>
+                  <a:ea typeface="宋体" panose="02010600030101010101" pitchFamily="2" charset="-122"/>
+                </a:rPr>
+                <a:t>基于层次语义理解的白盒测试</a:t>
+              </a:r>
+              <a:endParaRPr lang="zh-CN" altLang="en-US" sz="1200" dirty="0">
+                <a:solidFill>
+                  <a:schemeClr val="tx1"/>
+                </a:solidFill>
+                <a:latin typeface="宋体" panose="02010600030101010101" pitchFamily="2" charset="-122"/>
+                <a:ea typeface="宋体" panose="02010600030101010101" pitchFamily="2" charset="-122"/>
+              </a:endParaRPr>
+            </a:p>
+          </p:txBody>
+        </p:sp>
+        <p:sp>
+          <p:nvSpPr>
+            <p:cNvPr id="29" name="矩形 28">
+              <a:extLst>
+                <a:ext uri="{FF2B5EF4-FFF2-40B4-BE49-F238E27FC236}">
+                  <a16:creationId xmlns:a16="http://schemas.microsoft.com/office/drawing/2014/main" id="{C07CC555-CB45-4856-BC5D-DD89A1C3F8A1}"/>
+                </a:ext>
+              </a:extLst>
+            </p:cNvPr>
+            <p:cNvSpPr/>
+            <p:nvPr/>
+          </p:nvSpPr>
+          <p:spPr>
+            <a:xfrm>
+              <a:off x="5954412" y="2775398"/>
+              <a:ext cx="1180404" cy="431442"/>
+            </a:xfrm>
+            <a:prstGeom prst="rect">
+              <a:avLst/>
+            </a:prstGeom>
+            <a:solidFill>
+              <a:schemeClr val="bg1">
+                <a:lumMod val="95000"/>
+              </a:schemeClr>
             </a:solidFill>
             <a:ln w="9525">
               <a:solidFill>
@@ -4698,17 +3988,17 @@
                   <a:latin typeface="宋体" panose="02010600030101010101" pitchFamily="2" charset="-122"/>
                   <a:ea typeface="宋体" panose="02010600030101010101" pitchFamily="2" charset="-122"/>
                 </a:rPr>
-                <a:t>可解释代表性测试数据选取</a:t>
+                <a:t>构建有层次语义的学生模型</a:t>
               </a:r>
             </a:p>
           </p:txBody>
         </p:sp>
         <p:sp>
           <p:nvSpPr>
-            <p:cNvPr id="49" name="矩形 48">
+            <p:cNvPr id="30" name="矩形 29">
               <a:extLst>
                 <a:ext uri="{FF2B5EF4-FFF2-40B4-BE49-F238E27FC236}">
-                  <a16:creationId xmlns:a16="http://schemas.microsoft.com/office/drawing/2014/main" id="{7B224275-3964-4416-81B7-AA548E09A0BB}"/>
+                  <a16:creationId xmlns:a16="http://schemas.microsoft.com/office/drawing/2014/main" id="{69523FD1-E207-4C71-ACC8-7F0D677D24FA}"/>
                 </a:ext>
               </a:extLst>
             </p:cNvPr>
@@ -4717,14 +4007,16 @@
           </p:nvSpPr>
           <p:spPr>
             <a:xfrm>
-              <a:off x="8138484" y="3668677"/>
-              <a:ext cx="1266395" cy="431442"/>
+              <a:off x="7237925" y="2775398"/>
+              <a:ext cx="1180404" cy="431442"/>
             </a:xfrm>
             <a:prstGeom prst="rect">
               <a:avLst/>
             </a:prstGeom>
             <a:solidFill>
-              <a:schemeClr val="bg1"/>
+              <a:schemeClr val="bg1">
+                <a:lumMod val="95000"/>
+              </a:schemeClr>
             </a:solidFill>
             <a:ln w="9525">
               <a:solidFill>
@@ -4754,75 +4046,15 @@
             <a:p>
               <a:pPr algn="ctr"/>
               <a:r>
-                <a:rPr lang="zh-CN" altLang="en-US" sz="1200" i="0" dirty="0">
+                <a:rPr lang="zh-CN" altLang="en-US" sz="1200" dirty="0">
                   <a:solidFill>
                     <a:schemeClr val="tx1"/>
                   </a:solidFill>
                   <a:latin typeface="宋体" panose="02010600030101010101" pitchFamily="2" charset="-122"/>
                   <a:ea typeface="宋体" panose="02010600030101010101" pitchFamily="2" charset="-122"/>
                 </a:rPr>
-                <a:t>自适应测试离群点选取</a:t>
+                <a:t>建立可解释</a:t>
               </a:r>
-              <a:endParaRPr lang="zh-CN" altLang="en-US" sz="1200" dirty="0">
-                <a:solidFill>
-                  <a:schemeClr val="tx1"/>
-                </a:solidFill>
-                <a:latin typeface="宋体" panose="02010600030101010101" pitchFamily="2" charset="-122"/>
-                <a:ea typeface="宋体" panose="02010600030101010101" pitchFamily="2" charset="-122"/>
-              </a:endParaRPr>
-            </a:p>
-          </p:txBody>
-        </p:sp>
-        <p:sp>
-          <p:nvSpPr>
-            <p:cNvPr id="50" name="矩形 49">
-              <a:extLst>
-                <a:ext uri="{FF2B5EF4-FFF2-40B4-BE49-F238E27FC236}">
-                  <a16:creationId xmlns:a16="http://schemas.microsoft.com/office/drawing/2014/main" id="{810AC16F-8B0E-42B8-B25E-CCB7C8EC9C1E}"/>
-                </a:ext>
-              </a:extLst>
-            </p:cNvPr>
-            <p:cNvSpPr/>
-            <p:nvPr/>
-          </p:nvSpPr>
-          <p:spPr>
-            <a:xfrm>
-              <a:off x="8138484" y="4329627"/>
-              <a:ext cx="1266395" cy="431442"/>
-            </a:xfrm>
-            <a:prstGeom prst="rect">
-              <a:avLst/>
-            </a:prstGeom>
-            <a:solidFill>
-              <a:schemeClr val="bg1"/>
-            </a:solidFill>
-            <a:ln w="9525">
-              <a:solidFill>
-                <a:schemeClr val="tx1"/>
-              </a:solidFill>
-            </a:ln>
-          </p:spPr>
-          <p:style>
-            <a:lnRef idx="2">
-              <a:schemeClr val="accent1">
-                <a:shade val="50000"/>
-              </a:schemeClr>
-            </a:lnRef>
-            <a:fillRef idx="1">
-              <a:schemeClr val="accent1"/>
-            </a:fillRef>
-            <a:effectRef idx="0">
-              <a:schemeClr val="accent1"/>
-            </a:effectRef>
-            <a:fontRef idx="minor">
-              <a:schemeClr val="lt1"/>
-            </a:fontRef>
-          </p:style>
-          <p:txBody>
-            <a:bodyPr rtlCol="0" anchor="ctr"/>
-            <a:lstStyle/>
-            <a:p>
-              <a:pPr algn="ctr"/>
               <a:r>
                 <a:rPr lang="zh-CN" altLang="en-US" sz="1200" i="0" dirty="0">
                   <a:solidFill>
@@ -4831,7 +4063,7 @@
                   <a:latin typeface="宋体" panose="02010600030101010101" pitchFamily="2" charset="-122"/>
                   <a:ea typeface="宋体" panose="02010600030101010101" pitchFamily="2" charset="-122"/>
                 </a:rPr>
-                <a:t>基于反馈偏置的边界数据选取</a:t>
+                <a:t>白盒覆盖指标</a:t>
               </a:r>
               <a:endParaRPr lang="zh-CN" altLang="en-US" sz="1200" dirty="0">
                 <a:solidFill>
@@ -4845,24 +4077,23 @@
         </p:sp>
         <p:cxnSp>
           <p:nvCxnSpPr>
-            <p:cNvPr id="55" name="直接连接符 54">
+            <p:cNvPr id="31" name="直接连接符 30">
               <a:extLst>
                 <a:ext uri="{FF2B5EF4-FFF2-40B4-BE49-F238E27FC236}">
-                  <a16:creationId xmlns:a16="http://schemas.microsoft.com/office/drawing/2014/main" id="{1B1CC739-44C3-4FFC-AA7E-637964F3C143}"/>
+                  <a16:creationId xmlns:a16="http://schemas.microsoft.com/office/drawing/2014/main" id="{762F1C75-00AF-439F-B7E8-51750A0C13A3}"/>
                 </a:ext>
               </a:extLst>
             </p:cNvPr>
             <p:cNvCxnSpPr>
-              <a:cxnSpLocks/>
-              <a:stCxn id="47" idx="3"/>
-              <a:endCxn id="46" idx="1"/>
+              <a:stCxn id="28" idx="2"/>
+              <a:endCxn id="27" idx="0"/>
             </p:cNvCxnSpPr>
             <p:nvPr/>
           </p:nvCxnSpPr>
           <p:spPr>
-            <a:xfrm flipV="1">
-              <a:off x="7767483" y="2384494"/>
-              <a:ext cx="389092" cy="996881"/>
+            <a:xfrm flipH="1">
+              <a:off x="5261101" y="2440546"/>
+              <a:ext cx="1283513" cy="338072"/>
             </a:xfrm>
             <a:prstGeom prst="line">
               <a:avLst/>
@@ -4885,24 +4116,23 @@
         </p:cxnSp>
         <p:cxnSp>
           <p:nvCxnSpPr>
-            <p:cNvPr id="57" name="直接连接符 56">
+            <p:cNvPr id="32" name="直接连接符 31">
               <a:extLst>
                 <a:ext uri="{FF2B5EF4-FFF2-40B4-BE49-F238E27FC236}">
-                  <a16:creationId xmlns:a16="http://schemas.microsoft.com/office/drawing/2014/main" id="{2A59A8B7-DD80-4C23-A5B3-5F81550C6F3B}"/>
+                  <a16:creationId xmlns:a16="http://schemas.microsoft.com/office/drawing/2014/main" id="{AA79A60B-744E-4005-A6FE-6444755DBFAE}"/>
                 </a:ext>
               </a:extLst>
             </p:cNvPr>
             <p:cNvCxnSpPr>
-              <a:cxnSpLocks/>
-              <a:stCxn id="47" idx="3"/>
-              <a:endCxn id="48" idx="1"/>
+              <a:stCxn id="28" idx="2"/>
+              <a:endCxn id="29" idx="0"/>
             </p:cNvCxnSpPr>
             <p:nvPr/>
           </p:nvCxnSpPr>
           <p:spPr>
-            <a:xfrm flipV="1">
-              <a:off x="7767483" y="3220062"/>
-              <a:ext cx="389092" cy="161313"/>
+            <a:xfrm>
+              <a:off x="6544614" y="2440546"/>
+              <a:ext cx="0" cy="334852"/>
             </a:xfrm>
             <a:prstGeom prst="line">
               <a:avLst/>
@@ -4925,24 +4155,23 @@
         </p:cxnSp>
         <p:cxnSp>
           <p:nvCxnSpPr>
-            <p:cNvPr id="59" name="直接连接符 58">
+            <p:cNvPr id="33" name="直接连接符 32">
               <a:extLst>
                 <a:ext uri="{FF2B5EF4-FFF2-40B4-BE49-F238E27FC236}">
-                  <a16:creationId xmlns:a16="http://schemas.microsoft.com/office/drawing/2014/main" id="{22D9FC75-70CB-44E4-B7FD-FFAB94AF3532}"/>
+                  <a16:creationId xmlns:a16="http://schemas.microsoft.com/office/drawing/2014/main" id="{670358A8-9395-48EF-9502-8E3466461CD8}"/>
                 </a:ext>
               </a:extLst>
             </p:cNvPr>
             <p:cNvCxnSpPr>
-              <a:cxnSpLocks/>
-              <a:stCxn id="47" idx="3"/>
-              <a:endCxn id="49" idx="1"/>
+              <a:stCxn id="28" idx="2"/>
+              <a:endCxn id="30" idx="0"/>
             </p:cNvCxnSpPr>
             <p:nvPr/>
           </p:nvCxnSpPr>
           <p:spPr>
             <a:xfrm>
-              <a:off x="7767483" y="3381375"/>
-              <a:ext cx="371001" cy="503023"/>
+              <a:off x="6544614" y="2440546"/>
+              <a:ext cx="1283513" cy="334852"/>
             </a:xfrm>
             <a:prstGeom prst="line">
               <a:avLst/>
@@ -4963,416 +4192,1193 @@
             </a:fontRef>
           </p:style>
         </p:cxnSp>
-        <p:cxnSp>
-          <p:nvCxnSpPr>
-            <p:cNvPr id="61" name="直接连接符 60">
-              <a:extLst>
-                <a:ext uri="{FF2B5EF4-FFF2-40B4-BE49-F238E27FC236}">
-                  <a16:creationId xmlns:a16="http://schemas.microsoft.com/office/drawing/2014/main" id="{A3BFEF5B-B82C-4461-98C4-EB8470ACA372}"/>
-                </a:ext>
-              </a:extLst>
-            </p:cNvPr>
-            <p:cNvCxnSpPr>
-              <a:cxnSpLocks/>
-              <a:stCxn id="47" idx="3"/>
-              <a:endCxn id="50" idx="1"/>
-            </p:cNvCxnSpPr>
-            <p:nvPr/>
-          </p:nvCxnSpPr>
-          <p:spPr>
-            <a:xfrm>
-              <a:off x="7767483" y="3381375"/>
-              <a:ext cx="371001" cy="1163973"/>
-            </a:xfrm>
-            <a:prstGeom prst="line">
-              <a:avLst/>
-            </a:prstGeom>
-          </p:spPr>
-          <p:style>
-            <a:lnRef idx="1">
-              <a:schemeClr val="dk1"/>
-            </a:lnRef>
-            <a:fillRef idx="0">
-              <a:schemeClr val="dk1"/>
-            </a:fillRef>
-            <a:effectRef idx="0">
-              <a:schemeClr val="dk1"/>
-            </a:effectRef>
-            <a:fontRef idx="minor">
-              <a:schemeClr val="tx1"/>
-            </a:fontRef>
-          </p:style>
-        </p:cxnSp>
-        <p:sp>
-          <p:nvSpPr>
-            <p:cNvPr id="62" name="矩形 61">
-              <a:extLst>
-                <a:ext uri="{FF2B5EF4-FFF2-40B4-BE49-F238E27FC236}">
-                  <a16:creationId xmlns:a16="http://schemas.microsoft.com/office/drawing/2014/main" id="{C19DE5F9-EA25-4956-876B-129A36AE1A32}"/>
-                </a:ext>
-              </a:extLst>
-            </p:cNvPr>
-            <p:cNvSpPr/>
-            <p:nvPr/>
-          </p:nvSpPr>
-          <p:spPr>
-            <a:xfrm>
-              <a:off x="7110133" y="1904999"/>
-              <a:ext cx="2362200" cy="2952750"/>
-            </a:xfrm>
-            <a:prstGeom prst="rect">
-              <a:avLst/>
-            </a:prstGeom>
+      </p:grpSp>
+      <p:sp>
+        <p:nvSpPr>
+          <p:cNvPr id="38" name="矩形 37">
+            <a:extLst>
+              <a:ext uri="{FF2B5EF4-FFF2-40B4-BE49-F238E27FC236}">
+                <a16:creationId xmlns:a16="http://schemas.microsoft.com/office/drawing/2014/main" id="{46272717-DD7A-4588-9D51-111B31405201}"/>
+              </a:ext>
+            </a:extLst>
+          </p:cNvPr>
+          <p:cNvSpPr/>
+          <p:nvPr/>
+        </p:nvSpPr>
+        <p:spPr>
+          <a:xfrm>
+            <a:off x="2547733" y="2141759"/>
+            <a:ext cx="356155" cy="982015"/>
+          </a:xfrm>
+          <a:prstGeom prst="rect">
+            <a:avLst/>
+          </a:prstGeom>
+          <a:solidFill>
+            <a:schemeClr val="bg1"/>
+          </a:solidFill>
+          <a:ln w="9525">
             <a:noFill/>
-            <a:ln w="9525">
-              <a:solidFill>
-                <a:schemeClr val="tx1"/>
-              </a:solidFill>
-            </a:ln>
-          </p:spPr>
-          <p:style>
-            <a:lnRef idx="2">
-              <a:schemeClr val="accent1">
-                <a:shade val="50000"/>
-              </a:schemeClr>
-            </a:lnRef>
-            <a:fillRef idx="1">
-              <a:schemeClr val="accent1"/>
-            </a:fillRef>
-            <a:effectRef idx="0">
-              <a:schemeClr val="accent1"/>
-            </a:effectRef>
-            <a:fontRef idx="minor">
-              <a:schemeClr val="lt1"/>
-            </a:fontRef>
-          </p:style>
-          <p:txBody>
-            <a:bodyPr rtlCol="0" anchor="ctr"/>
-            <a:lstStyle/>
-            <a:p>
-              <a:pPr algn="ctr"/>
-              <a:endParaRPr lang="zh-CN" altLang="en-US" sz="1200" dirty="0">
+          </a:ln>
+        </p:spPr>
+        <p:style>
+          <a:lnRef idx="2">
+            <a:schemeClr val="accent1">
+              <a:shade val="50000"/>
+            </a:schemeClr>
+          </a:lnRef>
+          <a:fillRef idx="1">
+            <a:schemeClr val="accent1"/>
+          </a:fillRef>
+          <a:effectRef idx="0">
+            <a:schemeClr val="accent1"/>
+          </a:effectRef>
+          <a:fontRef idx="minor">
+            <a:schemeClr val="lt1"/>
+          </a:fontRef>
+        </p:style>
+        <p:txBody>
+          <a:bodyPr rtlCol="0" anchor="ctr"/>
+          <a:lstStyle/>
+          <a:p>
+            <a:pPr algn="ctr"/>
+            <a:r>
+              <a:rPr lang="zh-CN" altLang="en-US" sz="1200" b="1" i="0" dirty="0">
                 <a:solidFill>
                   <a:schemeClr val="tx1"/>
                 </a:solidFill>
                 <a:latin typeface="宋体" panose="02010600030101010101" pitchFamily="2" charset="-122"/>
                 <a:ea typeface="宋体" panose="02010600030101010101" pitchFamily="2" charset="-122"/>
-              </a:endParaRPr>
-            </a:p>
-          </p:txBody>
-        </p:sp>
-        <p:sp>
-          <p:nvSpPr>
-            <p:cNvPr id="63" name="箭头: 右 62">
-              <a:extLst>
-                <a:ext uri="{FF2B5EF4-FFF2-40B4-BE49-F238E27FC236}">
-                  <a16:creationId xmlns:a16="http://schemas.microsoft.com/office/drawing/2014/main" id="{B2E04346-1537-4B71-8F47-6B15813C7852}"/>
-                </a:ext>
-              </a:extLst>
-            </p:cNvPr>
-            <p:cNvSpPr/>
-            <p:nvPr/>
-          </p:nvSpPr>
-          <p:spPr>
-            <a:xfrm>
-              <a:off x="6792633" y="3235324"/>
-              <a:ext cx="299409" cy="193675"/>
-            </a:xfrm>
-            <a:prstGeom prst="rightArrow">
-              <a:avLst/>
-            </a:prstGeom>
-            <a:noFill/>
-            <a:ln w="19050">
+              </a:rPr>
+              <a:t>白盒测试</a:t>
+            </a:r>
+            <a:endParaRPr lang="zh-CN" altLang="en-US" sz="1200" b="1" dirty="0">
               <a:solidFill>
                 <a:schemeClr val="tx1"/>
               </a:solidFill>
-            </a:ln>
-          </p:spPr>
-          <p:style>
-            <a:lnRef idx="2">
-              <a:schemeClr val="accent1">
-                <a:shade val="50000"/>
-              </a:schemeClr>
-            </a:lnRef>
-            <a:fillRef idx="1">
-              <a:schemeClr val="accent1"/>
-            </a:fillRef>
-            <a:effectRef idx="0">
-              <a:schemeClr val="accent1"/>
-            </a:effectRef>
-            <a:fontRef idx="minor">
-              <a:schemeClr val="lt1"/>
-            </a:fontRef>
-          </p:style>
-          <p:txBody>
-            <a:bodyPr rtlCol="0" anchor="ctr"/>
-            <a:lstStyle/>
-            <a:p>
-              <a:pPr algn="ctr"/>
-              <a:endParaRPr lang="zh-CN" altLang="en-US" sz="1200">
-                <a:ln>
-                  <a:solidFill>
-                    <a:schemeClr val="tx1"/>
-                  </a:solidFill>
-                </a:ln>
-                <a:noFill/>
-                <a:latin typeface="宋体" panose="02010600030101010101" pitchFamily="2" charset="-122"/>
-                <a:ea typeface="宋体" panose="02010600030101010101" pitchFamily="2" charset="-122"/>
-              </a:endParaRPr>
-            </a:p>
-          </p:txBody>
-        </p:sp>
-        <p:sp>
-          <p:nvSpPr>
-            <p:cNvPr id="64" name="文本框 63">
-              <a:extLst>
-                <a:ext uri="{FF2B5EF4-FFF2-40B4-BE49-F238E27FC236}">
-                  <a16:creationId xmlns:a16="http://schemas.microsoft.com/office/drawing/2014/main" id="{B3B86578-E3D0-4B31-98A4-1C1033177782}"/>
-                </a:ext>
-              </a:extLst>
-            </p:cNvPr>
-            <p:cNvSpPr txBox="1"/>
-            <p:nvPr/>
-          </p:nvSpPr>
-          <p:spPr>
-            <a:xfrm>
-              <a:off x="3690572" y="1614712"/>
-              <a:ext cx="2249592" cy="276999"/>
-            </a:xfrm>
-            <a:prstGeom prst="rect">
-              <a:avLst/>
-            </a:prstGeom>
-            <a:noFill/>
-          </p:spPr>
-          <p:txBody>
-            <a:bodyPr wrap="square" rtlCol="0">
-              <a:spAutoFit/>
-            </a:bodyPr>
-            <a:lstStyle/>
-            <a:p>
-              <a:pPr algn="ctr"/>
-              <a:r>
-                <a:rPr lang="zh-CN" altLang="en-US" sz="1200" b="1" dirty="0">
-                  <a:latin typeface="宋体" panose="02010600030101010101" pitchFamily="2" charset="-122"/>
-                  <a:ea typeface="宋体" panose="02010600030101010101" pitchFamily="2" charset="-122"/>
-                </a:rPr>
-                <a:t>可解释测试模型</a:t>
-              </a:r>
-            </a:p>
-          </p:txBody>
-        </p:sp>
-        <p:sp>
-          <p:nvSpPr>
-            <p:cNvPr id="65" name="文本框 64">
-              <a:extLst>
-                <a:ext uri="{FF2B5EF4-FFF2-40B4-BE49-F238E27FC236}">
-                  <a16:creationId xmlns:a16="http://schemas.microsoft.com/office/drawing/2014/main" id="{7A3ACB61-14FE-4BD4-9046-59A756E99357}"/>
-                </a:ext>
-              </a:extLst>
-            </p:cNvPr>
-            <p:cNvSpPr txBox="1"/>
-            <p:nvPr/>
-          </p:nvSpPr>
-          <p:spPr>
-            <a:xfrm>
-              <a:off x="7166437" y="1617060"/>
-              <a:ext cx="2249592" cy="276999"/>
-            </a:xfrm>
-            <a:prstGeom prst="rect">
-              <a:avLst/>
-            </a:prstGeom>
-            <a:noFill/>
-          </p:spPr>
-          <p:txBody>
-            <a:bodyPr wrap="square" rtlCol="0">
-              <a:spAutoFit/>
-            </a:bodyPr>
-            <a:lstStyle/>
-            <a:p>
-              <a:pPr algn="ctr"/>
-              <a:r>
-                <a:rPr lang="zh-CN" altLang="en-US" sz="1200" b="1" dirty="0">
-                  <a:latin typeface="宋体" panose="02010600030101010101" pitchFamily="2" charset="-122"/>
-                  <a:ea typeface="宋体" panose="02010600030101010101" pitchFamily="2" charset="-122"/>
-                </a:rPr>
-                <a:t>自适应测试数据集生成</a:t>
-              </a:r>
-            </a:p>
-          </p:txBody>
-        </p:sp>
-        <p:cxnSp>
-          <p:nvCxnSpPr>
-            <p:cNvPr id="67" name="直接箭头连接符 66">
-              <a:extLst>
-                <a:ext uri="{FF2B5EF4-FFF2-40B4-BE49-F238E27FC236}">
-                  <a16:creationId xmlns:a16="http://schemas.microsoft.com/office/drawing/2014/main" id="{527A689C-8875-4AB2-AC9D-701CACC32C39}"/>
-                </a:ext>
-              </a:extLst>
-            </p:cNvPr>
-            <p:cNvCxnSpPr>
-              <a:cxnSpLocks/>
-            </p:cNvCxnSpPr>
-            <p:nvPr/>
-          </p:nvCxnSpPr>
-          <p:spPr>
-            <a:xfrm>
-              <a:off x="5509671" y="1753211"/>
-              <a:ext cx="1907379" cy="0"/>
-            </a:xfrm>
-            <a:prstGeom prst="straightConnector1">
-              <a:avLst/>
-            </a:prstGeom>
-            <a:ln w="12700">
-              <a:solidFill>
-                <a:srgbClr val="0000FF"/>
-              </a:solidFill>
-              <a:tailEnd type="triangle"/>
-            </a:ln>
-          </p:spPr>
-          <p:style>
-            <a:lnRef idx="1">
-              <a:schemeClr val="dk1"/>
-            </a:lnRef>
-            <a:fillRef idx="0">
-              <a:schemeClr val="dk1"/>
-            </a:fillRef>
-            <a:effectRef idx="0">
-              <a:schemeClr val="dk1"/>
-            </a:effectRef>
-            <a:fontRef idx="minor">
-              <a:schemeClr val="tx1"/>
-            </a:fontRef>
-          </p:style>
-        </p:cxnSp>
-        <p:sp>
-          <p:nvSpPr>
-            <p:cNvPr id="78" name="矩形 77">
-              <a:extLst>
-                <a:ext uri="{FF2B5EF4-FFF2-40B4-BE49-F238E27FC236}">
-                  <a16:creationId xmlns:a16="http://schemas.microsoft.com/office/drawing/2014/main" id="{A45A445A-3325-480C-AE0B-E7939407C68F}"/>
-                </a:ext>
-              </a:extLst>
-            </p:cNvPr>
-            <p:cNvSpPr/>
-            <p:nvPr/>
-          </p:nvSpPr>
-          <p:spPr>
-            <a:xfrm>
-              <a:off x="2573035" y="1321768"/>
-              <a:ext cx="6944452" cy="3585083"/>
-            </a:xfrm>
-            <a:prstGeom prst="rect">
-              <a:avLst/>
-            </a:prstGeom>
-            <a:noFill/>
-            <a:ln w="9525">
-              <a:solidFill>
-                <a:schemeClr val="tx1"/>
-              </a:solidFill>
-            </a:ln>
-          </p:spPr>
-          <p:style>
-            <a:lnRef idx="2">
-              <a:schemeClr val="accent1">
-                <a:shade val="50000"/>
-              </a:schemeClr>
-            </a:lnRef>
-            <a:fillRef idx="1">
-              <a:schemeClr val="accent1"/>
-            </a:fillRef>
-            <a:effectRef idx="0">
-              <a:schemeClr val="accent1"/>
-            </a:effectRef>
-            <a:fontRef idx="minor">
-              <a:schemeClr val="lt1"/>
-            </a:fontRef>
-          </p:style>
-          <p:txBody>
-            <a:bodyPr rtlCol="0" anchor="ctr"/>
-            <a:lstStyle/>
-            <a:p>
-              <a:pPr algn="ctr"/>
-              <a:endParaRPr lang="zh-CN" altLang="en-US" sz="1200" dirty="0">
+              <a:latin typeface="宋体" panose="02010600030101010101" pitchFamily="2" charset="-122"/>
+              <a:ea typeface="宋体" panose="02010600030101010101" pitchFamily="2" charset="-122"/>
+            </a:endParaRPr>
+          </a:p>
+        </p:txBody>
+      </p:sp>
+      <p:sp>
+        <p:nvSpPr>
+          <p:cNvPr id="39" name="矩形 38">
+            <a:extLst>
+              <a:ext uri="{FF2B5EF4-FFF2-40B4-BE49-F238E27FC236}">
+                <a16:creationId xmlns:a16="http://schemas.microsoft.com/office/drawing/2014/main" id="{9968DE4B-5A4D-4542-BFA5-3C3A538BB344}"/>
+              </a:ext>
+            </a:extLst>
+          </p:cNvPr>
+          <p:cNvSpPr/>
+          <p:nvPr/>
+        </p:nvSpPr>
+        <p:spPr>
+          <a:xfrm>
+            <a:off x="2544581" y="3626052"/>
+            <a:ext cx="356155" cy="982015"/>
+          </a:xfrm>
+          <a:prstGeom prst="rect">
+            <a:avLst/>
+          </a:prstGeom>
+          <a:solidFill>
+            <a:schemeClr val="bg1"/>
+          </a:solidFill>
+          <a:ln w="9525">
+            <a:solidFill>
+              <a:schemeClr val="bg1"/>
+            </a:solidFill>
+          </a:ln>
+        </p:spPr>
+        <p:style>
+          <a:lnRef idx="2">
+            <a:schemeClr val="accent1">
+              <a:shade val="50000"/>
+            </a:schemeClr>
+          </a:lnRef>
+          <a:fillRef idx="1">
+            <a:schemeClr val="accent1"/>
+          </a:fillRef>
+          <a:effectRef idx="0">
+            <a:schemeClr val="accent1"/>
+          </a:effectRef>
+          <a:fontRef idx="minor">
+            <a:schemeClr val="lt1"/>
+          </a:fontRef>
+        </p:style>
+        <p:txBody>
+          <a:bodyPr rtlCol="0" anchor="ctr"/>
+          <a:lstStyle/>
+          <a:p>
+            <a:pPr algn="ctr"/>
+            <a:r>
+              <a:rPr lang="zh-CN" altLang="en-US" sz="1200" b="1" i="0" dirty="0">
                 <a:solidFill>
                   <a:schemeClr val="tx1"/>
                 </a:solidFill>
                 <a:latin typeface="宋体" panose="02010600030101010101" pitchFamily="2" charset="-122"/>
                 <a:ea typeface="宋体" panose="02010600030101010101" pitchFamily="2" charset="-122"/>
-              </a:endParaRPr>
-            </a:p>
-          </p:txBody>
-        </p:sp>
-        <p:sp>
-          <p:nvSpPr>
-            <p:cNvPr id="83" name="矩形 82">
-              <a:extLst>
-                <a:ext uri="{FF2B5EF4-FFF2-40B4-BE49-F238E27FC236}">
-                  <a16:creationId xmlns:a16="http://schemas.microsoft.com/office/drawing/2014/main" id="{6F212446-9956-4773-B9CD-D82762F0D07D}"/>
-                </a:ext>
-              </a:extLst>
-            </p:cNvPr>
-            <p:cNvSpPr/>
-            <p:nvPr/>
-          </p:nvSpPr>
-          <p:spPr>
-            <a:xfrm>
-              <a:off x="4946630" y="1321768"/>
-              <a:ext cx="2172238" cy="288227"/>
-            </a:xfrm>
-            <a:prstGeom prst="rect">
-              <a:avLst/>
-            </a:prstGeom>
-            <a:solidFill>
-              <a:schemeClr val="bg1"/>
-            </a:solidFill>
-            <a:ln w="9525">
+              </a:rPr>
+              <a:t>黑盒测试</a:t>
+            </a:r>
+            <a:endParaRPr lang="zh-CN" altLang="en-US" sz="1200" b="1" dirty="0">
               <a:solidFill>
                 <a:schemeClr val="tx1"/>
               </a:solidFill>
-            </a:ln>
-          </p:spPr>
-          <p:style>
-            <a:lnRef idx="2">
-              <a:schemeClr val="accent1">
-                <a:shade val="50000"/>
-              </a:schemeClr>
-            </a:lnRef>
-            <a:fillRef idx="1">
-              <a:schemeClr val="accent1"/>
-            </a:fillRef>
-            <a:effectRef idx="0">
-              <a:schemeClr val="accent1"/>
-            </a:effectRef>
-            <a:fontRef idx="minor">
-              <a:schemeClr val="lt1"/>
-            </a:fontRef>
-          </p:style>
-          <p:txBody>
-            <a:bodyPr rtlCol="0" anchor="ctr"/>
-            <a:lstStyle/>
-            <a:p>
-              <a:pPr algn="ctr"/>
-              <a:r>
-                <a:rPr lang="zh-CN" altLang="en-US" sz="1400" b="1" i="0" dirty="0">
-                  <a:solidFill>
-                    <a:schemeClr val="tx1"/>
-                  </a:solidFill>
-                  <a:latin typeface="楷体" panose="02010609060101010101" pitchFamily="49" charset="-122"/>
-                  <a:ea typeface="楷体" panose="02010609060101010101" pitchFamily="49" charset="-122"/>
-                </a:rPr>
-                <a:t>可解释深度学习测试</a:t>
-              </a:r>
-              <a:endParaRPr lang="zh-CN" altLang="en-US" sz="1400" b="1" dirty="0">
+              <a:latin typeface="宋体" panose="02010600030101010101" pitchFamily="2" charset="-122"/>
+              <a:ea typeface="宋体" panose="02010600030101010101" pitchFamily="2" charset="-122"/>
+            </a:endParaRPr>
+          </a:p>
+        </p:txBody>
+      </p:sp>
+      <p:sp>
+        <p:nvSpPr>
+          <p:cNvPr id="41" name="矩形 40">
+            <a:extLst>
+              <a:ext uri="{FF2B5EF4-FFF2-40B4-BE49-F238E27FC236}">
+                <a16:creationId xmlns:a16="http://schemas.microsoft.com/office/drawing/2014/main" id="{878F546F-1F66-4159-BA1C-1E574FCA4DE6}"/>
+              </a:ext>
+            </a:extLst>
+          </p:cNvPr>
+          <p:cNvSpPr/>
+          <p:nvPr/>
+        </p:nvSpPr>
+        <p:spPr>
+          <a:xfrm>
+            <a:off x="2858303" y="3487893"/>
+            <a:ext cx="3857222" cy="1273176"/>
+          </a:xfrm>
+          <a:prstGeom prst="rect">
+            <a:avLst/>
+          </a:prstGeom>
+          <a:noFill/>
+          <a:ln w="9525">
+            <a:solidFill>
+              <a:schemeClr val="tx1"/>
+            </a:solidFill>
+          </a:ln>
+        </p:spPr>
+        <p:style>
+          <a:lnRef idx="2">
+            <a:schemeClr val="accent1">
+              <a:shade val="50000"/>
+            </a:schemeClr>
+          </a:lnRef>
+          <a:fillRef idx="1">
+            <a:schemeClr val="accent1"/>
+          </a:fillRef>
+          <a:effectRef idx="0">
+            <a:schemeClr val="accent1"/>
+          </a:effectRef>
+          <a:fontRef idx="minor">
+            <a:schemeClr val="lt1"/>
+          </a:fontRef>
+        </p:style>
+        <p:txBody>
+          <a:bodyPr rtlCol="0" anchor="ctr"/>
+          <a:lstStyle/>
+          <a:p>
+            <a:pPr algn="ctr"/>
+            <a:endParaRPr lang="zh-CN" altLang="en-US" sz="1200" dirty="0">
+              <a:solidFill>
+                <a:schemeClr val="tx1"/>
+              </a:solidFill>
+              <a:latin typeface="宋体" panose="02010600030101010101" pitchFamily="2" charset="-122"/>
+              <a:ea typeface="宋体" panose="02010600030101010101" pitchFamily="2" charset="-122"/>
+            </a:endParaRPr>
+          </a:p>
+        </p:txBody>
+      </p:sp>
+      <p:sp>
+        <p:nvSpPr>
+          <p:cNvPr id="42" name="矩形 41">
+            <a:extLst>
+              <a:ext uri="{FF2B5EF4-FFF2-40B4-BE49-F238E27FC236}">
+                <a16:creationId xmlns:a16="http://schemas.microsoft.com/office/drawing/2014/main" id="{6B8136A9-F4FF-470E-918F-585CA2FE2F80}"/>
+              </a:ext>
+            </a:extLst>
+          </p:cNvPr>
+          <p:cNvSpPr/>
+          <p:nvPr/>
+        </p:nvSpPr>
+        <p:spPr>
+          <a:xfrm>
+            <a:off x="2858303" y="1996179"/>
+            <a:ext cx="3857222" cy="1273176"/>
+          </a:xfrm>
+          <a:prstGeom prst="rect">
+            <a:avLst/>
+          </a:prstGeom>
+          <a:noFill/>
+          <a:ln w="9525">
+            <a:solidFill>
+              <a:schemeClr val="tx1"/>
+            </a:solidFill>
+          </a:ln>
+        </p:spPr>
+        <p:style>
+          <a:lnRef idx="2">
+            <a:schemeClr val="accent1">
+              <a:shade val="50000"/>
+            </a:schemeClr>
+          </a:lnRef>
+          <a:fillRef idx="1">
+            <a:schemeClr val="accent1"/>
+          </a:fillRef>
+          <a:effectRef idx="0">
+            <a:schemeClr val="accent1"/>
+          </a:effectRef>
+          <a:fontRef idx="minor">
+            <a:schemeClr val="lt1"/>
+          </a:fontRef>
+        </p:style>
+        <p:txBody>
+          <a:bodyPr rtlCol="0" anchor="ctr"/>
+          <a:lstStyle/>
+          <a:p>
+            <a:pPr algn="ctr"/>
+            <a:endParaRPr lang="zh-CN" altLang="en-US" sz="1200" dirty="0">
+              <a:solidFill>
+                <a:schemeClr val="tx1"/>
+              </a:solidFill>
+              <a:latin typeface="宋体" panose="02010600030101010101" pitchFamily="2" charset="-122"/>
+              <a:ea typeface="宋体" panose="02010600030101010101" pitchFamily="2" charset="-122"/>
+            </a:endParaRPr>
+          </a:p>
+        </p:txBody>
+      </p:sp>
+      <p:sp>
+        <p:nvSpPr>
+          <p:cNvPr id="43" name="矩形 42">
+            <a:extLst>
+              <a:ext uri="{FF2B5EF4-FFF2-40B4-BE49-F238E27FC236}">
+                <a16:creationId xmlns:a16="http://schemas.microsoft.com/office/drawing/2014/main" id="{47EF3A6E-91B6-4055-A8EA-49C829BB9D8D}"/>
+              </a:ext>
+            </a:extLst>
+          </p:cNvPr>
+          <p:cNvSpPr/>
+          <p:nvPr/>
+        </p:nvSpPr>
+        <p:spPr>
+          <a:xfrm>
+            <a:off x="2620683" y="1905000"/>
+            <a:ext cx="4171950" cy="2952750"/>
+          </a:xfrm>
+          <a:prstGeom prst="rect">
+            <a:avLst/>
+          </a:prstGeom>
+          <a:noFill/>
+          <a:ln w="9525">
+            <a:solidFill>
+              <a:schemeClr val="tx1"/>
+            </a:solidFill>
+          </a:ln>
+        </p:spPr>
+        <p:style>
+          <a:lnRef idx="2">
+            <a:schemeClr val="accent1">
+              <a:shade val="50000"/>
+            </a:schemeClr>
+          </a:lnRef>
+          <a:fillRef idx="1">
+            <a:schemeClr val="accent1"/>
+          </a:fillRef>
+          <a:effectRef idx="0">
+            <a:schemeClr val="accent1"/>
+          </a:effectRef>
+          <a:fontRef idx="minor">
+            <a:schemeClr val="lt1"/>
+          </a:fontRef>
+        </p:style>
+        <p:txBody>
+          <a:bodyPr rtlCol="0" anchor="ctr"/>
+          <a:lstStyle/>
+          <a:p>
+            <a:pPr algn="ctr"/>
+            <a:endParaRPr lang="zh-CN" altLang="en-US" sz="1200" dirty="0">
+              <a:solidFill>
+                <a:schemeClr val="tx1"/>
+              </a:solidFill>
+              <a:latin typeface="宋体" panose="02010600030101010101" pitchFamily="2" charset="-122"/>
+              <a:ea typeface="宋体" panose="02010600030101010101" pitchFamily="2" charset="-122"/>
+            </a:endParaRPr>
+          </a:p>
+        </p:txBody>
+      </p:sp>
+      <p:sp>
+        <p:nvSpPr>
+          <p:cNvPr id="46" name="矩形 45">
+            <a:extLst>
+              <a:ext uri="{FF2B5EF4-FFF2-40B4-BE49-F238E27FC236}">
+                <a16:creationId xmlns:a16="http://schemas.microsoft.com/office/drawing/2014/main" id="{575938DD-EF30-4220-B3E0-2B5516FDB194}"/>
+              </a:ext>
+            </a:extLst>
+          </p:cNvPr>
+          <p:cNvSpPr/>
+          <p:nvPr/>
+        </p:nvSpPr>
+        <p:spPr>
+          <a:xfrm>
+            <a:off x="8156575" y="2033899"/>
+            <a:ext cx="1266395" cy="766294"/>
+          </a:xfrm>
+          <a:prstGeom prst="rect">
+            <a:avLst/>
+          </a:prstGeom>
+          <a:solidFill>
+            <a:schemeClr val="bg1">
+              <a:lumMod val="95000"/>
+            </a:schemeClr>
+          </a:solidFill>
+          <a:ln w="9525">
+            <a:solidFill>
+              <a:schemeClr val="tx1"/>
+            </a:solidFill>
+          </a:ln>
+        </p:spPr>
+        <p:style>
+          <a:lnRef idx="2">
+            <a:schemeClr val="accent1">
+              <a:shade val="50000"/>
+            </a:schemeClr>
+          </a:lnRef>
+          <a:fillRef idx="1">
+            <a:schemeClr val="accent1"/>
+          </a:fillRef>
+          <a:effectRef idx="0">
+            <a:schemeClr val="accent1"/>
+          </a:effectRef>
+          <a:fontRef idx="minor">
+            <a:schemeClr val="lt1"/>
+          </a:fontRef>
+        </p:style>
+        <p:txBody>
+          <a:bodyPr rtlCol="0" anchor="ctr"/>
+          <a:lstStyle/>
+          <a:p>
+            <a:pPr algn="ctr"/>
+            <a:r>
+              <a:rPr lang="zh-CN" altLang="en-US" sz="1200" dirty="0">
+                <a:solidFill>
+                  <a:schemeClr val="tx1"/>
+                </a:solidFill>
+                <a:latin typeface="宋体" panose="02010600030101010101" pitchFamily="2" charset="-122"/>
+                <a:ea typeface="宋体" panose="02010600030101010101" pitchFamily="2" charset="-122"/>
+              </a:rPr>
+              <a:t>基于决策行为抽取和聚类分析的测试数据检测能力分析</a:t>
+            </a:r>
+          </a:p>
+        </p:txBody>
+      </p:sp>
+      <p:sp>
+        <p:nvSpPr>
+          <p:cNvPr id="47" name="矩形 46">
+            <a:extLst>
+              <a:ext uri="{FF2B5EF4-FFF2-40B4-BE49-F238E27FC236}">
+                <a16:creationId xmlns:a16="http://schemas.microsoft.com/office/drawing/2014/main" id="{FAED4443-8931-475C-96DB-05F7A2D6EDA2}"/>
+              </a:ext>
+            </a:extLst>
+          </p:cNvPr>
+          <p:cNvSpPr/>
+          <p:nvPr/>
+        </p:nvSpPr>
+        <p:spPr>
+          <a:xfrm>
+            <a:off x="7185992" y="2619185"/>
+            <a:ext cx="581491" cy="1524379"/>
+          </a:xfrm>
+          <a:prstGeom prst="rect">
+            <a:avLst/>
+          </a:prstGeom>
+          <a:solidFill>
+            <a:schemeClr val="accent1">
+              <a:lumMod val="20000"/>
+              <a:lumOff val="80000"/>
+            </a:schemeClr>
+          </a:solidFill>
+          <a:ln w="9525">
+            <a:solidFill>
+              <a:schemeClr val="tx1"/>
+            </a:solidFill>
+          </a:ln>
+        </p:spPr>
+        <p:style>
+          <a:lnRef idx="2">
+            <a:schemeClr val="accent1">
+              <a:shade val="50000"/>
+            </a:schemeClr>
+          </a:lnRef>
+          <a:fillRef idx="1">
+            <a:schemeClr val="accent1"/>
+          </a:fillRef>
+          <a:effectRef idx="0">
+            <a:schemeClr val="accent1"/>
+          </a:effectRef>
+          <a:fontRef idx="minor">
+            <a:schemeClr val="lt1"/>
+          </a:fontRef>
+        </p:style>
+        <p:txBody>
+          <a:bodyPr rtlCol="0" anchor="ctr"/>
+          <a:lstStyle/>
+          <a:p>
+            <a:pPr algn="ctr"/>
+            <a:r>
+              <a:rPr lang="zh-CN" altLang="en-US" sz="1200" i="0" dirty="0">
+                <a:solidFill>
+                  <a:schemeClr val="tx1"/>
+                </a:solidFill>
+                <a:latin typeface="宋体" panose="02010600030101010101" pitchFamily="2" charset="-122"/>
+                <a:ea typeface="宋体" panose="02010600030101010101" pitchFamily="2" charset="-122"/>
+              </a:rPr>
+              <a:t>基于反馈偏置的自适应测试集生成</a:t>
+            </a:r>
+            <a:endParaRPr lang="zh-CN" altLang="en-US" sz="1200" dirty="0">
+              <a:solidFill>
+                <a:schemeClr val="tx1"/>
+              </a:solidFill>
+              <a:latin typeface="宋体" panose="02010600030101010101" pitchFamily="2" charset="-122"/>
+              <a:ea typeface="宋体" panose="02010600030101010101" pitchFamily="2" charset="-122"/>
+            </a:endParaRPr>
+          </a:p>
+        </p:txBody>
+      </p:sp>
+      <p:sp>
+        <p:nvSpPr>
+          <p:cNvPr id="48" name="矩形 47">
+            <a:extLst>
+              <a:ext uri="{FF2B5EF4-FFF2-40B4-BE49-F238E27FC236}">
+                <a16:creationId xmlns:a16="http://schemas.microsoft.com/office/drawing/2014/main" id="{FC66D700-B911-4219-A817-CB11B2D607D2}"/>
+              </a:ext>
+            </a:extLst>
+          </p:cNvPr>
+          <p:cNvSpPr/>
+          <p:nvPr/>
+        </p:nvSpPr>
+        <p:spPr>
+          <a:xfrm>
+            <a:off x="8156575" y="3004341"/>
+            <a:ext cx="1266395" cy="431442"/>
+          </a:xfrm>
+          <a:prstGeom prst="rect">
+            <a:avLst/>
+          </a:prstGeom>
+          <a:solidFill>
+            <a:schemeClr val="bg1">
+              <a:lumMod val="95000"/>
+            </a:schemeClr>
+          </a:solidFill>
+          <a:ln w="9525">
+            <a:solidFill>
+              <a:schemeClr val="tx1"/>
+            </a:solidFill>
+          </a:ln>
+        </p:spPr>
+        <p:style>
+          <a:lnRef idx="2">
+            <a:schemeClr val="accent1">
+              <a:shade val="50000"/>
+            </a:schemeClr>
+          </a:lnRef>
+          <a:fillRef idx="1">
+            <a:schemeClr val="accent1"/>
+          </a:fillRef>
+          <a:effectRef idx="0">
+            <a:schemeClr val="accent1"/>
+          </a:effectRef>
+          <a:fontRef idx="minor">
+            <a:schemeClr val="lt1"/>
+          </a:fontRef>
+        </p:style>
+        <p:txBody>
+          <a:bodyPr rtlCol="0" anchor="ctr"/>
+          <a:lstStyle/>
+          <a:p>
+            <a:pPr algn="ctr"/>
+            <a:r>
+              <a:rPr lang="zh-CN" altLang="en-US" sz="1200" dirty="0">
+                <a:solidFill>
+                  <a:schemeClr val="tx1"/>
+                </a:solidFill>
+                <a:latin typeface="宋体" panose="02010600030101010101" pitchFamily="2" charset="-122"/>
+                <a:ea typeface="宋体" panose="02010600030101010101" pitchFamily="2" charset="-122"/>
+              </a:rPr>
+              <a:t>可解释代表性测试数据选取</a:t>
+            </a:r>
+          </a:p>
+        </p:txBody>
+      </p:sp>
+      <p:sp>
+        <p:nvSpPr>
+          <p:cNvPr id="49" name="矩形 48">
+            <a:extLst>
+              <a:ext uri="{FF2B5EF4-FFF2-40B4-BE49-F238E27FC236}">
+                <a16:creationId xmlns:a16="http://schemas.microsoft.com/office/drawing/2014/main" id="{7B224275-3964-4416-81B7-AA548E09A0BB}"/>
+              </a:ext>
+            </a:extLst>
+          </p:cNvPr>
+          <p:cNvSpPr/>
+          <p:nvPr/>
+        </p:nvSpPr>
+        <p:spPr>
+          <a:xfrm>
+            <a:off x="8138484" y="3652763"/>
+            <a:ext cx="1266395" cy="431442"/>
+          </a:xfrm>
+          <a:prstGeom prst="rect">
+            <a:avLst/>
+          </a:prstGeom>
+          <a:solidFill>
+            <a:schemeClr val="bg1">
+              <a:lumMod val="95000"/>
+            </a:schemeClr>
+          </a:solidFill>
+          <a:ln w="9525">
+            <a:solidFill>
+              <a:schemeClr val="tx1"/>
+            </a:solidFill>
+          </a:ln>
+        </p:spPr>
+        <p:style>
+          <a:lnRef idx="2">
+            <a:schemeClr val="accent1">
+              <a:shade val="50000"/>
+            </a:schemeClr>
+          </a:lnRef>
+          <a:fillRef idx="1">
+            <a:schemeClr val="accent1"/>
+          </a:fillRef>
+          <a:effectRef idx="0">
+            <a:schemeClr val="accent1"/>
+          </a:effectRef>
+          <a:fontRef idx="minor">
+            <a:schemeClr val="lt1"/>
+          </a:fontRef>
+        </p:style>
+        <p:txBody>
+          <a:bodyPr rtlCol="0" anchor="ctr"/>
+          <a:lstStyle/>
+          <a:p>
+            <a:pPr algn="ctr"/>
+            <a:r>
+              <a:rPr lang="zh-CN" altLang="en-US" sz="1200" i="0" dirty="0">
+                <a:solidFill>
+                  <a:schemeClr val="tx1"/>
+                </a:solidFill>
+                <a:latin typeface="宋体" panose="02010600030101010101" pitchFamily="2" charset="-122"/>
+                <a:ea typeface="宋体" panose="02010600030101010101" pitchFamily="2" charset="-122"/>
+              </a:rPr>
+              <a:t>自适应测试离群点选取</a:t>
+            </a:r>
+            <a:endParaRPr lang="zh-CN" altLang="en-US" sz="1200" dirty="0">
+              <a:solidFill>
+                <a:schemeClr val="tx1"/>
+              </a:solidFill>
+              <a:latin typeface="宋体" panose="02010600030101010101" pitchFamily="2" charset="-122"/>
+              <a:ea typeface="宋体" panose="02010600030101010101" pitchFamily="2" charset="-122"/>
+            </a:endParaRPr>
+          </a:p>
+        </p:txBody>
+      </p:sp>
+      <p:sp>
+        <p:nvSpPr>
+          <p:cNvPr id="50" name="矩形 49">
+            <a:extLst>
+              <a:ext uri="{FF2B5EF4-FFF2-40B4-BE49-F238E27FC236}">
+                <a16:creationId xmlns:a16="http://schemas.microsoft.com/office/drawing/2014/main" id="{810AC16F-8B0E-42B8-B25E-CCB7C8EC9C1E}"/>
+              </a:ext>
+            </a:extLst>
+          </p:cNvPr>
+          <p:cNvSpPr/>
+          <p:nvPr/>
+        </p:nvSpPr>
+        <p:spPr>
+          <a:xfrm>
+            <a:off x="8138483" y="4288353"/>
+            <a:ext cx="1266395" cy="431442"/>
+          </a:xfrm>
+          <a:prstGeom prst="rect">
+            <a:avLst/>
+          </a:prstGeom>
+          <a:solidFill>
+            <a:schemeClr val="bg1">
+              <a:lumMod val="95000"/>
+            </a:schemeClr>
+          </a:solidFill>
+          <a:ln w="9525">
+            <a:solidFill>
+              <a:schemeClr val="tx1"/>
+            </a:solidFill>
+          </a:ln>
+        </p:spPr>
+        <p:style>
+          <a:lnRef idx="2">
+            <a:schemeClr val="accent1">
+              <a:shade val="50000"/>
+            </a:schemeClr>
+          </a:lnRef>
+          <a:fillRef idx="1">
+            <a:schemeClr val="accent1"/>
+          </a:fillRef>
+          <a:effectRef idx="0">
+            <a:schemeClr val="accent1"/>
+          </a:effectRef>
+          <a:fontRef idx="minor">
+            <a:schemeClr val="lt1"/>
+          </a:fontRef>
+        </p:style>
+        <p:txBody>
+          <a:bodyPr rtlCol="0" anchor="ctr"/>
+          <a:lstStyle/>
+          <a:p>
+            <a:pPr algn="ctr"/>
+            <a:r>
+              <a:rPr lang="zh-CN" altLang="en-US" sz="1200" i="0" dirty="0">
+                <a:solidFill>
+                  <a:schemeClr val="tx1"/>
+                </a:solidFill>
+                <a:latin typeface="宋体" panose="02010600030101010101" pitchFamily="2" charset="-122"/>
+                <a:ea typeface="宋体" panose="02010600030101010101" pitchFamily="2" charset="-122"/>
+              </a:rPr>
+              <a:t>基于反馈偏置的边界数据选取</a:t>
+            </a:r>
+            <a:endParaRPr lang="zh-CN" altLang="en-US" sz="1200" dirty="0">
+              <a:solidFill>
+                <a:schemeClr val="tx1"/>
+              </a:solidFill>
+              <a:latin typeface="宋体" panose="02010600030101010101" pitchFamily="2" charset="-122"/>
+              <a:ea typeface="宋体" panose="02010600030101010101" pitchFamily="2" charset="-122"/>
+            </a:endParaRPr>
+          </a:p>
+        </p:txBody>
+      </p:sp>
+      <p:cxnSp>
+        <p:nvCxnSpPr>
+          <p:cNvPr id="55" name="直接连接符 54">
+            <a:extLst>
+              <a:ext uri="{FF2B5EF4-FFF2-40B4-BE49-F238E27FC236}">
+                <a16:creationId xmlns:a16="http://schemas.microsoft.com/office/drawing/2014/main" id="{1B1CC739-44C3-4FFC-AA7E-637964F3C143}"/>
+              </a:ext>
+            </a:extLst>
+          </p:cNvPr>
+          <p:cNvCxnSpPr>
+            <a:cxnSpLocks/>
+            <a:stCxn id="47" idx="3"/>
+            <a:endCxn id="46" idx="1"/>
+          </p:cNvCxnSpPr>
+          <p:nvPr/>
+        </p:nvCxnSpPr>
+        <p:spPr>
+          <a:xfrm flipV="1">
+            <a:off x="7767483" y="2417046"/>
+            <a:ext cx="389092" cy="964329"/>
+          </a:xfrm>
+          <a:prstGeom prst="line">
+            <a:avLst/>
+          </a:prstGeom>
+        </p:spPr>
+        <p:style>
+          <a:lnRef idx="1">
+            <a:schemeClr val="dk1"/>
+          </a:lnRef>
+          <a:fillRef idx="0">
+            <a:schemeClr val="dk1"/>
+          </a:fillRef>
+          <a:effectRef idx="0">
+            <a:schemeClr val="dk1"/>
+          </a:effectRef>
+          <a:fontRef idx="minor">
+            <a:schemeClr val="tx1"/>
+          </a:fontRef>
+        </p:style>
+      </p:cxnSp>
+      <p:cxnSp>
+        <p:nvCxnSpPr>
+          <p:cNvPr id="57" name="直接连接符 56">
+            <a:extLst>
+              <a:ext uri="{FF2B5EF4-FFF2-40B4-BE49-F238E27FC236}">
+                <a16:creationId xmlns:a16="http://schemas.microsoft.com/office/drawing/2014/main" id="{2A59A8B7-DD80-4C23-A5B3-5F81550C6F3B}"/>
+              </a:ext>
+            </a:extLst>
+          </p:cNvPr>
+          <p:cNvCxnSpPr>
+            <a:cxnSpLocks/>
+            <a:stCxn id="47" idx="3"/>
+            <a:endCxn id="48" idx="1"/>
+          </p:cNvCxnSpPr>
+          <p:nvPr/>
+        </p:nvCxnSpPr>
+        <p:spPr>
+          <a:xfrm flipV="1">
+            <a:off x="7767483" y="3220062"/>
+            <a:ext cx="389092" cy="161313"/>
+          </a:xfrm>
+          <a:prstGeom prst="line">
+            <a:avLst/>
+          </a:prstGeom>
+        </p:spPr>
+        <p:style>
+          <a:lnRef idx="1">
+            <a:schemeClr val="dk1"/>
+          </a:lnRef>
+          <a:fillRef idx="0">
+            <a:schemeClr val="dk1"/>
+          </a:fillRef>
+          <a:effectRef idx="0">
+            <a:schemeClr val="dk1"/>
+          </a:effectRef>
+          <a:fontRef idx="minor">
+            <a:schemeClr val="tx1"/>
+          </a:fontRef>
+        </p:style>
+      </p:cxnSp>
+      <p:cxnSp>
+        <p:nvCxnSpPr>
+          <p:cNvPr id="59" name="直接连接符 58">
+            <a:extLst>
+              <a:ext uri="{FF2B5EF4-FFF2-40B4-BE49-F238E27FC236}">
+                <a16:creationId xmlns:a16="http://schemas.microsoft.com/office/drawing/2014/main" id="{22D9FC75-70CB-44E4-B7FD-FFAB94AF3532}"/>
+              </a:ext>
+            </a:extLst>
+          </p:cNvPr>
+          <p:cNvCxnSpPr>
+            <a:cxnSpLocks/>
+            <a:stCxn id="47" idx="3"/>
+            <a:endCxn id="49" idx="1"/>
+          </p:cNvCxnSpPr>
+          <p:nvPr/>
+        </p:nvCxnSpPr>
+        <p:spPr>
+          <a:xfrm>
+            <a:off x="7767483" y="3381375"/>
+            <a:ext cx="371001" cy="487109"/>
+          </a:xfrm>
+          <a:prstGeom prst="line">
+            <a:avLst/>
+          </a:prstGeom>
+        </p:spPr>
+        <p:style>
+          <a:lnRef idx="1">
+            <a:schemeClr val="dk1"/>
+          </a:lnRef>
+          <a:fillRef idx="0">
+            <a:schemeClr val="dk1"/>
+          </a:fillRef>
+          <a:effectRef idx="0">
+            <a:schemeClr val="dk1"/>
+          </a:effectRef>
+          <a:fontRef idx="minor">
+            <a:schemeClr val="tx1"/>
+          </a:fontRef>
+        </p:style>
+      </p:cxnSp>
+      <p:cxnSp>
+        <p:nvCxnSpPr>
+          <p:cNvPr id="61" name="直接连接符 60">
+            <a:extLst>
+              <a:ext uri="{FF2B5EF4-FFF2-40B4-BE49-F238E27FC236}">
+                <a16:creationId xmlns:a16="http://schemas.microsoft.com/office/drawing/2014/main" id="{A3BFEF5B-B82C-4461-98C4-EB8470ACA372}"/>
+              </a:ext>
+            </a:extLst>
+          </p:cNvPr>
+          <p:cNvCxnSpPr>
+            <a:cxnSpLocks/>
+            <a:stCxn id="47" idx="3"/>
+            <a:endCxn id="50" idx="1"/>
+          </p:cNvCxnSpPr>
+          <p:nvPr/>
+        </p:nvCxnSpPr>
+        <p:spPr>
+          <a:xfrm>
+            <a:off x="7767483" y="3381375"/>
+            <a:ext cx="371000" cy="1122699"/>
+          </a:xfrm>
+          <a:prstGeom prst="line">
+            <a:avLst/>
+          </a:prstGeom>
+        </p:spPr>
+        <p:style>
+          <a:lnRef idx="1">
+            <a:schemeClr val="dk1"/>
+          </a:lnRef>
+          <a:fillRef idx="0">
+            <a:schemeClr val="dk1"/>
+          </a:fillRef>
+          <a:effectRef idx="0">
+            <a:schemeClr val="dk1"/>
+          </a:effectRef>
+          <a:fontRef idx="minor">
+            <a:schemeClr val="tx1"/>
+          </a:fontRef>
+        </p:style>
+      </p:cxnSp>
+      <p:sp>
+        <p:nvSpPr>
+          <p:cNvPr id="62" name="矩形 61">
+            <a:extLst>
+              <a:ext uri="{FF2B5EF4-FFF2-40B4-BE49-F238E27FC236}">
+                <a16:creationId xmlns:a16="http://schemas.microsoft.com/office/drawing/2014/main" id="{C19DE5F9-EA25-4956-876B-129A36AE1A32}"/>
+              </a:ext>
+            </a:extLst>
+          </p:cNvPr>
+          <p:cNvSpPr/>
+          <p:nvPr/>
+        </p:nvSpPr>
+        <p:spPr>
+          <a:xfrm>
+            <a:off x="7110133" y="1904999"/>
+            <a:ext cx="2362200" cy="2952750"/>
+          </a:xfrm>
+          <a:prstGeom prst="rect">
+            <a:avLst/>
+          </a:prstGeom>
+          <a:noFill/>
+          <a:ln w="9525">
+            <a:solidFill>
+              <a:schemeClr val="tx1"/>
+            </a:solidFill>
+          </a:ln>
+        </p:spPr>
+        <p:style>
+          <a:lnRef idx="2">
+            <a:schemeClr val="accent1">
+              <a:shade val="50000"/>
+            </a:schemeClr>
+          </a:lnRef>
+          <a:fillRef idx="1">
+            <a:schemeClr val="accent1"/>
+          </a:fillRef>
+          <a:effectRef idx="0">
+            <a:schemeClr val="accent1"/>
+          </a:effectRef>
+          <a:fontRef idx="minor">
+            <a:schemeClr val="lt1"/>
+          </a:fontRef>
+        </p:style>
+        <p:txBody>
+          <a:bodyPr rtlCol="0" anchor="ctr"/>
+          <a:lstStyle/>
+          <a:p>
+            <a:pPr algn="ctr"/>
+            <a:endParaRPr lang="zh-CN" altLang="en-US" sz="1200" dirty="0">
+              <a:solidFill>
+                <a:schemeClr val="tx1"/>
+              </a:solidFill>
+              <a:latin typeface="宋体" panose="02010600030101010101" pitchFamily="2" charset="-122"/>
+              <a:ea typeface="宋体" panose="02010600030101010101" pitchFamily="2" charset="-122"/>
+            </a:endParaRPr>
+          </a:p>
+        </p:txBody>
+      </p:sp>
+      <p:sp>
+        <p:nvSpPr>
+          <p:cNvPr id="63" name="箭头: 右 62">
+            <a:extLst>
+              <a:ext uri="{FF2B5EF4-FFF2-40B4-BE49-F238E27FC236}">
+                <a16:creationId xmlns:a16="http://schemas.microsoft.com/office/drawing/2014/main" id="{B2E04346-1537-4B71-8F47-6B15813C7852}"/>
+              </a:ext>
+            </a:extLst>
+          </p:cNvPr>
+          <p:cNvSpPr/>
+          <p:nvPr/>
+        </p:nvSpPr>
+        <p:spPr>
+          <a:xfrm>
+            <a:off x="6792633" y="3235324"/>
+            <a:ext cx="299409" cy="193675"/>
+          </a:xfrm>
+          <a:prstGeom prst="rightArrow">
+            <a:avLst/>
+          </a:prstGeom>
+          <a:noFill/>
+          <a:ln w="19050">
+            <a:solidFill>
+              <a:schemeClr val="tx1"/>
+            </a:solidFill>
+          </a:ln>
+        </p:spPr>
+        <p:style>
+          <a:lnRef idx="2">
+            <a:schemeClr val="accent1">
+              <a:shade val="50000"/>
+            </a:schemeClr>
+          </a:lnRef>
+          <a:fillRef idx="1">
+            <a:schemeClr val="accent1"/>
+          </a:fillRef>
+          <a:effectRef idx="0">
+            <a:schemeClr val="accent1"/>
+          </a:effectRef>
+          <a:fontRef idx="minor">
+            <a:schemeClr val="lt1"/>
+          </a:fontRef>
+        </p:style>
+        <p:txBody>
+          <a:bodyPr rtlCol="0" anchor="ctr"/>
+          <a:lstStyle/>
+          <a:p>
+            <a:pPr algn="ctr"/>
+            <a:endParaRPr lang="zh-CN" altLang="en-US" sz="1200">
+              <a:ln>
+                <a:solidFill>
+                  <a:schemeClr val="tx1"/>
+                </a:solidFill>
+              </a:ln>
+              <a:noFill/>
+              <a:latin typeface="宋体" panose="02010600030101010101" pitchFamily="2" charset="-122"/>
+              <a:ea typeface="宋体" panose="02010600030101010101" pitchFamily="2" charset="-122"/>
+            </a:endParaRPr>
+          </a:p>
+        </p:txBody>
+      </p:sp>
+      <p:sp>
+        <p:nvSpPr>
+          <p:cNvPr id="64" name="文本框 63">
+            <a:extLst>
+              <a:ext uri="{FF2B5EF4-FFF2-40B4-BE49-F238E27FC236}">
+                <a16:creationId xmlns:a16="http://schemas.microsoft.com/office/drawing/2014/main" id="{B3B86578-E3D0-4B31-98A4-1C1033177782}"/>
+              </a:ext>
+            </a:extLst>
+          </p:cNvPr>
+          <p:cNvSpPr txBox="1"/>
+          <p:nvPr/>
+        </p:nvSpPr>
+        <p:spPr>
+          <a:xfrm>
+            <a:off x="3690572" y="1614712"/>
+            <a:ext cx="2249592" cy="276999"/>
+          </a:xfrm>
+          <a:prstGeom prst="rect">
+            <a:avLst/>
+          </a:prstGeom>
+          <a:noFill/>
+        </p:spPr>
+        <p:txBody>
+          <a:bodyPr wrap="square" rtlCol="0">
+            <a:spAutoFit/>
+          </a:bodyPr>
+          <a:lstStyle/>
+          <a:p>
+            <a:pPr algn="ctr"/>
+            <a:r>
+              <a:rPr lang="zh-CN" altLang="en-US" sz="1200" b="1" dirty="0">
+                <a:latin typeface="宋体" panose="02010600030101010101" pitchFamily="2" charset="-122"/>
+                <a:ea typeface="宋体" panose="02010600030101010101" pitchFamily="2" charset="-122"/>
+              </a:rPr>
+              <a:t>可解释测试模型</a:t>
+            </a:r>
+          </a:p>
+        </p:txBody>
+      </p:sp>
+      <p:sp>
+        <p:nvSpPr>
+          <p:cNvPr id="65" name="文本框 64">
+            <a:extLst>
+              <a:ext uri="{FF2B5EF4-FFF2-40B4-BE49-F238E27FC236}">
+                <a16:creationId xmlns:a16="http://schemas.microsoft.com/office/drawing/2014/main" id="{7A3ACB61-14FE-4BD4-9046-59A756E99357}"/>
+              </a:ext>
+            </a:extLst>
+          </p:cNvPr>
+          <p:cNvSpPr txBox="1"/>
+          <p:nvPr/>
+        </p:nvSpPr>
+        <p:spPr>
+          <a:xfrm>
+            <a:off x="7166437" y="1617060"/>
+            <a:ext cx="2249592" cy="276999"/>
+          </a:xfrm>
+          <a:prstGeom prst="rect">
+            <a:avLst/>
+          </a:prstGeom>
+          <a:noFill/>
+        </p:spPr>
+        <p:txBody>
+          <a:bodyPr wrap="square" rtlCol="0">
+            <a:spAutoFit/>
+          </a:bodyPr>
+          <a:lstStyle/>
+          <a:p>
+            <a:pPr algn="ctr"/>
+            <a:r>
+              <a:rPr lang="zh-CN" altLang="en-US" sz="1200" b="1" dirty="0">
+                <a:latin typeface="宋体" panose="02010600030101010101" pitchFamily="2" charset="-122"/>
+                <a:ea typeface="宋体" panose="02010600030101010101" pitchFamily="2" charset="-122"/>
+              </a:rPr>
+              <a:t>自适应测试数据集生成</a:t>
+            </a:r>
+          </a:p>
+        </p:txBody>
+      </p:sp>
+      <p:cxnSp>
+        <p:nvCxnSpPr>
+          <p:cNvPr id="67" name="直接箭头连接符 66">
+            <a:extLst>
+              <a:ext uri="{FF2B5EF4-FFF2-40B4-BE49-F238E27FC236}">
+                <a16:creationId xmlns:a16="http://schemas.microsoft.com/office/drawing/2014/main" id="{527A689C-8875-4AB2-AC9D-701CACC32C39}"/>
+              </a:ext>
+            </a:extLst>
+          </p:cNvPr>
+          <p:cNvCxnSpPr>
+            <a:cxnSpLocks/>
+          </p:cNvCxnSpPr>
+          <p:nvPr/>
+        </p:nvCxnSpPr>
+        <p:spPr>
+          <a:xfrm>
+            <a:off x="5509671" y="1753211"/>
+            <a:ext cx="1907379" cy="0"/>
+          </a:xfrm>
+          <a:prstGeom prst="straightConnector1">
+            <a:avLst/>
+          </a:prstGeom>
+          <a:ln w="12700">
+            <a:solidFill>
+              <a:srgbClr val="0000FF"/>
+            </a:solidFill>
+            <a:tailEnd type="triangle"/>
+          </a:ln>
+        </p:spPr>
+        <p:style>
+          <a:lnRef idx="1">
+            <a:schemeClr val="dk1"/>
+          </a:lnRef>
+          <a:fillRef idx="0">
+            <a:schemeClr val="dk1"/>
+          </a:fillRef>
+          <a:effectRef idx="0">
+            <a:schemeClr val="dk1"/>
+          </a:effectRef>
+          <a:fontRef idx="minor">
+            <a:schemeClr val="tx1"/>
+          </a:fontRef>
+        </p:style>
+      </p:cxnSp>
+      <p:sp>
+        <p:nvSpPr>
+          <p:cNvPr id="78" name="矩形 77">
+            <a:extLst>
+              <a:ext uri="{FF2B5EF4-FFF2-40B4-BE49-F238E27FC236}">
+                <a16:creationId xmlns:a16="http://schemas.microsoft.com/office/drawing/2014/main" id="{A45A445A-3325-480C-AE0B-E7939407C68F}"/>
+              </a:ext>
+            </a:extLst>
+          </p:cNvPr>
+          <p:cNvSpPr/>
+          <p:nvPr/>
+        </p:nvSpPr>
+        <p:spPr>
+          <a:xfrm>
+            <a:off x="2573035" y="1321768"/>
+            <a:ext cx="6944452" cy="3585083"/>
+          </a:xfrm>
+          <a:prstGeom prst="rect">
+            <a:avLst/>
+          </a:prstGeom>
+          <a:noFill/>
+          <a:ln w="9525">
+            <a:solidFill>
+              <a:schemeClr val="tx1"/>
+            </a:solidFill>
+          </a:ln>
+        </p:spPr>
+        <p:style>
+          <a:lnRef idx="2">
+            <a:schemeClr val="accent1">
+              <a:shade val="50000"/>
+            </a:schemeClr>
+          </a:lnRef>
+          <a:fillRef idx="1">
+            <a:schemeClr val="accent1"/>
+          </a:fillRef>
+          <a:effectRef idx="0">
+            <a:schemeClr val="accent1"/>
+          </a:effectRef>
+          <a:fontRef idx="minor">
+            <a:schemeClr val="lt1"/>
+          </a:fontRef>
+        </p:style>
+        <p:txBody>
+          <a:bodyPr rtlCol="0" anchor="ctr"/>
+          <a:lstStyle/>
+          <a:p>
+            <a:pPr algn="ctr"/>
+            <a:endParaRPr lang="zh-CN" altLang="en-US" sz="1200" dirty="0">
+              <a:solidFill>
+                <a:schemeClr val="tx1"/>
+              </a:solidFill>
+              <a:latin typeface="宋体" panose="02010600030101010101" pitchFamily="2" charset="-122"/>
+              <a:ea typeface="宋体" panose="02010600030101010101" pitchFamily="2" charset="-122"/>
+            </a:endParaRPr>
+          </a:p>
+        </p:txBody>
+      </p:sp>
+      <p:sp>
+        <p:nvSpPr>
+          <p:cNvPr id="83" name="矩形 82">
+            <a:extLst>
+              <a:ext uri="{FF2B5EF4-FFF2-40B4-BE49-F238E27FC236}">
+                <a16:creationId xmlns:a16="http://schemas.microsoft.com/office/drawing/2014/main" id="{6F212446-9956-4773-B9CD-D82762F0D07D}"/>
+              </a:ext>
+            </a:extLst>
+          </p:cNvPr>
+          <p:cNvSpPr/>
+          <p:nvPr/>
+        </p:nvSpPr>
+        <p:spPr>
+          <a:xfrm>
+            <a:off x="4946630" y="1321768"/>
+            <a:ext cx="2172238" cy="288227"/>
+          </a:xfrm>
+          <a:prstGeom prst="rect">
+            <a:avLst/>
+          </a:prstGeom>
+          <a:noFill/>
+          <a:ln w="9525">
+            <a:solidFill>
+              <a:schemeClr val="tx1"/>
+            </a:solidFill>
+          </a:ln>
+        </p:spPr>
+        <p:style>
+          <a:lnRef idx="2">
+            <a:schemeClr val="accent1">
+              <a:shade val="50000"/>
+            </a:schemeClr>
+          </a:lnRef>
+          <a:fillRef idx="1">
+            <a:schemeClr val="accent1"/>
+          </a:fillRef>
+          <a:effectRef idx="0">
+            <a:schemeClr val="accent1"/>
+          </a:effectRef>
+          <a:fontRef idx="minor">
+            <a:schemeClr val="lt1"/>
+          </a:fontRef>
+        </p:style>
+        <p:txBody>
+          <a:bodyPr rtlCol="0" anchor="ctr"/>
+          <a:lstStyle/>
+          <a:p>
+            <a:pPr algn="ctr"/>
+            <a:r>
+              <a:rPr lang="zh-CN" altLang="en-US" sz="1400" b="1" i="0" dirty="0">
                 <a:solidFill>
                   <a:schemeClr val="tx1"/>
                 </a:solidFill>
                 <a:latin typeface="楷体" panose="02010609060101010101" pitchFamily="49" charset="-122"/>
                 <a:ea typeface="楷体" panose="02010609060101010101" pitchFamily="49" charset="-122"/>
-              </a:endParaRPr>
-            </a:p>
-          </p:txBody>
-        </p:sp>
-      </p:grpSp>
+              </a:rPr>
+              <a:t>可解释深度学习测试</a:t>
+            </a:r>
+            <a:endParaRPr lang="zh-CN" altLang="en-US" sz="1400" b="1" dirty="0">
+              <a:solidFill>
+                <a:schemeClr val="tx1"/>
+              </a:solidFill>
+              <a:latin typeface="楷体" panose="02010609060101010101" pitchFamily="49" charset="-122"/>
+              <a:ea typeface="楷体" panose="02010609060101010101" pitchFamily="49" charset="-122"/>
+            </a:endParaRPr>
+          </a:p>
+        </p:txBody>
+      </p:sp>
     </p:spTree>
     <p:extLst>
       <p:ext uri="{BB962C8B-B14F-4D97-AF65-F5344CB8AC3E}">
